--- a/Poster.pptx
+++ b/Poster.pptx
@@ -8,7 +8,7 @@
     <p:sldId id="256" r:id="rId2"/>
   </p:sldIdLst>
   <p:sldSz cx="36576000" cy="27432000"/>
-  <p:notesSz cx="6858000" cy="9144000"/>
+  <p:notesSz cx="7086600" cy="9372600"/>
   <p:defaultTextStyle>
     <a:defPPr>
       <a:defRPr lang="en-US"/>
@@ -112,6 +112,18 @@
 </p:presentation>
 </file>
 
+<file path=ppt/commentAuthors.xml><?xml version="1.0" encoding="utf-8"?>
+<p:cmAuthorLst xmlns:a="http://schemas.openxmlformats.org/drawingml/2006/main" xmlns:r="http://schemas.openxmlformats.org/officeDocument/2006/relationships" xmlns:p="http://schemas.openxmlformats.org/presentationml/2006/main">
+  <p:cmAuthor id="1" name="tao jie" initials="tj" lastIdx="2" clrIdx="0">
+    <p:extLst>
+      <p:ext uri="{19B8F6BF-5375-455C-9EA6-DF929625EA0E}">
+        <p15:presenceInfo xmlns:p15="http://schemas.microsoft.com/office/powerpoint/2012/main" userId="tao jie" providerId="None"/>
+      </p:ext>
+    </p:extLst>
+  </p:cmAuthor>
+</p:cmAuthorLst>
+</file>
+
 <file path=ppt/slideLayouts/slideLayout1.xml><?xml version="1.0" encoding="utf-8"?>
 <p:sldLayout xmlns:a="http://schemas.openxmlformats.org/drawingml/2006/main" xmlns:r="http://schemas.openxmlformats.org/officeDocument/2006/relationships" xmlns:p="http://schemas.openxmlformats.org/presentationml/2006/main" type="title" preserve="1">
   <p:cSld name="Title Slide">
@@ -243,7 +255,7 @@
           <a:p>
             <a:fld id="{A0851465-40F9-4ADD-9AAC-949F1948C050}" type="datetimeFigureOut">
               <a:rPr lang="en-US" smtClean="0"/>
-              <a:t>3/30/2019</a:t>
+              <a:t>4/12/2019</a:t>
             </a:fld>
             <a:endParaRPr lang="en-US"/>
           </a:p>
@@ -413,7 +425,7 @@
           <a:p>
             <a:fld id="{A0851465-40F9-4ADD-9AAC-949F1948C050}" type="datetimeFigureOut">
               <a:rPr lang="en-US" smtClean="0"/>
-              <a:t>3/30/2019</a:t>
+              <a:t>4/12/2019</a:t>
             </a:fld>
             <a:endParaRPr lang="en-US"/>
           </a:p>
@@ -593,7 +605,7 @@
           <a:p>
             <a:fld id="{A0851465-40F9-4ADD-9AAC-949F1948C050}" type="datetimeFigureOut">
               <a:rPr lang="en-US" smtClean="0"/>
-              <a:t>3/30/2019</a:t>
+              <a:t>4/12/2019</a:t>
             </a:fld>
             <a:endParaRPr lang="en-US"/>
           </a:p>
@@ -763,7 +775,7 @@
           <a:p>
             <a:fld id="{A0851465-40F9-4ADD-9AAC-949F1948C050}" type="datetimeFigureOut">
               <a:rPr lang="en-US" smtClean="0"/>
-              <a:t>3/30/2019</a:t>
+              <a:t>4/12/2019</a:t>
             </a:fld>
             <a:endParaRPr lang="en-US"/>
           </a:p>
@@ -1007,7 +1019,7 @@
           <a:p>
             <a:fld id="{A0851465-40F9-4ADD-9AAC-949F1948C050}" type="datetimeFigureOut">
               <a:rPr lang="en-US" smtClean="0"/>
-              <a:t>3/30/2019</a:t>
+              <a:t>4/12/2019</a:t>
             </a:fld>
             <a:endParaRPr lang="en-US"/>
           </a:p>
@@ -1239,7 +1251,7 @@
           <a:p>
             <a:fld id="{A0851465-40F9-4ADD-9AAC-949F1948C050}" type="datetimeFigureOut">
               <a:rPr lang="en-US" smtClean="0"/>
-              <a:t>3/30/2019</a:t>
+              <a:t>4/12/2019</a:t>
             </a:fld>
             <a:endParaRPr lang="en-US"/>
           </a:p>
@@ -1606,7 +1618,7 @@
           <a:p>
             <a:fld id="{A0851465-40F9-4ADD-9AAC-949F1948C050}" type="datetimeFigureOut">
               <a:rPr lang="en-US" smtClean="0"/>
-              <a:t>3/30/2019</a:t>
+              <a:t>4/12/2019</a:t>
             </a:fld>
             <a:endParaRPr lang="en-US"/>
           </a:p>
@@ -1724,7 +1736,7 @@
           <a:p>
             <a:fld id="{A0851465-40F9-4ADD-9AAC-949F1948C050}" type="datetimeFigureOut">
               <a:rPr lang="en-US" smtClean="0"/>
-              <a:t>3/30/2019</a:t>
+              <a:t>4/12/2019</a:t>
             </a:fld>
             <a:endParaRPr lang="en-US"/>
           </a:p>
@@ -1819,7 +1831,7 @@
           <a:p>
             <a:fld id="{A0851465-40F9-4ADD-9AAC-949F1948C050}" type="datetimeFigureOut">
               <a:rPr lang="en-US" smtClean="0"/>
-              <a:t>3/30/2019</a:t>
+              <a:t>4/12/2019</a:t>
             </a:fld>
             <a:endParaRPr lang="en-US"/>
           </a:p>
@@ -2096,7 +2108,7 @@
           <a:p>
             <a:fld id="{A0851465-40F9-4ADD-9AAC-949F1948C050}" type="datetimeFigureOut">
               <a:rPr lang="en-US" smtClean="0"/>
-              <a:t>3/30/2019</a:t>
+              <a:t>4/12/2019</a:t>
             </a:fld>
             <a:endParaRPr lang="en-US"/>
           </a:p>
@@ -2353,7 +2365,7 @@
           <a:p>
             <a:fld id="{A0851465-40F9-4ADD-9AAC-949F1948C050}" type="datetimeFigureOut">
               <a:rPr lang="en-US" smtClean="0"/>
-              <a:t>3/30/2019</a:t>
+              <a:t>4/12/2019</a:t>
             </a:fld>
             <a:endParaRPr lang="en-US"/>
           </a:p>
@@ -2566,7 +2578,7 @@
           <a:p>
             <a:fld id="{A0851465-40F9-4ADD-9AAC-949F1948C050}" type="datetimeFigureOut">
               <a:rPr lang="en-US" smtClean="0"/>
-              <a:t>3/30/2019</a:t>
+              <a:t>4/12/2019</a:t>
             </a:fld>
             <a:endParaRPr lang="en-US"/>
           </a:p>
@@ -2992,6 +3004,9 @@
             <a:off x="0" y="0"/>
             <a:ext cx="36576000" cy="1617784"/>
           </a:xfrm>
+          <a:solidFill>
+            <a:schemeClr val="tx1"/>
+          </a:solidFill>
           <a:ln/>
         </p:spPr>
         <p:style>
@@ -3026,7 +3041,7 @@
             </a:br>
             <a:r>
               <a:rPr lang="en-US" sz="4000" b="1" dirty="0"/>
-              <a:t>Author: Jie Tao	Supervisor: Dr. Greg </a:t>
+              <a:t>Author: Jie Tao	Advisor: Dr. Greg </a:t>
             </a:r>
             <a:r>
               <a:rPr lang="en-US" sz="4000" b="1" dirty="0" err="1"/>
@@ -3107,8 +3122,8 @@
         </p:nvSpPr>
         <p:spPr>
           <a:xfrm>
-            <a:off x="-1" y="3094891"/>
-            <a:ext cx="11957539" cy="4958863"/>
+            <a:off x="-1" y="3151258"/>
+            <a:ext cx="11957539" cy="5381673"/>
           </a:xfrm>
           <a:prstGeom prst="rect">
             <a:avLst/>
@@ -3130,7 +3145,7 @@
         </p:style>
         <p:txBody>
           <a:bodyPr vert="horz" lIns="91440" tIns="45720" rIns="91440" bIns="45720" rtlCol="0">
-            <a:normAutofit/>
+            <a:normAutofit fontScale="25000" lnSpcReduction="20000"/>
           </a:bodyPr>
           <a:lstStyle>
             <a:lvl1pPr marL="914400" indent="-914400" algn="l" defTabSz="3657600" rtl="0" eaLnBrk="1" latinLnBrk="0" hangingPunct="1">
@@ -3298,7 +3313,94 @@
           </a:lstStyle>
           <a:p>
             <a:pPr marL="0" indent="0">
-              <a:buFont typeface="Arial" panose="020B0604020202020204" pitchFamily="34" charset="0"/>
+              <a:spcBef>
+                <a:spcPts val="1200"/>
+              </a:spcBef>
+              <a:buNone/>
+            </a:pPr>
+            <a:r>
+              <a:rPr lang="en-US" dirty="0"/>
+              <a:t>The modeling of complex physical and biological phenomena has long been the domain of computational fluid dynamics. Given the recent success of deep learning models in a variety of application areas, this project attempted to determine if a deep neural network could be used to predict fluid motion. </a:t>
+            </a:r>
+          </a:p>
+          <a:p>
+            <a:pPr marL="0" indent="0">
+              <a:spcBef>
+                <a:spcPts val="1200"/>
+              </a:spcBef>
+              <a:buNone/>
+            </a:pPr>
+            <a:r>
+              <a:rPr lang="en-US" dirty="0"/>
+              <a:t>The neural net architecture employed in this research was the </a:t>
+            </a:r>
+            <a:r>
+              <a:rPr lang="en-US" dirty="0" err="1"/>
+              <a:t>ConvLSTM</a:t>
+            </a:r>
+            <a:r>
+              <a:rPr lang="en-US" dirty="0"/>
+              <a:t>. It used convolutional neurons to discover spatial features, and Long Short-Term Memory neurons to learn time-based patterns.  It contained almost 7 million parameters, which took about 100 minutes to train (Titan V GPU w/5120 cores). Two models were developed: </a:t>
+            </a:r>
+            <a:r>
+              <a:rPr lang="en-US" dirty="0" err="1"/>
+              <a:t>PredNet</a:t>
+            </a:r>
+            <a:r>
+              <a:rPr lang="en-US" dirty="0"/>
+              <a:t>(t+1) (predict next frame), and </a:t>
+            </a:r>
+            <a:r>
+              <a:rPr lang="en-US" dirty="0" err="1"/>
+              <a:t>PredNet</a:t>
+            </a:r>
+            <a:r>
+              <a:rPr lang="en-US" dirty="0"/>
+              <a:t>(t+10) (predict next 10 frames). Three prediction strategies were based on these models. </a:t>
+            </a:r>
+          </a:p>
+          <a:p>
+            <a:pPr marL="0" indent="0">
+              <a:spcBef>
+                <a:spcPts val="1200"/>
+              </a:spcBef>
+              <a:buNone/>
+            </a:pPr>
+            <a:r>
+              <a:rPr lang="en-US" dirty="0"/>
+              <a:t>Results indicate the model can generate predictions visually indistinguishable from ground truth (defined by the </a:t>
+            </a:r>
+            <a:r>
+              <a:rPr lang="en-US" dirty="0" err="1"/>
+              <a:t>Pisofoam</a:t>
+            </a:r>
+            <a:r>
+              <a:rPr lang="en-US" dirty="0"/>
+              <a:t> incompressible flow solver).  Standard video prediction metrics (Peak Signal to Noise Ratio) showed that the </a:t>
+            </a:r>
+            <a:r>
+              <a:rPr lang="en-US" dirty="0" err="1"/>
+              <a:t>PredNet</a:t>
+            </a:r>
+            <a:r>
+              <a:rPr lang="en-US" dirty="0"/>
+              <a:t>(t+10) model was able to extrapolate rolling predictions for 10 seconds with reasonable accuracy in a controlled environment. Training with a variety of samples (velocity, mesh, features) would be needed to determine if the models have the ability to generalize over a wide range of conditions.</a:t>
+            </a:r>
+          </a:p>
+          <a:p>
+            <a:pPr marL="0" indent="0">
+              <a:buNone/>
+            </a:pPr>
+            <a:endParaRPr lang="en-US" dirty="0"/>
+          </a:p>
+          <a:p>
+            <a:pPr marL="0" indent="0">
+              <a:buNone/>
+            </a:pPr>
+            <a:endParaRPr lang="en-US" sz="6200" dirty="0"/>
+          </a:p>
+          <a:p>
+            <a:pPr marL="0" indent="0">
               <a:buNone/>
             </a:pPr>
             <a:endParaRPr lang="en-US" dirty="0"/>
@@ -3540,8 +3642,8 @@
         </p:nvSpPr>
         <p:spPr>
           <a:xfrm>
-            <a:off x="12290180" y="3094890"/>
-            <a:ext cx="11957539" cy="24337109"/>
+            <a:off x="12286761" y="3085815"/>
+            <a:ext cx="11957539" cy="24337110"/>
           </a:xfrm>
           <a:prstGeom prst="rect">
             <a:avLst/>
@@ -3952,7 +4054,7 @@
             </a:pPr>
             <a:r>
               <a:rPr lang="en-US" sz="6000" dirty="0"/>
-              <a:t>Result</a:t>
+              <a:t>Results</a:t>
             </a:r>
             <a:endParaRPr lang="en-US" dirty="0"/>
           </a:p>
@@ -4188,7 +4290,7 @@
         </p:nvSpPr>
         <p:spPr>
           <a:xfrm>
-            <a:off x="-1" y="8474807"/>
+            <a:off x="-1" y="8587541"/>
             <a:ext cx="11957539" cy="1032608"/>
           </a:xfrm>
           <a:prstGeom prst="rect">
@@ -4392,261 +4494,637 @@
           </a:p>
         </p:txBody>
       </p:sp>
-      <p:sp>
-        <p:nvSpPr>
-          <p:cNvPr id="16" name="Vertical Text Placeholder 4">
-            <a:extLst>
-              <a:ext uri="{FF2B5EF4-FFF2-40B4-BE49-F238E27FC236}">
-                <a16:creationId xmlns:a16="http://schemas.microsoft.com/office/drawing/2014/main" id="{1D8B58FA-F462-4F8E-9B59-4036700A21AD}"/>
-              </a:ext>
-            </a:extLst>
-          </p:cNvPr>
-          <p:cNvSpPr txBox="1">
-            <a:spLocks/>
-          </p:cNvSpPr>
-          <p:nvPr/>
-        </p:nvSpPr>
-        <p:spPr>
-          <a:xfrm>
-            <a:off x="0" y="9562457"/>
-            <a:ext cx="11957539" cy="17869543"/>
-          </a:xfrm>
-          <a:prstGeom prst="rect">
-            <a:avLst/>
-          </a:prstGeom>
-        </p:spPr>
-        <p:style>
-          <a:lnRef idx="2">
-            <a:schemeClr val="accent3"/>
-          </a:lnRef>
-          <a:fillRef idx="1">
-            <a:schemeClr val="lt1"/>
-          </a:fillRef>
-          <a:effectRef idx="0">
-            <a:schemeClr val="accent3"/>
-          </a:effectRef>
-          <a:fontRef idx="minor">
-            <a:schemeClr val="dk1"/>
-          </a:fontRef>
-        </p:style>
-        <p:txBody>
-          <a:bodyPr vert="horz" lIns="91440" tIns="45720" rIns="91440" bIns="45720" rtlCol="0">
-            <a:normAutofit/>
-          </a:bodyPr>
-          <a:lstStyle>
-            <a:lvl1pPr marL="914400" indent="-914400" algn="l" defTabSz="3657600" rtl="0" eaLnBrk="1" latinLnBrk="0" hangingPunct="1">
-              <a:lnSpc>
-                <a:spcPct val="90000"/>
-              </a:lnSpc>
-              <a:spcBef>
-                <a:spcPts val="4000"/>
-              </a:spcBef>
-              <a:buFont typeface="Arial" panose="020B0604020202020204" pitchFamily="34" charset="0"/>
-              <a:buChar char="•"/>
-              <a:defRPr sz="11200" kern="1200">
-                <a:solidFill>
-                  <a:schemeClr val="dk1"/>
-                </a:solidFill>
-                <a:latin typeface="+mn-lt"/>
-                <a:ea typeface="+mn-ea"/>
-                <a:cs typeface="+mn-cs"/>
-              </a:defRPr>
-            </a:lvl1pPr>
-            <a:lvl2pPr marL="2743200" indent="-914400" algn="l" defTabSz="3657600" rtl="0" eaLnBrk="1" latinLnBrk="0" hangingPunct="1">
-              <a:lnSpc>
-                <a:spcPct val="90000"/>
-              </a:lnSpc>
-              <a:spcBef>
-                <a:spcPts val="2000"/>
-              </a:spcBef>
-              <a:buFont typeface="Arial" panose="020B0604020202020204" pitchFamily="34" charset="0"/>
-              <a:buChar char="•"/>
-              <a:defRPr sz="9600" kern="1200">
-                <a:solidFill>
-                  <a:schemeClr val="dk1"/>
-                </a:solidFill>
-                <a:latin typeface="+mn-lt"/>
-                <a:ea typeface="+mn-ea"/>
-                <a:cs typeface="+mn-cs"/>
-              </a:defRPr>
-            </a:lvl2pPr>
-            <a:lvl3pPr marL="4572000" indent="-914400" algn="l" defTabSz="3657600" rtl="0" eaLnBrk="1" latinLnBrk="0" hangingPunct="1">
-              <a:lnSpc>
-                <a:spcPct val="90000"/>
-              </a:lnSpc>
-              <a:spcBef>
-                <a:spcPts val="2000"/>
-              </a:spcBef>
-              <a:buFont typeface="Arial" panose="020B0604020202020204" pitchFamily="34" charset="0"/>
-              <a:buChar char="•"/>
-              <a:defRPr sz="8000" kern="1200">
-                <a:solidFill>
-                  <a:schemeClr val="dk1"/>
-                </a:solidFill>
-                <a:latin typeface="+mn-lt"/>
-                <a:ea typeface="+mn-ea"/>
-                <a:cs typeface="+mn-cs"/>
-              </a:defRPr>
-            </a:lvl3pPr>
-            <a:lvl4pPr marL="6400800" indent="-914400" algn="l" defTabSz="3657600" rtl="0" eaLnBrk="1" latinLnBrk="0" hangingPunct="1">
-              <a:lnSpc>
-                <a:spcPct val="90000"/>
-              </a:lnSpc>
-              <a:spcBef>
-                <a:spcPts val="2000"/>
-              </a:spcBef>
-              <a:buFont typeface="Arial" panose="020B0604020202020204" pitchFamily="34" charset="0"/>
-              <a:buChar char="•"/>
-              <a:defRPr sz="7200" kern="1200">
-                <a:solidFill>
-                  <a:schemeClr val="dk1"/>
-                </a:solidFill>
-                <a:latin typeface="+mn-lt"/>
-                <a:ea typeface="+mn-ea"/>
-                <a:cs typeface="+mn-cs"/>
-              </a:defRPr>
-            </a:lvl4pPr>
-            <a:lvl5pPr marL="8229600" indent="-914400" algn="l" defTabSz="3657600" rtl="0" eaLnBrk="1" latinLnBrk="0" hangingPunct="1">
-              <a:lnSpc>
-                <a:spcPct val="90000"/>
-              </a:lnSpc>
-              <a:spcBef>
-                <a:spcPts val="2000"/>
-              </a:spcBef>
-              <a:buFont typeface="Arial" panose="020B0604020202020204" pitchFamily="34" charset="0"/>
-              <a:buChar char="•"/>
-              <a:defRPr sz="7200" kern="1200">
-                <a:solidFill>
-                  <a:schemeClr val="dk1"/>
-                </a:solidFill>
-                <a:latin typeface="+mn-lt"/>
-                <a:ea typeface="+mn-ea"/>
-                <a:cs typeface="+mn-cs"/>
-              </a:defRPr>
-            </a:lvl5pPr>
-            <a:lvl6pPr marL="10058400" indent="-914400" algn="l" defTabSz="3657600" rtl="0" eaLnBrk="1" latinLnBrk="0" hangingPunct="1">
-              <a:lnSpc>
-                <a:spcPct val="90000"/>
-              </a:lnSpc>
-              <a:spcBef>
-                <a:spcPts val="2000"/>
-              </a:spcBef>
-              <a:buFont typeface="Arial" panose="020B0604020202020204" pitchFamily="34" charset="0"/>
-              <a:buChar char="•"/>
-              <a:defRPr sz="7200" kern="1200">
-                <a:solidFill>
-                  <a:schemeClr val="dk1"/>
-                </a:solidFill>
-                <a:latin typeface="+mn-lt"/>
-                <a:ea typeface="+mn-ea"/>
-                <a:cs typeface="+mn-cs"/>
-              </a:defRPr>
-            </a:lvl6pPr>
-            <a:lvl7pPr marL="11887200" indent="-914400" algn="l" defTabSz="3657600" rtl="0" eaLnBrk="1" latinLnBrk="0" hangingPunct="1">
-              <a:lnSpc>
-                <a:spcPct val="90000"/>
-              </a:lnSpc>
-              <a:spcBef>
-                <a:spcPts val="2000"/>
-              </a:spcBef>
-              <a:buFont typeface="Arial" panose="020B0604020202020204" pitchFamily="34" charset="0"/>
-              <a:buChar char="•"/>
-              <a:defRPr sz="7200" kern="1200">
-                <a:solidFill>
-                  <a:schemeClr val="dk1"/>
-                </a:solidFill>
-                <a:latin typeface="+mn-lt"/>
-                <a:ea typeface="+mn-ea"/>
-                <a:cs typeface="+mn-cs"/>
-              </a:defRPr>
-            </a:lvl7pPr>
-            <a:lvl8pPr marL="13716000" indent="-914400" algn="l" defTabSz="3657600" rtl="0" eaLnBrk="1" latinLnBrk="0" hangingPunct="1">
-              <a:lnSpc>
-                <a:spcPct val="90000"/>
-              </a:lnSpc>
-              <a:spcBef>
-                <a:spcPts val="2000"/>
-              </a:spcBef>
-              <a:buFont typeface="Arial" panose="020B0604020202020204" pitchFamily="34" charset="0"/>
-              <a:buChar char="•"/>
-              <a:defRPr sz="7200" kern="1200">
-                <a:solidFill>
-                  <a:schemeClr val="dk1"/>
-                </a:solidFill>
-                <a:latin typeface="+mn-lt"/>
-                <a:ea typeface="+mn-ea"/>
-                <a:cs typeface="+mn-cs"/>
-              </a:defRPr>
-            </a:lvl8pPr>
-            <a:lvl9pPr marL="15544800" indent="-914400" algn="l" defTabSz="3657600" rtl="0" eaLnBrk="1" latinLnBrk="0" hangingPunct="1">
-              <a:lnSpc>
-                <a:spcPct val="90000"/>
-              </a:lnSpc>
-              <a:spcBef>
-                <a:spcPts val="2000"/>
-              </a:spcBef>
-              <a:buFont typeface="Arial" panose="020B0604020202020204" pitchFamily="34" charset="0"/>
-              <a:buChar char="•"/>
-              <a:defRPr sz="7200" kern="1200">
-                <a:solidFill>
-                  <a:schemeClr val="dk1"/>
-                </a:solidFill>
-                <a:latin typeface="+mn-lt"/>
-                <a:ea typeface="+mn-ea"/>
-                <a:cs typeface="+mn-cs"/>
-              </a:defRPr>
-            </a:lvl9pPr>
-          </a:lstStyle>
-          <a:p>
-            <a:pPr marL="0" indent="0">
-              <a:buNone/>
-            </a:pPr>
-            <a:r>
-              <a:rPr lang="en-US" sz="3600" dirty="0"/>
-              <a:t>Since the complexity of physical or biological system, CFD significantly depends on the computational power and the equation. Although CFD is very mature in the industry, we are thinking: can we use deep learning model to make prediction in CFD? What’s the result of deep learning simulation compared with CFD? With these two hypothesizes, we created a simple case and adapted it to the deep learning model. </a:t>
-            </a:r>
-          </a:p>
-        </p:txBody>
-      </p:sp>
-      <p:pic>
-        <p:nvPicPr>
-          <p:cNvPr id="17" name="Picture 16" descr="Karman vortex streets; numerical result from SimScale (top) and real life example of clouds\ :math:`^{12}` (bottom)">
-            <a:extLst>
-              <a:ext uri="{FF2B5EF4-FFF2-40B4-BE49-F238E27FC236}">
-                <a16:creationId xmlns:a16="http://schemas.microsoft.com/office/drawing/2014/main" id="{8FA647B2-9ED3-4F93-B031-26465D73656D}"/>
-              </a:ext>
-            </a:extLst>
-          </p:cNvPr>
-          <p:cNvPicPr/>
-          <p:nvPr/>
-        </p:nvPicPr>
-        <p:blipFill>
-          <a:blip r:embed="rId2" cstate="print">
-            <a:extLst>
-              <a:ext uri="{28A0092B-C50C-407E-A947-70E740481C1C}">
-                <a14:useLocalDpi xmlns:a14="http://schemas.microsoft.com/office/drawing/2010/main" val="0"/>
-              </a:ext>
-            </a:extLst>
-          </a:blip>
-          <a:srcRect/>
-          <a:stretch>
-            <a:fillRect/>
-          </a:stretch>
-        </p:blipFill>
-        <p:spPr bwMode="auto">
-          <a:xfrm>
-            <a:off x="0" y="13024336"/>
-            <a:ext cx="5387340" cy="4208587"/>
-          </a:xfrm>
-          <a:prstGeom prst="rect">
-            <a:avLst/>
-          </a:prstGeom>
-          <a:noFill/>
-          <a:ln>
-            <a:noFill/>
-          </a:ln>
-        </p:spPr>
-      </p:pic>
+      <mc:AlternateContent xmlns:mc="http://schemas.openxmlformats.org/markup-compatibility/2006">
+        <mc:Choice xmlns:a14="http://schemas.microsoft.com/office/drawing/2010/main" Requires="a14">
+          <p:sp>
+            <p:nvSpPr>
+              <p:cNvPr id="16" name="Vertical Text Placeholder 4">
+                <a:extLst>
+                  <a:ext uri="{FF2B5EF4-FFF2-40B4-BE49-F238E27FC236}">
+                    <a16:creationId xmlns:a16="http://schemas.microsoft.com/office/drawing/2014/main" id="{1D8B58FA-F462-4F8E-9B59-4036700A21AD}"/>
+                  </a:ext>
+                </a:extLst>
+              </p:cNvPr>
+              <p:cNvSpPr txBox="1">
+                <a:spLocks/>
+              </p:cNvSpPr>
+              <p:nvPr/>
+            </p:nvSpPr>
+            <p:spPr>
+              <a:xfrm>
+                <a:off x="0" y="9562457"/>
+                <a:ext cx="11957539" cy="17869543"/>
+              </a:xfrm>
+              <a:prstGeom prst="rect">
+                <a:avLst/>
+              </a:prstGeom>
+            </p:spPr>
+            <p:style>
+              <a:lnRef idx="2">
+                <a:schemeClr val="accent3"/>
+              </a:lnRef>
+              <a:fillRef idx="1">
+                <a:schemeClr val="lt1"/>
+              </a:fillRef>
+              <a:effectRef idx="0">
+                <a:schemeClr val="accent3"/>
+              </a:effectRef>
+              <a:fontRef idx="minor">
+                <a:schemeClr val="dk1"/>
+              </a:fontRef>
+            </p:style>
+            <p:txBody>
+              <a:bodyPr vert="horz" lIns="91440" tIns="45720" rIns="91440" bIns="45720" rtlCol="0">
+                <a:normAutofit/>
+              </a:bodyPr>
+              <a:lstStyle>
+                <a:lvl1pPr marL="914400" indent="-914400" algn="l" defTabSz="3657600" rtl="0" eaLnBrk="1" latinLnBrk="0" hangingPunct="1">
+                  <a:lnSpc>
+                    <a:spcPct val="90000"/>
+                  </a:lnSpc>
+                  <a:spcBef>
+                    <a:spcPts val="4000"/>
+                  </a:spcBef>
+                  <a:buFont typeface="Arial" panose="020B0604020202020204" pitchFamily="34" charset="0"/>
+                  <a:buChar char="•"/>
+                  <a:defRPr sz="11200" kern="1200">
+                    <a:solidFill>
+                      <a:schemeClr val="dk1"/>
+                    </a:solidFill>
+                    <a:latin typeface="+mn-lt"/>
+                    <a:ea typeface="+mn-ea"/>
+                    <a:cs typeface="+mn-cs"/>
+                  </a:defRPr>
+                </a:lvl1pPr>
+                <a:lvl2pPr marL="2743200" indent="-914400" algn="l" defTabSz="3657600" rtl="0" eaLnBrk="1" latinLnBrk="0" hangingPunct="1">
+                  <a:lnSpc>
+                    <a:spcPct val="90000"/>
+                  </a:lnSpc>
+                  <a:spcBef>
+                    <a:spcPts val="2000"/>
+                  </a:spcBef>
+                  <a:buFont typeface="Arial" panose="020B0604020202020204" pitchFamily="34" charset="0"/>
+                  <a:buChar char="•"/>
+                  <a:defRPr sz="9600" kern="1200">
+                    <a:solidFill>
+                      <a:schemeClr val="dk1"/>
+                    </a:solidFill>
+                    <a:latin typeface="+mn-lt"/>
+                    <a:ea typeface="+mn-ea"/>
+                    <a:cs typeface="+mn-cs"/>
+                  </a:defRPr>
+                </a:lvl2pPr>
+                <a:lvl3pPr marL="4572000" indent="-914400" algn="l" defTabSz="3657600" rtl="0" eaLnBrk="1" latinLnBrk="0" hangingPunct="1">
+                  <a:lnSpc>
+                    <a:spcPct val="90000"/>
+                  </a:lnSpc>
+                  <a:spcBef>
+                    <a:spcPts val="2000"/>
+                  </a:spcBef>
+                  <a:buFont typeface="Arial" panose="020B0604020202020204" pitchFamily="34" charset="0"/>
+                  <a:buChar char="•"/>
+                  <a:defRPr sz="8000" kern="1200">
+                    <a:solidFill>
+                      <a:schemeClr val="dk1"/>
+                    </a:solidFill>
+                    <a:latin typeface="+mn-lt"/>
+                    <a:ea typeface="+mn-ea"/>
+                    <a:cs typeface="+mn-cs"/>
+                  </a:defRPr>
+                </a:lvl3pPr>
+                <a:lvl4pPr marL="6400800" indent="-914400" algn="l" defTabSz="3657600" rtl="0" eaLnBrk="1" latinLnBrk="0" hangingPunct="1">
+                  <a:lnSpc>
+                    <a:spcPct val="90000"/>
+                  </a:lnSpc>
+                  <a:spcBef>
+                    <a:spcPts val="2000"/>
+                  </a:spcBef>
+                  <a:buFont typeface="Arial" panose="020B0604020202020204" pitchFamily="34" charset="0"/>
+                  <a:buChar char="•"/>
+                  <a:defRPr sz="7200" kern="1200">
+                    <a:solidFill>
+                      <a:schemeClr val="dk1"/>
+                    </a:solidFill>
+                    <a:latin typeface="+mn-lt"/>
+                    <a:ea typeface="+mn-ea"/>
+                    <a:cs typeface="+mn-cs"/>
+                  </a:defRPr>
+                </a:lvl4pPr>
+                <a:lvl5pPr marL="8229600" indent="-914400" algn="l" defTabSz="3657600" rtl="0" eaLnBrk="1" latinLnBrk="0" hangingPunct="1">
+                  <a:lnSpc>
+                    <a:spcPct val="90000"/>
+                  </a:lnSpc>
+                  <a:spcBef>
+                    <a:spcPts val="2000"/>
+                  </a:spcBef>
+                  <a:buFont typeface="Arial" panose="020B0604020202020204" pitchFamily="34" charset="0"/>
+                  <a:buChar char="•"/>
+                  <a:defRPr sz="7200" kern="1200">
+                    <a:solidFill>
+                      <a:schemeClr val="dk1"/>
+                    </a:solidFill>
+                    <a:latin typeface="+mn-lt"/>
+                    <a:ea typeface="+mn-ea"/>
+                    <a:cs typeface="+mn-cs"/>
+                  </a:defRPr>
+                </a:lvl5pPr>
+                <a:lvl6pPr marL="10058400" indent="-914400" algn="l" defTabSz="3657600" rtl="0" eaLnBrk="1" latinLnBrk="0" hangingPunct="1">
+                  <a:lnSpc>
+                    <a:spcPct val="90000"/>
+                  </a:lnSpc>
+                  <a:spcBef>
+                    <a:spcPts val="2000"/>
+                  </a:spcBef>
+                  <a:buFont typeface="Arial" panose="020B0604020202020204" pitchFamily="34" charset="0"/>
+                  <a:buChar char="•"/>
+                  <a:defRPr sz="7200" kern="1200">
+                    <a:solidFill>
+                      <a:schemeClr val="dk1"/>
+                    </a:solidFill>
+                    <a:latin typeface="+mn-lt"/>
+                    <a:ea typeface="+mn-ea"/>
+                    <a:cs typeface="+mn-cs"/>
+                  </a:defRPr>
+                </a:lvl6pPr>
+                <a:lvl7pPr marL="11887200" indent="-914400" algn="l" defTabSz="3657600" rtl="0" eaLnBrk="1" latinLnBrk="0" hangingPunct="1">
+                  <a:lnSpc>
+                    <a:spcPct val="90000"/>
+                  </a:lnSpc>
+                  <a:spcBef>
+                    <a:spcPts val="2000"/>
+                  </a:spcBef>
+                  <a:buFont typeface="Arial" panose="020B0604020202020204" pitchFamily="34" charset="0"/>
+                  <a:buChar char="•"/>
+                  <a:defRPr sz="7200" kern="1200">
+                    <a:solidFill>
+                      <a:schemeClr val="dk1"/>
+                    </a:solidFill>
+                    <a:latin typeface="+mn-lt"/>
+                    <a:ea typeface="+mn-ea"/>
+                    <a:cs typeface="+mn-cs"/>
+                  </a:defRPr>
+                </a:lvl7pPr>
+                <a:lvl8pPr marL="13716000" indent="-914400" algn="l" defTabSz="3657600" rtl="0" eaLnBrk="1" latinLnBrk="0" hangingPunct="1">
+                  <a:lnSpc>
+                    <a:spcPct val="90000"/>
+                  </a:lnSpc>
+                  <a:spcBef>
+                    <a:spcPts val="2000"/>
+                  </a:spcBef>
+                  <a:buFont typeface="Arial" panose="020B0604020202020204" pitchFamily="34" charset="0"/>
+                  <a:buChar char="•"/>
+                  <a:defRPr sz="7200" kern="1200">
+                    <a:solidFill>
+                      <a:schemeClr val="dk1"/>
+                    </a:solidFill>
+                    <a:latin typeface="+mn-lt"/>
+                    <a:ea typeface="+mn-ea"/>
+                    <a:cs typeface="+mn-cs"/>
+                  </a:defRPr>
+                </a:lvl8pPr>
+                <a:lvl9pPr marL="15544800" indent="-914400" algn="l" defTabSz="3657600" rtl="0" eaLnBrk="1" latinLnBrk="0" hangingPunct="1">
+                  <a:lnSpc>
+                    <a:spcPct val="90000"/>
+                  </a:lnSpc>
+                  <a:spcBef>
+                    <a:spcPts val="2000"/>
+                  </a:spcBef>
+                  <a:buFont typeface="Arial" panose="020B0604020202020204" pitchFamily="34" charset="0"/>
+                  <a:buChar char="•"/>
+                  <a:defRPr sz="7200" kern="1200">
+                    <a:solidFill>
+                      <a:schemeClr val="dk1"/>
+                    </a:solidFill>
+                    <a:latin typeface="+mn-lt"/>
+                    <a:ea typeface="+mn-ea"/>
+                    <a:cs typeface="+mn-cs"/>
+                  </a:defRPr>
+                </a:lvl9pPr>
+              </a:lstStyle>
+              <a:p>
+                <a:pPr marL="0" indent="0">
+                  <a:buNone/>
+                </a:pPr>
+                <a:r>
+                  <a:rPr lang="en-US" sz="3600" dirty="0"/>
+                  <a:t>Computational Fluid Dynamics (CFD) is the state-of-the-art solution for modeling complex physical and biological systems.  Deep Learning is a new approach that has demonstrated stunning capabilities in select applications. We wondered:</a:t>
+                </a:r>
+              </a:p>
+              <a:p>
+                <a:pPr>
+                  <a:spcBef>
+                    <a:spcPts val="600"/>
+                  </a:spcBef>
+                </a:pPr>
+                <a:r>
+                  <a:rPr lang="en-US" sz="3600" dirty="0"/>
+                  <a:t>Can a deep learning model learn to make predictions about fluid motion?</a:t>
+                </a:r>
+              </a:p>
+              <a:p>
+                <a:pPr>
+                  <a:spcBef>
+                    <a:spcPts val="600"/>
+                  </a:spcBef>
+                </a:pPr>
+                <a:r>
+                  <a:rPr lang="en-US" sz="3600" dirty="0"/>
+                  <a:t>How do the results compare to traditional CFD solvers? </a:t>
+                </a:r>
+              </a:p>
+              <a:p>
+                <a:pPr marL="0" indent="0">
+                  <a:spcBef>
+                    <a:spcPts val="1800"/>
+                  </a:spcBef>
+                  <a:buNone/>
+                </a:pPr>
+                <a:r>
+                  <a:rPr lang="en-US" sz="3600" dirty="0"/>
+                  <a:t>Our test case used the </a:t>
+                </a:r>
+                <a:r>
+                  <a:rPr lang="en-US" sz="3600" b="1" dirty="0" err="1"/>
+                  <a:t>Pisofoam</a:t>
+                </a:r>
+                <a:r>
+                  <a:rPr lang="en-US" sz="3600" dirty="0"/>
+                  <a:t> incompressible flow solver: </a:t>
+                </a:r>
+              </a:p>
+              <a:p>
+                <a:pPr>
+                  <a:spcBef>
+                    <a:spcPts val="600"/>
+                  </a:spcBef>
+                </a:pPr>
+                <a:r>
+                  <a:rPr lang="en-US" sz="3600" dirty="0"/>
+                  <a:t>Momentum equation: </a:t>
+                </a:r>
+                <a14:m>
+                  <m:oMath xmlns:m="http://schemas.openxmlformats.org/officeDocument/2006/math">
+                    <m:f>
+                      <m:fPr>
+                        <m:ctrlPr>
+                          <a:rPr lang="en-US" sz="2800" i="1">
+                            <a:latin typeface="Cambria Math" panose="02040503050406030204" pitchFamily="18" charset="0"/>
+                          </a:rPr>
+                        </m:ctrlPr>
+                      </m:fPr>
+                      <m:num>
+                        <m:r>
+                          <a:rPr lang="en-US" sz="2800">
+                            <a:latin typeface="Cambria Math" panose="02040503050406030204" pitchFamily="18" charset="0"/>
+                          </a:rPr>
+                          <m:t>𝜕</m:t>
+                        </m:r>
+                      </m:num>
+                      <m:den>
+                        <m:r>
+                          <a:rPr lang="en-US" sz="2800">
+                            <a:latin typeface="Cambria Math" panose="02040503050406030204" pitchFamily="18" charset="0"/>
+                          </a:rPr>
+                          <m:t>𝜕</m:t>
+                        </m:r>
+                        <m:r>
+                          <a:rPr lang="en-US" sz="2800" i="1">
+                            <a:latin typeface="Cambria Math" panose="02040503050406030204" pitchFamily="18" charset="0"/>
+                          </a:rPr>
+                          <m:t>𝑡</m:t>
+                        </m:r>
+                      </m:den>
+                    </m:f>
+                    <m:d>
+                      <m:dPr>
+                        <m:ctrlPr>
+                          <a:rPr lang="en-US" sz="2800" i="1">
+                            <a:latin typeface="Cambria Math" panose="02040503050406030204" pitchFamily="18" charset="0"/>
+                          </a:rPr>
+                        </m:ctrlPr>
+                      </m:dPr>
+                      <m:e>
+                        <m:r>
+                          <a:rPr lang="en-US" sz="2800" i="1">
+                            <a:latin typeface="Cambria Math" panose="02040503050406030204" pitchFamily="18" charset="0"/>
+                          </a:rPr>
+                          <m:t>𝑢</m:t>
+                        </m:r>
+                      </m:e>
+                    </m:d>
+                    <m:r>
+                      <a:rPr lang="en-US" sz="2800" i="1">
+                        <a:latin typeface="Cambria Math" panose="02040503050406030204" pitchFamily="18" charset="0"/>
+                      </a:rPr>
+                      <m:t>+</m:t>
+                    </m:r>
+                    <m:r>
+                      <m:rPr>
+                        <m:sty m:val="p"/>
+                      </m:rPr>
+                      <a:rPr lang="en-US" sz="2800">
+                        <a:latin typeface="Cambria Math" panose="02040503050406030204" pitchFamily="18" charset="0"/>
+                      </a:rPr>
+                      <m:t>∇</m:t>
+                    </m:r>
+                    <m:r>
+                      <a:rPr lang="en-US" sz="2800">
+                        <a:latin typeface="Cambria Math" panose="02040503050406030204" pitchFamily="18" charset="0"/>
+                      </a:rPr>
+                      <m:t>⋅</m:t>
+                    </m:r>
+                    <m:d>
+                      <m:dPr>
+                        <m:ctrlPr>
+                          <a:rPr lang="en-US" sz="2800" i="1">
+                            <a:latin typeface="Cambria Math" panose="02040503050406030204" pitchFamily="18" charset="0"/>
+                          </a:rPr>
+                        </m:ctrlPr>
+                      </m:dPr>
+                      <m:e>
+                        <m:r>
+                          <a:rPr lang="en-US" sz="2800" i="1">
+                            <a:latin typeface="Cambria Math" panose="02040503050406030204" pitchFamily="18" charset="0"/>
+                          </a:rPr>
+                          <m:t>𝑢</m:t>
+                        </m:r>
+                        <m:r>
+                          <a:rPr lang="en-US" sz="2800">
+                            <a:latin typeface="Cambria Math" panose="02040503050406030204" pitchFamily="18" charset="0"/>
+                          </a:rPr>
+                          <m:t>⊗</m:t>
+                        </m:r>
+                        <m:r>
+                          <a:rPr lang="en-US" sz="2800" i="1">
+                            <a:latin typeface="Cambria Math" panose="02040503050406030204" pitchFamily="18" charset="0"/>
+                          </a:rPr>
+                          <m:t>𝑢</m:t>
+                        </m:r>
+                      </m:e>
+                    </m:d>
+                    <m:r>
+                      <a:rPr lang="en-US" sz="2800" i="1">
+                        <a:latin typeface="Cambria Math" panose="02040503050406030204" pitchFamily="18" charset="0"/>
+                      </a:rPr>
+                      <m:t>=−</m:t>
+                    </m:r>
+                    <m:r>
+                      <m:rPr>
+                        <m:sty m:val="p"/>
+                      </m:rPr>
+                      <a:rPr lang="en-US" sz="2800">
+                        <a:latin typeface="Cambria Math" panose="02040503050406030204" pitchFamily="18" charset="0"/>
+                      </a:rPr>
+                      <m:t>∇</m:t>
+                    </m:r>
+                    <m:r>
+                      <a:rPr lang="en-US" sz="2800" i="1">
+                        <a:latin typeface="Cambria Math" panose="02040503050406030204" pitchFamily="18" charset="0"/>
+                      </a:rPr>
+                      <m:t>𝑝</m:t>
+                    </m:r>
+                  </m:oMath>
+                </a14:m>
+                <a:endParaRPr lang="en-US" sz="2800" dirty="0"/>
+              </a:p>
+              <a:p>
+                <a:pPr>
+                  <a:spcBef>
+                    <a:spcPts val="600"/>
+                  </a:spcBef>
+                </a:pPr>
+                <a:r>
+                  <a:rPr lang="en-US" sz="3600" dirty="0"/>
+                  <a:t>Pressure equation: </a:t>
+                </a:r>
+                <a14:m>
+                  <m:oMath xmlns:m="http://schemas.openxmlformats.org/officeDocument/2006/math">
+                    <m:r>
+                      <m:rPr>
+                        <m:sty m:val="p"/>
+                      </m:rPr>
+                      <a:rPr lang="en-US" sz="2800">
+                        <a:latin typeface="Cambria Math" panose="02040503050406030204" pitchFamily="18" charset="0"/>
+                      </a:rPr>
+                      <m:t>∇</m:t>
+                    </m:r>
+                    <m:r>
+                      <a:rPr lang="en-US" sz="2800">
+                        <a:latin typeface="Cambria Math" panose="02040503050406030204" pitchFamily="18" charset="0"/>
+                      </a:rPr>
+                      <m:t>⋅</m:t>
+                    </m:r>
+                    <m:d>
+                      <m:dPr>
+                        <m:begChr m:val="["/>
+                        <m:endChr m:val="]"/>
+                        <m:ctrlPr>
+                          <a:rPr lang="en-US" sz="2800" i="1">
+                            <a:latin typeface="Cambria Math" panose="02040503050406030204" pitchFamily="18" charset="0"/>
+                          </a:rPr>
+                        </m:ctrlPr>
+                      </m:dPr>
+                      <m:e>
+                        <m:sSub>
+                          <m:sSubPr>
+                            <m:ctrlPr>
+                              <a:rPr lang="en-US" sz="2800" i="1">
+                                <a:latin typeface="Cambria Math" panose="02040503050406030204" pitchFamily="18" charset="0"/>
+                              </a:rPr>
+                            </m:ctrlPr>
+                          </m:sSubPr>
+                          <m:e>
+                            <m:d>
+                              <m:dPr>
+                                <m:ctrlPr>
+                                  <a:rPr lang="en-US" sz="2800" i="1">
+                                    <a:latin typeface="Cambria Math" panose="02040503050406030204" pitchFamily="18" charset="0"/>
+                                  </a:rPr>
+                                </m:ctrlPr>
+                              </m:dPr>
+                              <m:e>
+                                <m:f>
+                                  <m:fPr>
+                                    <m:ctrlPr>
+                                      <a:rPr lang="en-US" sz="2800" i="1">
+                                        <a:latin typeface="Cambria Math" panose="02040503050406030204" pitchFamily="18" charset="0"/>
+                                      </a:rPr>
+                                    </m:ctrlPr>
+                                  </m:fPr>
+                                  <m:num>
+                                    <m:r>
+                                      <a:rPr lang="en-US" sz="2800" i="1">
+                                        <a:latin typeface="Cambria Math" panose="02040503050406030204" pitchFamily="18" charset="0"/>
+                                      </a:rPr>
+                                      <m:t>1</m:t>
+                                    </m:r>
+                                  </m:num>
+                                  <m:den>
+                                    <m:r>
+                                      <a:rPr lang="en-US" sz="2800" i="1">
+                                        <a:latin typeface="Cambria Math" panose="02040503050406030204" pitchFamily="18" charset="0"/>
+                                      </a:rPr>
+                                      <m:t>𝐴</m:t>
+                                    </m:r>
+                                  </m:den>
+                                </m:f>
+                              </m:e>
+                            </m:d>
+                          </m:e>
+                          <m:sub>
+                            <m:r>
+                              <a:rPr lang="en-US" sz="2800" i="1">
+                                <a:latin typeface="Cambria Math" panose="02040503050406030204" pitchFamily="18" charset="0"/>
+                              </a:rPr>
+                              <m:t>𝑓</m:t>
+                            </m:r>
+                          </m:sub>
+                        </m:sSub>
+                        <m:r>
+                          <m:rPr>
+                            <m:sty m:val="p"/>
+                          </m:rPr>
+                          <a:rPr lang="en-US" sz="2800">
+                            <a:latin typeface="Cambria Math" panose="02040503050406030204" pitchFamily="18" charset="0"/>
+                          </a:rPr>
+                          <m:t>∇</m:t>
+                        </m:r>
+                        <m:r>
+                          <a:rPr lang="en-US" sz="2800" i="1">
+                            <a:latin typeface="Cambria Math" panose="02040503050406030204" pitchFamily="18" charset="0"/>
+                          </a:rPr>
+                          <m:t>𝑝</m:t>
+                        </m:r>
+                      </m:e>
+                    </m:d>
+                    <m:r>
+                      <a:rPr lang="en-US" sz="2800" i="1">
+                        <a:latin typeface="Cambria Math" panose="02040503050406030204" pitchFamily="18" charset="0"/>
+                      </a:rPr>
+                      <m:t>=</m:t>
+                    </m:r>
+                    <m:r>
+                      <m:rPr>
+                        <m:sty m:val="p"/>
+                      </m:rPr>
+                      <a:rPr lang="en-US" sz="2800">
+                        <a:latin typeface="Cambria Math" panose="02040503050406030204" pitchFamily="18" charset="0"/>
+                      </a:rPr>
+                      <m:t>∇</m:t>
+                    </m:r>
+                    <m:r>
+                      <a:rPr lang="en-US" sz="2800">
+                        <a:latin typeface="Cambria Math" panose="02040503050406030204" pitchFamily="18" charset="0"/>
+                      </a:rPr>
+                      <m:t>⋅</m:t>
+                    </m:r>
+                    <m:sSub>
+                      <m:sSubPr>
+                        <m:ctrlPr>
+                          <a:rPr lang="en-US" sz="2800" i="1">
+                            <a:latin typeface="Cambria Math" panose="02040503050406030204" pitchFamily="18" charset="0"/>
+                          </a:rPr>
+                        </m:ctrlPr>
+                      </m:sSubPr>
+                      <m:e>
+                        <m:d>
+                          <m:dPr>
+                            <m:ctrlPr>
+                              <a:rPr lang="en-US" sz="2800" i="1">
+                                <a:latin typeface="Cambria Math" panose="02040503050406030204" pitchFamily="18" charset="0"/>
+                              </a:rPr>
+                            </m:ctrlPr>
+                          </m:dPr>
+                          <m:e>
+                            <m:f>
+                              <m:fPr>
+                                <m:ctrlPr>
+                                  <a:rPr lang="en-US" sz="2800" i="1">
+                                    <a:latin typeface="Cambria Math" panose="02040503050406030204" pitchFamily="18" charset="0"/>
+                                  </a:rPr>
+                                </m:ctrlPr>
+                              </m:fPr>
+                              <m:num>
+                                <m:r>
+                                  <a:rPr lang="en-US" sz="2800" i="1">
+                                    <a:latin typeface="Cambria Math" panose="02040503050406030204" pitchFamily="18" charset="0"/>
+                                  </a:rPr>
+                                  <m:t>𝐻</m:t>
+                                </m:r>
+                              </m:num>
+                              <m:den>
+                                <m:r>
+                                  <a:rPr lang="en-US" sz="2800" i="1">
+                                    <a:latin typeface="Cambria Math" panose="02040503050406030204" pitchFamily="18" charset="0"/>
+                                  </a:rPr>
+                                  <m:t>𝐴</m:t>
+                                </m:r>
+                              </m:den>
+                            </m:f>
+                          </m:e>
+                        </m:d>
+                      </m:e>
+                      <m:sub>
+                        <m:r>
+                          <a:rPr lang="en-US" sz="2800" i="1">
+                            <a:latin typeface="Cambria Math" panose="02040503050406030204" pitchFamily="18" charset="0"/>
+                          </a:rPr>
+                          <m:t>𝑓</m:t>
+                        </m:r>
+                      </m:sub>
+                    </m:sSub>
+                  </m:oMath>
+                </a14:m>
+                <a:endParaRPr lang="en-US" sz="2800" dirty="0"/>
+              </a:p>
+            </p:txBody>
+          </p:sp>
+        </mc:Choice>
+        <mc:Fallback>
+          <p:sp>
+            <p:nvSpPr>
+              <p:cNvPr id="16" name="Vertical Text Placeholder 4">
+                <a:extLst>
+                  <a:ext uri="{FF2B5EF4-FFF2-40B4-BE49-F238E27FC236}">
+                    <a16:creationId xmlns:a16="http://schemas.microsoft.com/office/drawing/2014/main" id="{1D8B58FA-F462-4F8E-9B59-4036700A21AD}"/>
+                  </a:ext>
+                </a:extLst>
+              </p:cNvPr>
+              <p:cNvSpPr txBox="1">
+                <a:spLocks noRot="1" noChangeAspect="1" noMove="1" noResize="1" noEditPoints="1" noAdjustHandles="1" noChangeArrowheads="1" noChangeShapeType="1" noTextEdit="1"/>
+              </p:cNvSpPr>
+              <p:nvPr/>
+            </p:nvSpPr>
+            <p:spPr>
+              <a:xfrm>
+                <a:off x="0" y="9562457"/>
+                <a:ext cx="11957539" cy="17869543"/>
+              </a:xfrm>
+              <a:prstGeom prst="rect">
+                <a:avLst/>
+              </a:prstGeom>
+              <a:blipFill>
+                <a:blip r:embed="rId2"/>
+                <a:stretch>
+                  <a:fillRect l="-1477" t="-818" r="-1477"/>
+                </a:stretch>
+              </a:blipFill>
+            </p:spPr>
+            <p:txBody>
+              <a:bodyPr/>
+              <a:lstStyle/>
+              <a:p>
+                <a:r>
+                  <a:rPr lang="en-US">
+                    <a:noFill/>
+                  </a:rPr>
+                  <a:t> </a:t>
+                </a:r>
+              </a:p>
+            </p:txBody>
+          </p:sp>
+        </mc:Fallback>
+      </mc:AlternateContent>
       <p:sp>
         <p:nvSpPr>
           <p:cNvPr id="22" name="TextBox 21">
@@ -4679,126 +5157,186 @@
           </a:p>
         </p:txBody>
       </p:sp>
-      <p:pic>
-        <p:nvPicPr>
-          <p:cNvPr id="20" name="Picture 19">
+      <p:grpSp>
+        <p:nvGrpSpPr>
+          <p:cNvPr id="9" name="Group 8">
             <a:extLst>
               <a:ext uri="{FF2B5EF4-FFF2-40B4-BE49-F238E27FC236}">
-                <a16:creationId xmlns:a16="http://schemas.microsoft.com/office/drawing/2014/main" id="{7A252654-4405-4246-9F27-22F5ABD94059}"/>
+                <a16:creationId xmlns:a16="http://schemas.microsoft.com/office/drawing/2014/main" id="{575777E4-5E53-4C19-94DF-A15E231DDA46}"/>
               </a:ext>
             </a:extLst>
           </p:cNvPr>
-          <p:cNvPicPr/>
+          <p:cNvGrpSpPr/>
           <p:nvPr/>
-        </p:nvPicPr>
-        <p:blipFill>
-          <a:blip r:embed="rId3" cstate="print">
-            <a:extLst>
-              <a:ext uri="{28A0092B-C50C-407E-A947-70E740481C1C}">
-                <a14:useLocalDpi xmlns:a14="http://schemas.microsoft.com/office/drawing/2010/main" val="0"/>
-              </a:ext>
-            </a:extLst>
-          </a:blip>
-          <a:srcRect/>
-          <a:stretch>
-            <a:fillRect/>
-          </a:stretch>
-        </p:blipFill>
-        <p:spPr bwMode="auto">
+        </p:nvGrpSpPr>
+        <p:grpSpPr>
           <a:xfrm>
-            <a:off x="5666740" y="13024335"/>
-            <a:ext cx="6169660" cy="4208587"/>
+            <a:off x="0" y="15614627"/>
+            <a:ext cx="11836400" cy="4600157"/>
+            <a:chOff x="0" y="13024336"/>
+            <a:chExt cx="11836400" cy="4692786"/>
           </a:xfrm>
-          <a:prstGeom prst="rect">
-            <a:avLst/>
-          </a:prstGeom>
-          <a:noFill/>
-          <a:ln>
+        </p:grpSpPr>
+        <p:pic>
+          <p:nvPicPr>
+            <p:cNvPr id="17" name="Picture 16" descr="Karman vortex streets; numerical result from SimScale (top) and real life example of clouds\ :math:`^{12}` (bottom)">
+              <a:extLst>
+                <a:ext uri="{FF2B5EF4-FFF2-40B4-BE49-F238E27FC236}">
+                  <a16:creationId xmlns:a16="http://schemas.microsoft.com/office/drawing/2014/main" id="{8FA647B2-9ED3-4F93-B031-26465D73656D}"/>
+                </a:ext>
+              </a:extLst>
+            </p:cNvPr>
+            <p:cNvPicPr/>
+            <p:nvPr/>
+          </p:nvPicPr>
+          <p:blipFill>
+            <a:blip r:embed="rId3" cstate="print">
+              <a:extLst>
+                <a:ext uri="{28A0092B-C50C-407E-A947-70E740481C1C}">
+                  <a14:useLocalDpi xmlns:a14="http://schemas.microsoft.com/office/drawing/2010/main" val="0"/>
+                </a:ext>
+              </a:extLst>
+            </a:blip>
+            <a:srcRect/>
+            <a:stretch>
+              <a:fillRect/>
+            </a:stretch>
+          </p:blipFill>
+          <p:spPr bwMode="auto">
+            <a:xfrm>
+              <a:off x="0" y="13024337"/>
+              <a:ext cx="5387340" cy="3615648"/>
+            </a:xfrm>
+            <a:prstGeom prst="rect">
+              <a:avLst/>
+            </a:prstGeom>
             <a:noFill/>
-          </a:ln>
-        </p:spPr>
-      </p:pic>
-      <p:sp>
-        <p:nvSpPr>
-          <p:cNvPr id="2" name="TextBox 1">
-            <a:extLst>
-              <a:ext uri="{FF2B5EF4-FFF2-40B4-BE49-F238E27FC236}">
-                <a16:creationId xmlns:a16="http://schemas.microsoft.com/office/drawing/2014/main" id="{8EE0FB3B-ED22-4ADF-9F0A-35D52ED92291}"/>
-              </a:ext>
-            </a:extLst>
-          </p:cNvPr>
-          <p:cNvSpPr txBox="1"/>
-          <p:nvPr/>
-        </p:nvSpPr>
-        <p:spPr>
-          <a:xfrm>
-            <a:off x="154939" y="17324421"/>
-            <a:ext cx="5511800" cy="923330"/>
-          </a:xfrm>
-          <a:prstGeom prst="rect">
-            <a:avLst/>
-          </a:prstGeom>
-          <a:noFill/>
-        </p:spPr>
-        <p:txBody>
-          <a:bodyPr wrap="square" rtlCol="0">
-            <a:spAutoFit/>
-          </a:bodyPr>
-          <a:lstStyle/>
-          <a:p>
-            <a:r>
-              <a:rPr lang="en-US" i="1" dirty="0"/>
-              <a:t>Figure 1: Examples of Karman vortex streets; numerical result (top) and real-life example of clouds^12 (bottom)</a:t>
-            </a:r>
-          </a:p>
-          <a:p>
-            <a:endParaRPr lang="en-US" dirty="0"/>
-          </a:p>
-        </p:txBody>
-      </p:sp>
-      <p:sp>
-        <p:nvSpPr>
-          <p:cNvPr id="23" name="TextBox 22">
-            <a:extLst>
-              <a:ext uri="{FF2B5EF4-FFF2-40B4-BE49-F238E27FC236}">
-                <a16:creationId xmlns:a16="http://schemas.microsoft.com/office/drawing/2014/main" id="{53A116F5-7E2B-414F-9C52-46A2CC3CF8E4}"/>
-              </a:ext>
-            </a:extLst>
-          </p:cNvPr>
-          <p:cNvSpPr txBox="1"/>
-          <p:nvPr/>
-        </p:nvSpPr>
-        <p:spPr>
-          <a:xfrm>
-            <a:off x="5666740" y="17324421"/>
-            <a:ext cx="5890260" cy="1200329"/>
-          </a:xfrm>
-          <a:prstGeom prst="rect">
-            <a:avLst/>
-          </a:prstGeom>
-          <a:noFill/>
-        </p:spPr>
-        <p:txBody>
-          <a:bodyPr wrap="square" rtlCol="0">
-            <a:spAutoFit/>
-          </a:bodyPr>
-          <a:lstStyle/>
-          <a:p>
-            <a:r>
-              <a:rPr lang="en-US" i="1" dirty="0"/>
-              <a:t>Figure </a:t>
-            </a:r>
-            <a:r>
-              <a:rPr lang="en-US" altLang="zh-CN" i="1" dirty="0"/>
-              <a:t>2</a:t>
-            </a:r>
-            <a:r>
-              <a:rPr lang="en-US" i="1" dirty="0"/>
-              <a:t>: One frame from our samples. Water comes from the left side with velocity = 1m/s and flows out to the right side horizontally. The warmer color presents the faster velocity; the colder color presents the slower velocity. </a:t>
-            </a:r>
-          </a:p>
-        </p:txBody>
-      </p:sp>
+            <a:ln>
+              <a:noFill/>
+            </a:ln>
+          </p:spPr>
+        </p:pic>
+        <p:pic>
+          <p:nvPicPr>
+            <p:cNvPr id="20" name="Picture 19">
+              <a:extLst>
+                <a:ext uri="{FF2B5EF4-FFF2-40B4-BE49-F238E27FC236}">
+                  <a16:creationId xmlns:a16="http://schemas.microsoft.com/office/drawing/2014/main" id="{7A252654-4405-4246-9F27-22F5ABD94059}"/>
+                </a:ext>
+              </a:extLst>
+            </p:cNvPr>
+            <p:cNvPicPr/>
+            <p:nvPr/>
+          </p:nvPicPr>
+          <p:blipFill>
+            <a:blip r:embed="rId4" cstate="print">
+              <a:extLst>
+                <a:ext uri="{28A0092B-C50C-407E-A947-70E740481C1C}">
+                  <a14:useLocalDpi xmlns:a14="http://schemas.microsoft.com/office/drawing/2010/main" val="0"/>
+                </a:ext>
+              </a:extLst>
+            </a:blip>
+            <a:srcRect/>
+            <a:stretch>
+              <a:fillRect/>
+            </a:stretch>
+          </p:blipFill>
+          <p:spPr bwMode="auto">
+            <a:xfrm>
+              <a:off x="5666740" y="13024336"/>
+              <a:ext cx="6169660" cy="3615648"/>
+            </a:xfrm>
+            <a:prstGeom prst="rect">
+              <a:avLst/>
+            </a:prstGeom>
+            <a:noFill/>
+            <a:ln>
+              <a:noFill/>
+            </a:ln>
+          </p:spPr>
+        </p:pic>
+        <p:sp>
+          <p:nvSpPr>
+            <p:cNvPr id="2" name="TextBox 1">
+              <a:extLst>
+                <a:ext uri="{FF2B5EF4-FFF2-40B4-BE49-F238E27FC236}">
+                  <a16:creationId xmlns:a16="http://schemas.microsoft.com/office/drawing/2014/main" id="{8EE0FB3B-ED22-4ADF-9F0A-35D52ED92291}"/>
+                </a:ext>
+              </a:extLst>
+            </p:cNvPr>
+            <p:cNvSpPr txBox="1"/>
+            <p:nvPr/>
+          </p:nvSpPr>
+          <p:spPr>
+            <a:xfrm>
+              <a:off x="95445" y="16743044"/>
+              <a:ext cx="5511800" cy="974078"/>
+            </a:xfrm>
+            <a:prstGeom prst="rect">
+              <a:avLst/>
+            </a:prstGeom>
+            <a:noFill/>
+          </p:spPr>
+          <p:txBody>
+            <a:bodyPr wrap="square" rtlCol="0">
+              <a:spAutoFit/>
+            </a:bodyPr>
+            <a:lstStyle/>
+            <a:p>
+              <a:r>
+                <a:rPr lang="en-US" i="1" dirty="0"/>
+                <a:t>Figure 1: Examples of Karman vortex streets; numerical result (top) and real-life example of clouds (bottom).</a:t>
+              </a:r>
+            </a:p>
+            <a:p>
+              <a:endParaRPr lang="en-US" dirty="0"/>
+            </a:p>
+          </p:txBody>
+        </p:sp>
+        <p:sp>
+          <p:nvSpPr>
+            <p:cNvPr id="23" name="TextBox 22">
+              <a:extLst>
+                <a:ext uri="{FF2B5EF4-FFF2-40B4-BE49-F238E27FC236}">
+                  <a16:creationId xmlns:a16="http://schemas.microsoft.com/office/drawing/2014/main" id="{53A116F5-7E2B-414F-9C52-46A2CC3CF8E4}"/>
+                </a:ext>
+              </a:extLst>
+            </p:cNvPr>
+            <p:cNvSpPr txBox="1"/>
+            <p:nvPr/>
+          </p:nvSpPr>
+          <p:spPr>
+            <a:xfrm>
+              <a:off x="5607245" y="16724255"/>
+              <a:ext cx="5890260" cy="681854"/>
+            </a:xfrm>
+            <a:prstGeom prst="rect">
+              <a:avLst/>
+            </a:prstGeom>
+            <a:noFill/>
+          </p:spPr>
+          <p:txBody>
+            <a:bodyPr wrap="square" rtlCol="0">
+              <a:spAutoFit/>
+            </a:bodyPr>
+            <a:lstStyle/>
+            <a:p>
+              <a:r>
+                <a:rPr lang="en-US" i="1" dirty="0"/>
+                <a:t>Figure </a:t>
+              </a:r>
+              <a:r>
+                <a:rPr lang="en-US" altLang="zh-CN" i="1" dirty="0"/>
+                <a:t>2</a:t>
+              </a:r>
+              <a:r>
+                <a:rPr lang="en-US" i="1" dirty="0"/>
+                <a:t>: One simulation frame. Water enters from left with velocity = 1m/s. Warmer colors represent higher velocities.</a:t>
+              </a:r>
+            </a:p>
+          </p:txBody>
+        </p:sp>
+      </p:grpSp>
       <p:sp>
         <p:nvSpPr>
           <p:cNvPr id="3" name="TextBox 2">
@@ -4813,8 +5351,8 @@
         </p:nvSpPr>
         <p:spPr>
           <a:xfrm>
-            <a:off x="0" y="18741624"/>
-            <a:ext cx="11836400" cy="3416320"/>
+            <a:off x="74930" y="20019267"/>
+            <a:ext cx="11836400" cy="2862322"/>
           </a:xfrm>
           <a:prstGeom prst="rect">
             <a:avLst/>
@@ -4829,15 +5367,7 @@
           <a:p>
             <a:r>
               <a:rPr lang="en-US" sz="3600" dirty="0"/>
-              <a:t>Since CFD simulation is based on time series, we can use Long short-term memory (LSTM). In our case, however, the inputs are not only including time series information, but also spatial information. So we utilized Convolutional LSTM. Compared with LSTM, </a:t>
-            </a:r>
-            <a:r>
-              <a:rPr lang="en-US" sz="3600" dirty="0" err="1"/>
-              <a:t>ConvLSTM</a:t>
-            </a:r>
-            <a:r>
-              <a:rPr lang="en-US" sz="3600" dirty="0"/>
-              <a:t> allows multidimensional data coming with convolutional operations in each gate. </a:t>
+              <a:t>CFD simulations are time-based, which suggests the use of Long Short-Term Memory (LSTM) neural layers. However, there is also a spatial component to the input. Our network architecture utilized a Convolutional LSTM, which supports performing convolution on multi-dimensional data.</a:t>
             </a:r>
           </a:p>
         </p:txBody>
@@ -4855,7 +5385,7 @@
           <p:nvPr/>
         </p:nvPicPr>
         <p:blipFill>
-          <a:blip r:embed="rId4" cstate="print">
+          <a:blip r:embed="rId5" cstate="print">
             <a:extLst>
               <a:ext uri="{28A0092B-C50C-407E-A947-70E740481C1C}">
                 <a14:useLocalDpi xmlns:a14="http://schemas.microsoft.com/office/drawing/2010/main" val="0"/>
@@ -4869,8 +5399,8 @@
         </p:blipFill>
         <p:spPr bwMode="auto">
           <a:xfrm>
-            <a:off x="471655" y="22151981"/>
-            <a:ext cx="4815841" cy="3970214"/>
+            <a:off x="471655" y="22936199"/>
+            <a:ext cx="4815841" cy="3185995"/>
           </a:xfrm>
           <a:prstGeom prst="rect">
             <a:avLst/>
@@ -4894,7 +5424,7 @@
           <p:nvPr/>
         </p:nvPicPr>
         <p:blipFill>
-          <a:blip r:embed="rId5">
+          <a:blip r:embed="rId6">
             <a:extLst>
               <a:ext uri="{28A0092B-C50C-407E-A947-70E740481C1C}">
                 <a14:useLocalDpi xmlns:a14="http://schemas.microsoft.com/office/drawing/2010/main" val="0"/>
@@ -4908,8 +5438,8 @@
         </p:blipFill>
         <p:spPr bwMode="auto">
           <a:xfrm>
-            <a:off x="5666739" y="22151981"/>
-            <a:ext cx="5771273" cy="3970215"/>
+            <a:off x="5666739" y="22936199"/>
+            <a:ext cx="5771273" cy="3185997"/>
           </a:xfrm>
           <a:prstGeom prst="rect">
             <a:avLst/>
@@ -4935,7 +5465,7 @@
         <p:spPr>
           <a:xfrm>
             <a:off x="154939" y="26293942"/>
-            <a:ext cx="5511800" cy="923330"/>
+            <a:ext cx="5511800" cy="646331"/>
           </a:xfrm>
           <a:prstGeom prst="rect">
             <a:avLst/>
@@ -4950,7 +5480,7 @@
           <a:p>
             <a:r>
               <a:rPr lang="en-US" i="1" dirty="0"/>
-              <a:t>Figure 3: the structure of LSTM. From left to right, we can see forget gate, input gate, input modulation gate and output gate.  </a:t>
+              <a:t>Figure 3: Structure of the LSTM. From left to right: forget gate, input gate, input modulation gate, and output gate.  </a:t>
             </a:r>
             <a:endParaRPr lang="en-US" dirty="0"/>
           </a:p>
@@ -4971,7 +5501,7 @@
         <p:spPr>
           <a:xfrm>
             <a:off x="5855970" y="26293942"/>
-            <a:ext cx="5511800" cy="923330"/>
+            <a:ext cx="5511800" cy="646331"/>
           </a:xfrm>
           <a:prstGeom prst="rect">
             <a:avLst/>
@@ -4994,7 +5524,7 @@
             </a:r>
             <a:r>
               <a:rPr lang="en-US" i="1" dirty="0"/>
-              <a:t>: </a:t>
+              <a:t>: To capture spatial features, </a:t>
             </a:r>
             <a:r>
               <a:rPr lang="en-US" i="1" dirty="0" err="1"/>
@@ -5002,7 +5532,7 @@
             </a:r>
             <a:r>
               <a:rPr lang="en-US" i="1" dirty="0"/>
-              <a:t> replaces matrix multiplication with convolution operation at each gate, which leads it can capture spatial features.</a:t>
+              <a:t> replaces matrix multiplication with convolution at each gate.</a:t>
             </a:r>
           </a:p>
         </p:txBody>
@@ -5020,7 +5550,7 @@
           <p:nvPr/>
         </p:nvPicPr>
         <p:blipFill>
-          <a:blip r:embed="rId6">
+          <a:blip r:embed="rId7">
             <a:extLst>
               <a:ext uri="{28A0092B-C50C-407E-A947-70E740481C1C}">
                 <a14:useLocalDpi xmlns:a14="http://schemas.microsoft.com/office/drawing/2010/main" val="0"/>
@@ -5046,496 +5576,128 @@
           </a:ln>
         </p:spPr>
       </p:pic>
-      <mc:AlternateContent xmlns:mc="http://schemas.openxmlformats.org/markup-compatibility/2006">
-        <mc:Choice xmlns:a14="http://schemas.microsoft.com/office/drawing/2010/main" Requires="a14">
-          <p:sp>
-            <p:nvSpPr>
-              <p:cNvPr id="10" name="TextBox 9">
-                <a:extLst>
-                  <a:ext uri="{FF2B5EF4-FFF2-40B4-BE49-F238E27FC236}">
-                    <a16:creationId xmlns:a16="http://schemas.microsoft.com/office/drawing/2014/main" id="{D1DBFFE4-A1AA-4C9D-B2A7-2CC143801287}"/>
-                  </a:ext>
-                </a:extLst>
-              </p:cNvPr>
-              <p:cNvSpPr txBox="1"/>
-              <p:nvPr/>
-            </p:nvSpPr>
-            <p:spPr>
-              <a:xfrm>
-                <a:off x="12290180" y="3094890"/>
-                <a:ext cx="11957539" cy="7332007"/>
-              </a:xfrm>
-              <a:prstGeom prst="rect">
-                <a:avLst/>
-              </a:prstGeom>
-              <a:noFill/>
-            </p:spPr>
-            <p:txBody>
-              <a:bodyPr wrap="square" rtlCol="0">
-                <a:spAutoFit/>
-              </a:bodyPr>
-              <a:lstStyle/>
-              <a:p>
-                <a:r>
-                  <a:rPr lang="en-US" sz="3600" b="1" dirty="0" err="1"/>
-                  <a:t>PredNet</a:t>
-                </a:r>
-                <a:r>
-                  <a:rPr lang="en-US" sz="3600" dirty="0"/>
-                  <a:t> is a predictive neural network for video prediction and unsupervised learning. It is introduced by William Lotter, Gabriel </a:t>
-                </a:r>
-                <a:r>
-                  <a:rPr lang="en-US" sz="3600" dirty="0" err="1"/>
-                  <a:t>Kreiman</a:t>
-                </a:r>
-                <a:r>
-                  <a:rPr lang="en-US" sz="3600" dirty="0"/>
-                  <a:t>, David Cox in their paper </a:t>
-                </a:r>
-                <a:r>
-                  <a:rPr lang="en-US" sz="3600" b="1" dirty="0"/>
-                  <a:t>Deep Predictive Coding Networks for Video Prediction and Unsupervised Learning</a:t>
-                </a:r>
-                <a:r>
-                  <a:rPr lang="en-US" sz="3600" dirty="0"/>
-                  <a:t>. The authors successfully use it to do the next frame prediction in car driving. Essentially, it is encoder-decoder structure with recursive </a:t>
-                </a:r>
-                <a:r>
-                  <a:rPr lang="en-US" sz="3600" dirty="0" err="1"/>
-                  <a:t>ConvLSTM</a:t>
-                </a:r>
-                <a:r>
-                  <a:rPr lang="en-US" sz="3600" dirty="0"/>
-                  <a:t>. </a:t>
-                </a:r>
-                <a:r>
-                  <a:rPr lang="en-US" sz="3600" dirty="0">
-                    <a:latin typeface="Calibri" panose="020F0502020204030204" pitchFamily="34" charset="0"/>
-                    <a:ea typeface="等线" panose="02010600030101010101" pitchFamily="2" charset="-122"/>
-                    <a:cs typeface="Times New Roman" panose="02020603050405020304" pitchFamily="18" charset="0"/>
-                  </a:rPr>
-                  <a:t>We can refer to  </a:t>
-                </a:r>
-                <a14:m>
-                  <m:oMath xmlns:m="http://schemas.openxmlformats.org/officeDocument/2006/math">
-                    <m:sSub>
-                      <m:sSubPr>
-                        <m:ctrlPr>
-                          <a:rPr lang="en-US" sz="3600" i="1">
-                            <a:latin typeface="Cambria Math" panose="02040503050406030204" pitchFamily="18" charset="0"/>
-                          </a:rPr>
-                        </m:ctrlPr>
-                      </m:sSubPr>
-                      <m:e>
-                        <m:r>
-                          <a:rPr lang="en-US" sz="3600" i="1">
-                            <a:latin typeface="Cambria Math" panose="02040503050406030204" pitchFamily="18" charset="0"/>
-                            <a:ea typeface="等线" panose="02010600030101010101" pitchFamily="2" charset="-122"/>
-                            <a:cs typeface="Times New Roman" panose="02020603050405020304" pitchFamily="18" charset="0"/>
-                          </a:rPr>
-                          <m:t>𝑅</m:t>
-                        </m:r>
-                      </m:e>
-                      <m:sub>
-                        <m:r>
-                          <a:rPr lang="en-US" sz="3600" i="1">
-                            <a:latin typeface="Cambria Math" panose="02040503050406030204" pitchFamily="18" charset="0"/>
-                            <a:ea typeface="等线" panose="02010600030101010101" pitchFamily="2" charset="-122"/>
-                            <a:cs typeface="Times New Roman" panose="02020603050405020304" pitchFamily="18" charset="0"/>
-                          </a:rPr>
-                          <m:t>𝑙</m:t>
-                        </m:r>
-                      </m:sub>
-                    </m:sSub>
-                  </m:oMath>
-                </a14:m>
-                <a:r>
-                  <a:rPr lang="en-US" sz="3600" dirty="0">
-                    <a:latin typeface="Calibri" panose="020F0502020204030204" pitchFamily="34" charset="0"/>
-                    <a:ea typeface="等线" panose="02010600030101010101" pitchFamily="2" charset="-122"/>
-                    <a:cs typeface="Times New Roman" panose="02020603050405020304" pitchFamily="18" charset="0"/>
-                  </a:rPr>
-                  <a:t> and  </a:t>
-                </a:r>
-                <a14:m>
-                  <m:oMath xmlns:m="http://schemas.openxmlformats.org/officeDocument/2006/math">
-                    <m:sSub>
-                      <m:sSubPr>
-                        <m:ctrlPr>
-                          <a:rPr lang="en-US" sz="3600" i="1">
-                            <a:latin typeface="Cambria Math" panose="02040503050406030204" pitchFamily="18" charset="0"/>
-                          </a:rPr>
-                        </m:ctrlPr>
-                      </m:sSubPr>
-                      <m:e>
-                        <m:acc>
-                          <m:accPr>
-                            <m:chr m:val="̂"/>
-                            <m:ctrlPr>
-                              <a:rPr lang="en-US" sz="3600" i="1">
-                                <a:latin typeface="Cambria Math" panose="02040503050406030204" pitchFamily="18" charset="0"/>
-                              </a:rPr>
-                            </m:ctrlPr>
-                          </m:accPr>
-                          <m:e>
-                            <m:r>
-                              <a:rPr lang="en-US" sz="3600" i="1">
-                                <a:latin typeface="Cambria Math" panose="02040503050406030204" pitchFamily="18" charset="0"/>
-                                <a:ea typeface="等线" panose="02010600030101010101" pitchFamily="2" charset="-122"/>
-                                <a:cs typeface="Times New Roman" panose="02020603050405020304" pitchFamily="18" charset="0"/>
-                              </a:rPr>
-                              <m:t>𝐴</m:t>
-                            </m:r>
-                          </m:e>
-                        </m:acc>
-                      </m:e>
-                      <m:sub>
-                        <m:r>
-                          <a:rPr lang="en-US" sz="3600" i="1">
-                            <a:latin typeface="Cambria Math" panose="02040503050406030204" pitchFamily="18" charset="0"/>
-                            <a:ea typeface="等线" panose="02010600030101010101" pitchFamily="2" charset="-122"/>
-                            <a:cs typeface="Times New Roman" panose="02020603050405020304" pitchFamily="18" charset="0"/>
-                          </a:rPr>
-                          <m:t>𝑙</m:t>
-                        </m:r>
-                      </m:sub>
-                    </m:sSub>
-                  </m:oMath>
-                </a14:m>
-                <a:r>
-                  <a:rPr lang="en-US" sz="3600" dirty="0">
-                    <a:latin typeface="Calibri" panose="020F0502020204030204" pitchFamily="34" charset="0"/>
-                    <a:ea typeface="等线" panose="02010600030101010101" pitchFamily="2" charset="-122"/>
-                    <a:cs typeface="Times New Roman" panose="02020603050405020304" pitchFamily="18" charset="0"/>
-                  </a:rPr>
-                  <a:t> as a decoder, </a:t>
-                </a:r>
-                <a14:m>
-                  <m:oMath xmlns:m="http://schemas.openxmlformats.org/officeDocument/2006/math">
-                    <m:sSub>
-                      <m:sSubPr>
-                        <m:ctrlPr>
-                          <a:rPr lang="en-US" sz="3600" i="1">
-                            <a:latin typeface="Cambria Math" panose="02040503050406030204" pitchFamily="18" charset="0"/>
-                          </a:rPr>
-                        </m:ctrlPr>
-                      </m:sSubPr>
-                      <m:e>
-                        <m:r>
-                          <a:rPr lang="en-US" sz="3600" i="1">
-                            <a:latin typeface="Cambria Math" panose="02040503050406030204" pitchFamily="18" charset="0"/>
-                            <a:ea typeface="等线" panose="02010600030101010101" pitchFamily="2" charset="-122"/>
-                            <a:cs typeface="Times New Roman" panose="02020603050405020304" pitchFamily="18" charset="0"/>
-                          </a:rPr>
-                          <m:t>𝐴</m:t>
-                        </m:r>
-                      </m:e>
-                      <m:sub>
-                        <m:r>
-                          <a:rPr lang="en-US" sz="3600" i="1">
-                            <a:latin typeface="Cambria Math" panose="02040503050406030204" pitchFamily="18" charset="0"/>
-                            <a:ea typeface="等线" panose="02010600030101010101" pitchFamily="2" charset="-122"/>
-                            <a:cs typeface="Times New Roman" panose="02020603050405020304" pitchFamily="18" charset="0"/>
-                          </a:rPr>
-                          <m:t>𝑙</m:t>
-                        </m:r>
-                      </m:sub>
-                    </m:sSub>
-                  </m:oMath>
-                </a14:m>
-                <a:r>
-                  <a:rPr lang="en-US" sz="3600" dirty="0">
-                    <a:latin typeface="Calibri" panose="020F0502020204030204" pitchFamily="34" charset="0"/>
-                    <a:ea typeface="等线" panose="02010600030101010101" pitchFamily="2" charset="-122"/>
-                    <a:cs typeface="Times New Roman" panose="02020603050405020304" pitchFamily="18" charset="0"/>
-                  </a:rPr>
-                  <a:t> as an encoder. At timestep = 0, the decoder(generator) cannot predict well since no information inputs. As timestep &gt; 0, the decoder can predict </a:t>
-                </a:r>
-                <a14:m>
-                  <m:oMath xmlns:m="http://schemas.openxmlformats.org/officeDocument/2006/math">
-                    <m:sSup>
-                      <m:sSupPr>
-                        <m:ctrlPr>
-                          <a:rPr lang="en-US" sz="3600" i="1">
-                            <a:latin typeface="Cambria Math" panose="02040503050406030204" pitchFamily="18" charset="0"/>
-                          </a:rPr>
-                        </m:ctrlPr>
-                      </m:sSupPr>
-                      <m:e>
-                        <m:acc>
-                          <m:accPr>
-                            <m:chr m:val="̂"/>
-                            <m:ctrlPr>
-                              <a:rPr lang="en-US" sz="3600" i="1">
-                                <a:latin typeface="Cambria Math" panose="02040503050406030204" pitchFamily="18" charset="0"/>
-                              </a:rPr>
-                            </m:ctrlPr>
-                          </m:accPr>
-                          <m:e>
-                            <m:r>
-                              <a:rPr lang="en-US" sz="3600" i="1">
-                                <a:latin typeface="Cambria Math" panose="02040503050406030204" pitchFamily="18" charset="0"/>
-                                <a:ea typeface="等线" panose="02010600030101010101" pitchFamily="2" charset="-122"/>
-                                <a:cs typeface="Times New Roman" panose="02020603050405020304" pitchFamily="18" charset="0"/>
-                              </a:rPr>
-                              <m:t>𝐴</m:t>
-                            </m:r>
-                          </m:e>
-                        </m:acc>
-                      </m:e>
-                      <m:sup>
-                        <m:r>
-                          <a:rPr lang="en-US" sz="3600" i="1">
-                            <a:latin typeface="Cambria Math" panose="02040503050406030204" pitchFamily="18" charset="0"/>
-                            <a:ea typeface="等线" panose="02010600030101010101" pitchFamily="2" charset="-122"/>
-                            <a:cs typeface="Times New Roman" panose="02020603050405020304" pitchFamily="18" charset="0"/>
-                          </a:rPr>
-                          <m:t>𝑡</m:t>
-                        </m:r>
-                      </m:sup>
-                    </m:sSup>
-                  </m:oMath>
-                </a14:m>
-                <a:r>
-                  <a:rPr lang="en-US" sz="3600" dirty="0">
-                    <a:latin typeface="Calibri" panose="020F0502020204030204" pitchFamily="34" charset="0"/>
-                    <a:ea typeface="等线" panose="02010600030101010101" pitchFamily="2" charset="-122"/>
-                    <a:cs typeface="Times New Roman" panose="02020603050405020304" pitchFamily="18" charset="0"/>
-                  </a:rPr>
-                  <a:t> by the previous inputs </a:t>
-                </a:r>
-                <a14:m>
-                  <m:oMath xmlns:m="http://schemas.openxmlformats.org/officeDocument/2006/math">
-                    <m:sSup>
-                      <m:sSupPr>
-                        <m:ctrlPr>
-                          <a:rPr lang="en-US" sz="3600" i="1">
-                            <a:latin typeface="Cambria Math" panose="02040503050406030204" pitchFamily="18" charset="0"/>
-                          </a:rPr>
-                        </m:ctrlPr>
-                      </m:sSupPr>
-                      <m:e>
-                        <m:r>
-                          <a:rPr lang="en-US" sz="3600" i="1">
-                            <a:latin typeface="Cambria Math" panose="02040503050406030204" pitchFamily="18" charset="0"/>
-                            <a:ea typeface="等线" panose="02010600030101010101" pitchFamily="2" charset="-122"/>
-                            <a:cs typeface="Times New Roman" panose="02020603050405020304" pitchFamily="18" charset="0"/>
-                          </a:rPr>
-                          <m:t>𝐴</m:t>
-                        </m:r>
-                      </m:e>
-                      <m:sup>
-                        <m:r>
-                          <a:rPr lang="en-US" sz="3600" i="1">
-                            <a:latin typeface="Cambria Math" panose="02040503050406030204" pitchFamily="18" charset="0"/>
-                            <a:ea typeface="等线" panose="02010600030101010101" pitchFamily="2" charset="-122"/>
-                            <a:cs typeface="Times New Roman" panose="02020603050405020304" pitchFamily="18" charset="0"/>
-                          </a:rPr>
-                          <m:t>𝑡</m:t>
-                        </m:r>
-                        <m:r>
-                          <a:rPr lang="en-US" sz="3600" i="1">
-                            <a:latin typeface="Cambria Math" panose="02040503050406030204" pitchFamily="18" charset="0"/>
-                            <a:ea typeface="等线" panose="02010600030101010101" pitchFamily="2" charset="-122"/>
-                            <a:cs typeface="Times New Roman" panose="02020603050405020304" pitchFamily="18" charset="0"/>
-                          </a:rPr>
-                          <m:t>−1</m:t>
-                        </m:r>
-                      </m:sup>
-                    </m:sSup>
-                  </m:oMath>
-                </a14:m>
-                <a:r>
-                  <a:rPr lang="en-US" sz="3600" dirty="0">
-                    <a:latin typeface="Calibri" panose="020F0502020204030204" pitchFamily="34" charset="0"/>
-                    <a:ea typeface="等线" panose="02010600030101010101" pitchFamily="2" charset="-122"/>
-                    <a:cs typeface="Times New Roman" panose="02020603050405020304" pitchFamily="18" charset="0"/>
-                  </a:rPr>
-                  <a:t> and its error </a:t>
-                </a:r>
-                <a14:m>
-                  <m:oMath xmlns:m="http://schemas.openxmlformats.org/officeDocument/2006/math">
-                    <m:sSup>
-                      <m:sSupPr>
-                        <m:ctrlPr>
-                          <a:rPr lang="en-US" sz="3600" i="1">
-                            <a:latin typeface="Cambria Math" panose="02040503050406030204" pitchFamily="18" charset="0"/>
-                          </a:rPr>
-                        </m:ctrlPr>
-                      </m:sSupPr>
-                      <m:e>
-                        <m:r>
-                          <a:rPr lang="en-US" sz="3600" i="1">
-                            <a:latin typeface="Cambria Math" panose="02040503050406030204" pitchFamily="18" charset="0"/>
-                            <a:ea typeface="等线" panose="02010600030101010101" pitchFamily="2" charset="-122"/>
-                            <a:cs typeface="Times New Roman" panose="02020603050405020304" pitchFamily="18" charset="0"/>
-                          </a:rPr>
-                          <m:t>𝐸</m:t>
-                        </m:r>
-                      </m:e>
-                      <m:sup>
-                        <m:r>
-                          <a:rPr lang="en-US" sz="3600" i="1">
-                            <a:latin typeface="Cambria Math" panose="02040503050406030204" pitchFamily="18" charset="0"/>
-                            <a:ea typeface="等线" panose="02010600030101010101" pitchFamily="2" charset="-122"/>
-                            <a:cs typeface="Times New Roman" panose="02020603050405020304" pitchFamily="18" charset="0"/>
-                          </a:rPr>
-                          <m:t>𝑡</m:t>
-                        </m:r>
-                        <m:r>
-                          <a:rPr lang="en-US" sz="3600" i="1">
-                            <a:latin typeface="Cambria Math" panose="02040503050406030204" pitchFamily="18" charset="0"/>
-                            <a:ea typeface="等线" panose="02010600030101010101" pitchFamily="2" charset="-122"/>
-                            <a:cs typeface="Times New Roman" panose="02020603050405020304" pitchFamily="18" charset="0"/>
-                          </a:rPr>
-                          <m:t>−1</m:t>
-                        </m:r>
-                      </m:sup>
-                    </m:sSup>
-                  </m:oMath>
-                </a14:m>
-                <a:r>
-                  <a:rPr lang="en-US" sz="3600" dirty="0">
-                    <a:latin typeface="Calibri" panose="020F0502020204030204" pitchFamily="34" charset="0"/>
-                    <a:ea typeface="等线" panose="02010600030101010101" pitchFamily="2" charset="-122"/>
-                    <a:cs typeface="Times New Roman" panose="02020603050405020304" pitchFamily="18" charset="0"/>
-                  </a:rPr>
-                  <a:t> while </a:t>
-                </a:r>
-                <a14:m>
-                  <m:oMath xmlns:m="http://schemas.openxmlformats.org/officeDocument/2006/math">
-                    <m:r>
-                      <a:rPr lang="en-US" sz="3600" i="1">
-                        <a:latin typeface="Cambria Math" panose="02040503050406030204" pitchFamily="18" charset="0"/>
-                        <a:ea typeface="等线" panose="02010600030101010101" pitchFamily="2" charset="-122"/>
-                        <a:cs typeface="Times New Roman" panose="02020603050405020304" pitchFamily="18" charset="0"/>
-                      </a:rPr>
-                      <m:t>𝑅</m:t>
-                    </m:r>
-                  </m:oMath>
-                </a14:m>
-                <a:r>
-                  <a:rPr lang="en-US" sz="3600" dirty="0">
-                    <a:latin typeface="Calibri" panose="020F0502020204030204" pitchFamily="34" charset="0"/>
-                    <a:ea typeface="等线" panose="02010600030101010101" pitchFamily="2" charset="-122"/>
-                    <a:cs typeface="Times New Roman" panose="02020603050405020304" pitchFamily="18" charset="0"/>
-                  </a:rPr>
-                  <a:t> is response for handling spatial and temporal information. We used this </a:t>
-                </a:r>
-                <a:r>
-                  <a:rPr lang="en-US" sz="3600" dirty="0" err="1">
-                    <a:latin typeface="Calibri" panose="020F0502020204030204" pitchFamily="34" charset="0"/>
-                    <a:ea typeface="等线" panose="02010600030101010101" pitchFamily="2" charset="-122"/>
-                    <a:cs typeface="Times New Roman" panose="02020603050405020304" pitchFamily="18" charset="0"/>
-                  </a:rPr>
-                  <a:t>PredNet</a:t>
-                </a:r>
-                <a:r>
-                  <a:rPr lang="en-US" sz="3600" dirty="0">
-                    <a:latin typeface="Calibri" panose="020F0502020204030204" pitchFamily="34" charset="0"/>
-                    <a:ea typeface="等线" panose="02010600030101010101" pitchFamily="2" charset="-122"/>
-                    <a:cs typeface="Times New Roman" panose="02020603050405020304" pitchFamily="18" charset="0"/>
-                  </a:rPr>
-                  <a:t> </a:t>
-                </a:r>
-                <a:r>
-                  <a:rPr lang="en-US" sz="3600" b="1" dirty="0">
-                    <a:latin typeface="Calibri" panose="020F0502020204030204" pitchFamily="34" charset="0"/>
-                    <a:ea typeface="等线" panose="02010600030101010101" pitchFamily="2" charset="-122"/>
-                    <a:cs typeface="Times New Roman" panose="02020603050405020304" pitchFamily="18" charset="0"/>
-                  </a:rPr>
-                  <a:t>to train two models</a:t>
-                </a:r>
-                <a:r>
-                  <a:rPr lang="en-US" sz="3600" dirty="0">
-                    <a:latin typeface="Calibri" panose="020F0502020204030204" pitchFamily="34" charset="0"/>
-                    <a:ea typeface="等线" panose="02010600030101010101" pitchFamily="2" charset="-122"/>
-                    <a:cs typeface="Times New Roman" panose="02020603050405020304" pitchFamily="18" charset="0"/>
-                  </a:rPr>
-                  <a:t>: </a:t>
-                </a:r>
-                <a:r>
-                  <a:rPr lang="en-US" sz="3600" b="1" dirty="0" err="1">
-                    <a:latin typeface="Calibri" panose="020F0502020204030204" pitchFamily="34" charset="0"/>
-                    <a:ea typeface="等线" panose="02010600030101010101" pitchFamily="2" charset="-122"/>
-                    <a:cs typeface="Times New Roman" panose="02020603050405020304" pitchFamily="18" charset="0"/>
-                  </a:rPr>
-                  <a:t>PredNet</a:t>
-                </a:r>
-                <a:r>
-                  <a:rPr lang="en-US" sz="3600" b="1" dirty="0">
-                    <a:latin typeface="Calibri" panose="020F0502020204030204" pitchFamily="34" charset="0"/>
-                    <a:ea typeface="等线" panose="02010600030101010101" pitchFamily="2" charset="-122"/>
-                    <a:cs typeface="Times New Roman" panose="02020603050405020304" pitchFamily="18" charset="0"/>
-                  </a:rPr>
-                  <a:t>(t+1) and </a:t>
-                </a:r>
-                <a:r>
-                  <a:rPr lang="en-US" sz="3600" b="1" dirty="0" err="1">
-                    <a:latin typeface="Calibri" panose="020F0502020204030204" pitchFamily="34" charset="0"/>
-                    <a:ea typeface="等线" panose="02010600030101010101" pitchFamily="2" charset="-122"/>
-                    <a:cs typeface="Times New Roman" panose="02020603050405020304" pitchFamily="18" charset="0"/>
-                  </a:rPr>
-                  <a:t>Pred</a:t>
-                </a:r>
-                <a:r>
-                  <a:rPr lang="en-US" sz="3600" b="1" dirty="0">
-                    <a:latin typeface="Calibri" panose="020F0502020204030204" pitchFamily="34" charset="0"/>
-                    <a:ea typeface="等线" panose="02010600030101010101" pitchFamily="2" charset="-122"/>
-                    <a:cs typeface="Times New Roman" panose="02020603050405020304" pitchFamily="18" charset="0"/>
-                  </a:rPr>
-                  <a:t>(t+10).</a:t>
-                </a:r>
-                <a:endParaRPr lang="en-US" sz="3600" b="1" dirty="0"/>
-              </a:p>
-            </p:txBody>
-          </p:sp>
-        </mc:Choice>
-        <mc:Fallback>
-          <p:sp>
-            <p:nvSpPr>
-              <p:cNvPr id="10" name="TextBox 9">
-                <a:extLst>
-                  <a:ext uri="{FF2B5EF4-FFF2-40B4-BE49-F238E27FC236}">
-                    <a16:creationId xmlns:a16="http://schemas.microsoft.com/office/drawing/2014/main" id="{D1DBFFE4-A1AA-4C9D-B2A7-2CC143801287}"/>
-                  </a:ext>
-                </a:extLst>
-              </p:cNvPr>
-              <p:cNvSpPr txBox="1">
-                <a:spLocks noRot="1" noChangeAspect="1" noMove="1" noResize="1" noEditPoints="1" noAdjustHandles="1" noChangeArrowheads="1" noChangeShapeType="1" noTextEdit="1"/>
-              </p:cNvSpPr>
-              <p:nvPr/>
-            </p:nvSpPr>
-            <p:spPr>
-              <a:xfrm>
-                <a:off x="12290180" y="3094890"/>
-                <a:ext cx="11957539" cy="7332007"/>
-              </a:xfrm>
-              <a:prstGeom prst="rect">
-                <a:avLst/>
-              </a:prstGeom>
-              <a:blipFill>
-                <a:blip r:embed="rId7"/>
-                <a:stretch>
-                  <a:fillRect l="-1529" t="-1331" r="-1886" b="-2246"/>
-                </a:stretch>
-              </a:blipFill>
-            </p:spPr>
-            <p:txBody>
-              <a:bodyPr/>
-              <a:lstStyle/>
-              <a:p>
-                <a:r>
-                  <a:rPr lang="en-US">
-                    <a:noFill/>
-                  </a:rPr>
-                  <a:t> </a:t>
-                </a:r>
-              </a:p>
-            </p:txBody>
-          </p:sp>
-        </mc:Fallback>
-      </mc:AlternateContent>
+      <p:sp>
+        <p:nvSpPr>
+          <p:cNvPr id="10" name="TextBox 9">
+            <a:extLst>
+              <a:ext uri="{FF2B5EF4-FFF2-40B4-BE49-F238E27FC236}">
+                <a16:creationId xmlns:a16="http://schemas.microsoft.com/office/drawing/2014/main" id="{D1DBFFE4-A1AA-4C9D-B2A7-2CC143801287}"/>
+              </a:ext>
+            </a:extLst>
+          </p:cNvPr>
+          <p:cNvSpPr txBox="1"/>
+          <p:nvPr/>
+        </p:nvSpPr>
+        <p:spPr>
+          <a:xfrm>
+            <a:off x="12290180" y="3094890"/>
+            <a:ext cx="11957539" cy="2862322"/>
+          </a:xfrm>
+          <a:prstGeom prst="rect">
+            <a:avLst/>
+          </a:prstGeom>
+          <a:noFill/>
+        </p:spPr>
+        <p:txBody>
+          <a:bodyPr wrap="square" rtlCol="0">
+            <a:spAutoFit/>
+          </a:bodyPr>
+          <a:lstStyle/>
+          <a:p>
+            <a:r>
+              <a:rPr lang="en-US" sz="3600" b="1" dirty="0" err="1"/>
+              <a:t>PredNet</a:t>
+            </a:r>
+            <a:r>
+              <a:rPr lang="en-US" sz="3600" dirty="0"/>
+              <a:t> is a deep neural network customized for video prediction and unsupervised learning (Lotter, </a:t>
+            </a:r>
+            <a:r>
+              <a:rPr lang="en-US" sz="3600" dirty="0" err="1"/>
+              <a:t>Kreiman</a:t>
+            </a:r>
+            <a:r>
+              <a:rPr lang="en-US" sz="3600" dirty="0"/>
+              <a:t>, Cox).</a:t>
+            </a:r>
+          </a:p>
+          <a:p>
+            <a:r>
+              <a:rPr lang="en-US" sz="3600" dirty="0"/>
+              <a:t>It is used here </a:t>
+            </a:r>
+            <a:r>
+              <a:rPr lang="en-US" sz="3600" dirty="0">
+                <a:latin typeface="Calibri" panose="020F0502020204030204" pitchFamily="34" charset="0"/>
+                <a:ea typeface="等线" panose="02010600030101010101" pitchFamily="2" charset="-122"/>
+                <a:cs typeface="Times New Roman" panose="02020603050405020304" pitchFamily="18" charset="0"/>
+              </a:rPr>
+              <a:t>to train two models: </a:t>
+            </a:r>
+          </a:p>
+          <a:p>
+            <a:pPr marL="571500" indent="-571500">
+              <a:buFont typeface="Arial" panose="020B0604020202020204" pitchFamily="34" charset="0"/>
+              <a:buChar char="•"/>
+            </a:pPr>
+            <a:r>
+              <a:rPr lang="en-US" sz="3600" b="1" dirty="0" err="1">
+                <a:latin typeface="Calibri" panose="020F0502020204030204" pitchFamily="34" charset="0"/>
+                <a:ea typeface="等线" panose="02010600030101010101" pitchFamily="2" charset="-122"/>
+                <a:cs typeface="Times New Roman" panose="02020603050405020304" pitchFamily="18" charset="0"/>
+              </a:rPr>
+              <a:t>PredNet</a:t>
+            </a:r>
+            <a:r>
+              <a:rPr lang="en-US" sz="3600" b="1" dirty="0">
+                <a:latin typeface="Calibri" panose="020F0502020204030204" pitchFamily="34" charset="0"/>
+                <a:ea typeface="等线" panose="02010600030101010101" pitchFamily="2" charset="-122"/>
+                <a:cs typeface="Times New Roman" panose="02020603050405020304" pitchFamily="18" charset="0"/>
+              </a:rPr>
+              <a:t>(t+1): </a:t>
+            </a:r>
+            <a:r>
+              <a:rPr lang="en-US" sz="3600" dirty="0">
+                <a:latin typeface="Calibri" panose="020F0502020204030204" pitchFamily="34" charset="0"/>
+                <a:ea typeface="等线" panose="02010600030101010101" pitchFamily="2" charset="-122"/>
+                <a:cs typeface="Times New Roman" panose="02020603050405020304" pitchFamily="18" charset="0"/>
+              </a:rPr>
+              <a:t>predicts next frame</a:t>
+            </a:r>
+          </a:p>
+          <a:p>
+            <a:pPr marL="571500" indent="-571500">
+              <a:buFont typeface="Arial" panose="020B0604020202020204" pitchFamily="34" charset="0"/>
+              <a:buChar char="•"/>
+            </a:pPr>
+            <a:r>
+              <a:rPr lang="en-US" sz="3600" b="1" dirty="0" err="1">
+                <a:latin typeface="Calibri" panose="020F0502020204030204" pitchFamily="34" charset="0"/>
+                <a:ea typeface="等线" panose="02010600030101010101" pitchFamily="2" charset="-122"/>
+                <a:cs typeface="Times New Roman" panose="02020603050405020304" pitchFamily="18" charset="0"/>
+              </a:rPr>
+              <a:t>PredNet</a:t>
+            </a:r>
+            <a:r>
+              <a:rPr lang="en-US" sz="3600" b="1" dirty="0">
+                <a:latin typeface="Calibri" panose="020F0502020204030204" pitchFamily="34" charset="0"/>
+                <a:ea typeface="等线" panose="02010600030101010101" pitchFamily="2" charset="-122"/>
+                <a:cs typeface="Times New Roman" panose="02020603050405020304" pitchFamily="18" charset="0"/>
+              </a:rPr>
+              <a:t>(t+10): </a:t>
+            </a:r>
+            <a:r>
+              <a:rPr lang="en-US" sz="3600" dirty="0">
+                <a:latin typeface="Calibri" panose="020F0502020204030204" pitchFamily="34" charset="0"/>
+                <a:ea typeface="等线" panose="02010600030101010101" pitchFamily="2" charset="-122"/>
+                <a:cs typeface="Times New Roman" panose="02020603050405020304" pitchFamily="18" charset="0"/>
+              </a:rPr>
+              <a:t>predicts next 10 frames</a:t>
+            </a:r>
+            <a:endParaRPr lang="en-US" sz="3600" b="1" dirty="0"/>
+          </a:p>
+        </p:txBody>
+      </p:sp>
       <p:pic>
         <p:nvPicPr>
           <p:cNvPr id="32" name="Picture 31">
@@ -5556,7 +5718,7 @@
         </p:blipFill>
         <p:spPr>
           <a:xfrm>
-            <a:off x="18158631" y="10486343"/>
+            <a:off x="18158631" y="10575243"/>
             <a:ext cx="5943600" cy="1362758"/>
           </a:xfrm>
           <a:prstGeom prst="rect">
@@ -5597,7 +5759,7 @@
                 <a:ea typeface="等线" panose="02010600030101010101" pitchFamily="2" charset="-122"/>
                 <a:cs typeface="Times New Roman" panose="02020603050405020304" pitchFamily="18" charset="0"/>
               </a:rPr>
-              <a:t>Figure 5: the structure of </a:t>
+              <a:t>Figure 5: Structure of </a:t>
             </a:r>
             <a:r>
               <a:rPr lang="en-US" i="1" dirty="0" err="1">
@@ -5605,7 +5767,7 @@
                 <a:ea typeface="等线" panose="02010600030101010101" pitchFamily="2" charset="-122"/>
                 <a:cs typeface="Times New Roman" panose="02020603050405020304" pitchFamily="18" charset="0"/>
               </a:rPr>
-              <a:t>PreNet</a:t>
+              <a:t>PredNet</a:t>
             </a:r>
             <a:r>
               <a:rPr lang="en-US" i="1" dirty="0">
@@ -5641,8 +5803,8 @@
         </p:nvSpPr>
         <p:spPr>
           <a:xfrm>
-            <a:off x="17994093" y="11959204"/>
-            <a:ext cx="6108138" cy="2308324"/>
+            <a:off x="18198441" y="12054822"/>
+            <a:ext cx="5903790" cy="2031325"/>
           </a:xfrm>
           <a:prstGeom prst="rect">
             <a:avLst/>
@@ -5660,7 +5822,7 @@
                 <a:ea typeface="等线" panose="02010600030101010101" pitchFamily="2" charset="-122"/>
                 <a:cs typeface="Times New Roman" panose="02020603050405020304" pitchFamily="18" charset="0"/>
               </a:rPr>
-              <a:t>Figure 6: left: we trained t+1 module denoted as </a:t>
+              <a:t>Figure 6: Trained models. Left: t+1 module denoted as </a:t>
             </a:r>
             <a:r>
               <a:rPr lang="en-US" b="1" i="1" dirty="0" err="1">
@@ -5676,7 +5838,7 @@
                 <a:ea typeface="等线" panose="02010600030101010101" pitchFamily="2" charset="-122"/>
                 <a:cs typeface="Times New Roman" panose="02020603050405020304" pitchFamily="18" charset="0"/>
               </a:rPr>
-              <a:t>(t+1)</a:t>
+              <a:t>(t+1).</a:t>
             </a:r>
             <a:r>
               <a:rPr lang="en-US" i="1" dirty="0">
@@ -5684,7 +5846,7 @@
                 <a:ea typeface="等线" panose="02010600030101010101" pitchFamily="2" charset="-122"/>
                 <a:cs typeface="Times New Roman" panose="02020603050405020304" pitchFamily="18" charset="0"/>
               </a:rPr>
-              <a:t>, our input is [t, t+11), output is sum of error from </a:t>
+              <a:t> Input is [t, t+11), output is sum of error from </a:t>
             </a:r>
             <a:r>
               <a:rPr lang="en-US" i="1" dirty="0" err="1">
@@ -5700,7 +5862,31 @@
                 <a:ea typeface="等线" panose="02010600030101010101" pitchFamily="2" charset="-122"/>
                 <a:cs typeface="Times New Roman" panose="02020603050405020304" pitchFamily="18" charset="0"/>
               </a:rPr>
-              <a:t> which closes to 0 in the training. Right: we construct a new </a:t>
+              <a:t> which approaches 0 after training. Right: new model denoted as </a:t>
+            </a:r>
+            <a:r>
+              <a:rPr lang="en-US" b="1" i="1" dirty="0" err="1">
+                <a:latin typeface="Calibri" panose="020F0502020204030204" pitchFamily="34" charset="0"/>
+                <a:ea typeface="等线" panose="02010600030101010101" pitchFamily="2" charset="-122"/>
+                <a:cs typeface="Times New Roman" panose="02020603050405020304" pitchFamily="18" charset="0"/>
+              </a:rPr>
+              <a:t>PredNet</a:t>
+            </a:r>
+            <a:r>
+              <a:rPr lang="en-US" b="1" i="1" dirty="0">
+                <a:latin typeface="Calibri" panose="020F0502020204030204" pitchFamily="34" charset="0"/>
+                <a:ea typeface="等线" panose="02010600030101010101" pitchFamily="2" charset="-122"/>
+                <a:cs typeface="Times New Roman" panose="02020603050405020304" pitchFamily="18" charset="0"/>
+              </a:rPr>
+              <a:t>(t+10)</a:t>
+            </a:r>
+            <a:r>
+              <a:rPr lang="en-US" i="1" dirty="0">
+                <a:latin typeface="Calibri" panose="020F0502020204030204" pitchFamily="34" charset="0"/>
+                <a:ea typeface="等线" panose="02010600030101010101" pitchFamily="2" charset="-122"/>
+                <a:cs typeface="Times New Roman" panose="02020603050405020304" pitchFamily="18" charset="0"/>
+              </a:rPr>
+              <a:t>, which uses trained weights from </a:t>
             </a:r>
             <a:r>
               <a:rPr lang="en-US" i="1" dirty="0" err="1">
@@ -5716,63 +5902,7 @@
                 <a:ea typeface="等线" panose="02010600030101010101" pitchFamily="2" charset="-122"/>
                 <a:cs typeface="Times New Roman" panose="02020603050405020304" pitchFamily="18" charset="0"/>
               </a:rPr>
-              <a:t> denoted as </a:t>
-            </a:r>
-            <a:r>
-              <a:rPr lang="en-US" b="1" i="1" dirty="0" err="1">
-                <a:latin typeface="Calibri" panose="020F0502020204030204" pitchFamily="34" charset="0"/>
-                <a:ea typeface="等线" panose="02010600030101010101" pitchFamily="2" charset="-122"/>
-                <a:cs typeface="Times New Roman" panose="02020603050405020304" pitchFamily="18" charset="0"/>
-              </a:rPr>
-              <a:t>PredNet</a:t>
-            </a:r>
-            <a:r>
-              <a:rPr lang="en-US" b="1" i="1" dirty="0">
-                <a:latin typeface="Calibri" panose="020F0502020204030204" pitchFamily="34" charset="0"/>
-                <a:ea typeface="等线" panose="02010600030101010101" pitchFamily="2" charset="-122"/>
-                <a:cs typeface="Times New Roman" panose="02020603050405020304" pitchFamily="18" charset="0"/>
-              </a:rPr>
-              <a:t>(t+10)</a:t>
-            </a:r>
-            <a:r>
-              <a:rPr lang="en-US" i="1" dirty="0">
-                <a:latin typeface="Calibri" panose="020F0502020204030204" pitchFamily="34" charset="0"/>
-                <a:ea typeface="等线" panose="02010600030101010101" pitchFamily="2" charset="-122"/>
-                <a:cs typeface="Times New Roman" panose="02020603050405020304" pitchFamily="18" charset="0"/>
-              </a:rPr>
-              <a:t>, which uses same weights as </a:t>
-            </a:r>
-            <a:r>
-              <a:rPr lang="en-US" i="1" dirty="0" err="1">
-                <a:latin typeface="Calibri" panose="020F0502020204030204" pitchFamily="34" charset="0"/>
-                <a:ea typeface="等线" panose="02010600030101010101" pitchFamily="2" charset="-122"/>
-                <a:cs typeface="Times New Roman" panose="02020603050405020304" pitchFamily="18" charset="0"/>
-              </a:rPr>
-              <a:t>PredNet</a:t>
-            </a:r>
-            <a:r>
-              <a:rPr lang="en-US" i="1" dirty="0">
-                <a:latin typeface="Calibri" panose="020F0502020204030204" pitchFamily="34" charset="0"/>
-                <a:ea typeface="等线" panose="02010600030101010101" pitchFamily="2" charset="-122"/>
-                <a:cs typeface="Times New Roman" panose="02020603050405020304" pitchFamily="18" charset="0"/>
-              </a:rPr>
-              <a:t>(t+1) (Copy from trained </a:t>
-            </a:r>
-            <a:r>
-              <a:rPr lang="en-US" i="1" dirty="0" err="1">
-                <a:latin typeface="Calibri" panose="020F0502020204030204" pitchFamily="34" charset="0"/>
-                <a:ea typeface="等线" panose="02010600030101010101" pitchFamily="2" charset="-122"/>
-                <a:cs typeface="Times New Roman" panose="02020603050405020304" pitchFamily="18" charset="0"/>
-              </a:rPr>
-              <a:t>PredNet</a:t>
-            </a:r>
-            <a:r>
-              <a:rPr lang="en-US" i="1" dirty="0">
-                <a:latin typeface="Calibri" panose="020F0502020204030204" pitchFamily="34" charset="0"/>
-                <a:ea typeface="等线" panose="02010600030101010101" pitchFamily="2" charset="-122"/>
-                <a:cs typeface="Times New Roman" panose="02020603050405020304" pitchFamily="18" charset="0"/>
-              </a:rPr>
-              <a:t>(t+1)). The input is [t, t+20), and output is predication [t, t+20]. The difference is we let the previous prediction as input after t=10, which means [t+10, t+20) is extrapolation</a:t>
+              <a:t>(t+1). Input is [t, t+20), output is prediction [t, t+20]. After t=10, input consists solely of previous predictions.     Frames [t+10, t+20) are an extrapolation.</a:t>
             </a:r>
             <a:endParaRPr lang="en-US" i="1" dirty="0"/>
           </a:p>
@@ -5793,7 +5923,7 @@
         <p:spPr>
           <a:xfrm>
             <a:off x="12328524" y="14792909"/>
-            <a:ext cx="11919195" cy="2308324"/>
+            <a:ext cx="11919195" cy="1754326"/>
           </a:xfrm>
           <a:prstGeom prst="rect">
             <a:avLst/>
@@ -5811,7 +5941,7 @@
                   <a:schemeClr val="dk1"/>
                 </a:solidFill>
               </a:rPr>
-              <a:t>With help of high-performance computing (HPC), we can try more complex models and train it much faster than before. Table blew shows the hardware and software we use in the training stage </a:t>
+              <a:t>High-performance Computing (HPC) allows complex models to be trained in a reasonable amount of time. The table below shows the hardware/software infrastructure for training. </a:t>
             </a:r>
             <a:endParaRPr lang="en-US" sz="3600" dirty="0">
               <a:solidFill>
@@ -5836,7 +5966,7 @@
           <p:nvPr>
             <p:extLst>
               <p:ext uri="{D42A27DB-BD31-4B8C-83A1-F6EECF244321}">
-                <p14:modId xmlns:p14="http://schemas.microsoft.com/office/powerpoint/2010/main" val="965097997"/>
+                <p14:modId xmlns:p14="http://schemas.microsoft.com/office/powerpoint/2010/main" val="3451448675"/>
               </p:ext>
             </p:extLst>
           </p:nvPr>
@@ -6287,7 +6417,7 @@
                         <a:rPr lang="en-US" sz="2400" dirty="0">
                           <a:effectLst/>
                         </a:rPr>
-                        <a:t>NVIDIA Titan V w/51`20 cores (640 </a:t>
+                        <a:t>NVIDIA Titan V w/5120 cores (640 </a:t>
                       </a:r>
                       <a:r>
                         <a:rPr lang="en-US" sz="2400" dirty="0" err="1">
@@ -6447,7 +6577,19 @@
                         <a:rPr lang="en-US" sz="2400" dirty="0">
                           <a:effectLst/>
                         </a:rPr>
-                        <a:t> (TensorFlow GPU), Python 3.6.7</a:t>
+                        <a:t> (</a:t>
+                      </a:r>
+                      <a:r>
+                        <a:rPr lang="en-US" sz="2400" dirty="0" err="1">
+                          <a:effectLst/>
+                        </a:rPr>
+                        <a:t>TensorFlow_GPU</a:t>
+                      </a:r>
+                      <a:r>
+                        <a:rPr lang="en-US" sz="2400" dirty="0">
+                          <a:effectLst/>
+                        </a:rPr>
+                        <a:t>), Python 3.6.7</a:t>
                       </a:r>
                       <a:endParaRPr lang="en-US" sz="2400" dirty="0">
                         <a:effectLst/>
@@ -6495,8 +6637,8 @@
         </p:blipFill>
         <p:spPr>
           <a:xfrm>
-            <a:off x="12491183" y="20212192"/>
-            <a:ext cx="3620104" cy="1561958"/>
+            <a:off x="12491183" y="20212191"/>
+            <a:ext cx="3620104" cy="2163715"/>
           </a:xfrm>
           <a:prstGeom prst="rect">
             <a:avLst/>
@@ -6529,8 +6671,8 @@
         </p:blipFill>
         <p:spPr>
           <a:xfrm>
-            <a:off x="15944009" y="20212192"/>
-            <a:ext cx="3627657" cy="1496567"/>
+            <a:off x="15936456" y="20212192"/>
+            <a:ext cx="3627657" cy="2182682"/>
           </a:xfrm>
           <a:prstGeom prst="rect">
             <a:avLst/>
@@ -6551,7 +6693,7 @@
         </p:nvSpPr>
         <p:spPr>
           <a:xfrm>
-            <a:off x="12719244" y="21782649"/>
+            <a:off x="12719244" y="22326498"/>
             <a:ext cx="6449530" cy="369332"/>
           </a:xfrm>
           <a:prstGeom prst="rect">
@@ -6578,7 +6720,7 @@
                 <a:ea typeface="等线" panose="02010600030101010101" pitchFamily="2" charset="-122"/>
                 <a:cs typeface="Times New Roman" panose="02020603050405020304" pitchFamily="18" charset="0"/>
               </a:rPr>
-              <a:t>Figure 7: left: </a:t>
+              <a:t>Figure 7: Left: </a:t>
             </a:r>
             <a:r>
               <a:rPr lang="en-US" i="1" dirty="0" err="1">
@@ -6600,7 +6742,7 @@
                 <a:ea typeface="等线" panose="02010600030101010101" pitchFamily="2" charset="-122"/>
                 <a:cs typeface="Times New Roman" panose="02020603050405020304" pitchFamily="18" charset="0"/>
               </a:rPr>
-              <a:t>(t+1) loss plot, right: </a:t>
+              <a:t>(t+1) loss plot, Right: </a:t>
             </a:r>
             <a:r>
               <a:rPr lang="en-US" i="1" dirty="0" err="1">
@@ -6611,7 +6753,7 @@
                 <a:ea typeface="等线" panose="02010600030101010101" pitchFamily="2" charset="-122"/>
                 <a:cs typeface="Times New Roman" panose="02020603050405020304" pitchFamily="18" charset="0"/>
               </a:rPr>
-              <a:t>Prednet</a:t>
+              <a:t>PredNet</a:t>
             </a:r>
             <a:r>
               <a:rPr lang="en-US" i="1" dirty="0">
@@ -6657,7 +6799,7 @@
           <a:p>
             <a:r>
               <a:rPr lang="en-US" dirty="0"/>
-              <a:t>Our batch size sets as 10, 100 samples for each epoch, and learning rate sets as 0.001 when epoch &lt; 75, otherwise 0.0001. After 100 epoch, loss values of both training methods are lower than 0.002. With Titian V, it just took 23 mins and 101 mins to train them respectively. </a:t>
+              <a:t>Mini-batch size is 10, 100 samples per epoch. Learning rate set at 0.001 for epoch &lt; 75, then reduced to 0.0001. After 100 epochs, loss values of both training models are lower than 0.002.  Training on Titan V took 23 mins and 101 mins for the two models, respectively. </a:t>
             </a:r>
             <a:endParaRPr lang="en-US" sz="3600" dirty="0"/>
           </a:p>
@@ -6706,7 +6848,7 @@
         <p:spPr>
           <a:xfrm>
             <a:off x="18768924" y="25213510"/>
-            <a:ext cx="4865776" cy="1200329"/>
+            <a:ext cx="4865776" cy="923330"/>
           </a:xfrm>
           <a:prstGeom prst="rect">
             <a:avLst/>
@@ -6732,7 +6874,7 @@
                 <a:ea typeface="等线" panose="02010600030101010101" pitchFamily="2" charset="-122"/>
                 <a:cs typeface="Times New Roman" panose="02020603050405020304" pitchFamily="18" charset="0"/>
               </a:rPr>
-              <a:t>Figure 8:  three prediction manners. Left: </a:t>
+              <a:t>Figure 8: Prediction strategies. Left: </a:t>
             </a:r>
             <a:r>
               <a:rPr lang="en-US" i="1" dirty="0" err="1">
@@ -6765,7 +6907,7 @@
                 <a:ea typeface="等线" panose="02010600030101010101" pitchFamily="2" charset="-122"/>
                 <a:cs typeface="Times New Roman" panose="02020603050405020304" pitchFamily="18" charset="0"/>
               </a:rPr>
-              <a:t>Prednet</a:t>
+              <a:t>PredNet</a:t>
             </a:r>
             <a:r>
               <a:rPr lang="en-US" i="1" dirty="0">
@@ -6817,8 +6959,8 @@
         </p:nvSpPr>
         <p:spPr>
           <a:xfrm>
-            <a:off x="12328524" y="22175056"/>
-            <a:ext cx="11919195" cy="2862322"/>
+            <a:off x="12328524" y="22886217"/>
+            <a:ext cx="11919195" cy="2308324"/>
           </a:xfrm>
           <a:prstGeom prst="rect">
             <a:avLst/>
@@ -6832,20 +6974,34 @@
           <a:lstStyle/>
           <a:p>
             <a:r>
+              <a:rPr lang="en-US" altLang="en-US" sz="3600" b="1" dirty="0">
+                <a:latin typeface="Calibri" panose="020F0502020204030204" pitchFamily="34" charset="0"/>
+                <a:ea typeface="等线" panose="02010600030101010101" pitchFamily="2" charset="-122"/>
+                <a:cs typeface="Times New Roman" panose="02020603050405020304" pitchFamily="18" charset="0"/>
+              </a:rPr>
+              <a:t>Prediction strategies: </a:t>
+            </a:r>
+            <a:r>
               <a:rPr lang="en-US" altLang="en-US" sz="3600" dirty="0">
                 <a:latin typeface="Calibri" panose="020F0502020204030204" pitchFamily="34" charset="0"/>
                 <a:ea typeface="等线" panose="02010600030101010101" pitchFamily="2" charset="-122"/>
                 <a:cs typeface="Times New Roman" panose="02020603050405020304" pitchFamily="18" charset="0"/>
               </a:rPr>
-              <a:t>We created </a:t>
-            </a:r>
-            <a:r>
-              <a:rPr lang="en-US" altLang="en-US" sz="3600" b="1" dirty="0">
-                <a:latin typeface="Calibri" panose="020F0502020204030204" pitchFamily="34" charset="0"/>
-                <a:ea typeface="等线" panose="02010600030101010101" pitchFamily="2" charset="-122"/>
-                <a:cs typeface="Times New Roman" panose="02020603050405020304" pitchFamily="18" charset="0"/>
-              </a:rPr>
-              <a:t>three prediction manners </a:t>
+              <a:t>utilized the two trained models.</a:t>
+            </a:r>
+          </a:p>
+          <a:p>
+            <a:pPr marL="571500" indent="-571500">
+              <a:buFont typeface="Arial" panose="020B0604020202020204" pitchFamily="34" charset="0"/>
+              <a:buChar char="•"/>
+            </a:pPr>
+            <a:r>
+              <a:rPr lang="en-US" altLang="en-US" sz="3600" dirty="0" err="1">
+                <a:latin typeface="Calibri" panose="020F0502020204030204" pitchFamily="34" charset="0"/>
+                <a:ea typeface="等线" panose="02010600030101010101" pitchFamily="2" charset="-122"/>
+                <a:cs typeface="Times New Roman" panose="02020603050405020304" pitchFamily="18" charset="0"/>
+              </a:rPr>
+              <a:t>PredNet</a:t>
             </a:r>
             <a:r>
               <a:rPr lang="en-US" altLang="en-US" sz="3600" dirty="0">
@@ -6853,8 +7009,14 @@
                 <a:ea typeface="等线" panose="02010600030101010101" pitchFamily="2" charset="-122"/>
                 <a:cs typeface="Times New Roman" panose="02020603050405020304" pitchFamily="18" charset="0"/>
               </a:rPr>
-              <a:t>in term of the two trained models. The first manner uses </a:t>
-            </a:r>
+              <a:t>(t+1) does t+1 prediction </a:t>
+            </a:r>
+          </a:p>
+          <a:p>
+            <a:pPr marL="571500" indent="-571500">
+              <a:buFont typeface="Arial" panose="020B0604020202020204" pitchFamily="34" charset="0"/>
+              <a:buChar char="•"/>
+            </a:pPr>
             <a:r>
               <a:rPr lang="en-US" altLang="en-US" sz="3600" dirty="0" err="1">
                 <a:latin typeface="Calibri" panose="020F0502020204030204" pitchFamily="34" charset="0"/>
@@ -6869,8 +7031,14 @@
                 <a:ea typeface="等线" panose="02010600030101010101" pitchFamily="2" charset="-122"/>
                 <a:cs typeface="Times New Roman" panose="02020603050405020304" pitchFamily="18" charset="0"/>
               </a:rPr>
-              <a:t>(t+1) to do t+1 prediction. The second manner also use </a:t>
-            </a:r>
+              <a:t>(t+1) does rolling prediction </a:t>
+            </a:r>
+          </a:p>
+          <a:p>
+            <a:pPr marL="571500" indent="-571500">
+              <a:buFont typeface="Arial" panose="020B0604020202020204" pitchFamily="34" charset="0"/>
+              <a:buChar char="•"/>
+            </a:pPr>
             <a:r>
               <a:rPr lang="en-US" altLang="en-US" sz="3600" dirty="0" err="1">
                 <a:latin typeface="Calibri" panose="020F0502020204030204" pitchFamily="34" charset="0"/>
@@ -6885,23 +7053,7 @@
                 <a:ea typeface="等线" panose="02010600030101010101" pitchFamily="2" charset="-122"/>
                 <a:cs typeface="Times New Roman" panose="02020603050405020304" pitchFamily="18" charset="0"/>
               </a:rPr>
-              <a:t>(t+1) but facilitated the rolling prediction. The third manner is as same as the second one but changed the model to </a:t>
-            </a:r>
-            <a:r>
-              <a:rPr lang="en-US" altLang="en-US" sz="3600" dirty="0" err="1">
-                <a:latin typeface="Calibri" panose="020F0502020204030204" pitchFamily="34" charset="0"/>
-                <a:ea typeface="等线" panose="02010600030101010101" pitchFamily="2" charset="-122"/>
-                <a:cs typeface="Times New Roman" panose="02020603050405020304" pitchFamily="18" charset="0"/>
-              </a:rPr>
-              <a:t>PredNet</a:t>
-            </a:r>
-            <a:r>
-              <a:rPr lang="en-US" altLang="en-US" sz="3600" dirty="0">
-                <a:latin typeface="Calibri" panose="020F0502020204030204" pitchFamily="34" charset="0"/>
-                <a:ea typeface="等线" panose="02010600030101010101" pitchFamily="2" charset="-122"/>
-                <a:cs typeface="Times New Roman" panose="02020603050405020304" pitchFamily="18" charset="0"/>
-              </a:rPr>
-              <a:t>(t+10). </a:t>
+              <a:t>(t+10) does rolling prediction</a:t>
             </a:r>
             <a:endParaRPr lang="en-US" sz="3600" dirty="0"/>
           </a:p>
@@ -7152,7 +7304,7 @@
           <a:p>
             <a:r>
               <a:rPr lang="en-US" sz="3600" dirty="0"/>
-              <a:t>We exported the results from three prediction manners and compared them with ground truth visually and quantitatively. </a:t>
+              <a:t>Results exported from the three prediction strategies and compared with ground truth, visually and quantitatively. </a:t>
             </a:r>
           </a:p>
         </p:txBody>
@@ -7620,7 +7772,33 @@
                 <a:ea typeface="等线" panose="02010600030101010101" pitchFamily="2" charset="-122"/>
                 <a:cs typeface="Times New Roman" panose="02020603050405020304" pitchFamily="18" charset="0"/>
               </a:rPr>
-              <a:t>Figure 11: Prediction(t+10) with t+10 prediction . Left: prediction, right: ground truth. The order is 12</a:t>
+              <a:t>Figure 11: </a:t>
+            </a:r>
+            <a:r>
+              <a:rPr lang="en-US" i="1" dirty="0" err="1">
+                <a:latin typeface="Calibri" panose="020F0502020204030204" pitchFamily="34" charset="0"/>
+                <a:ea typeface="等线" panose="02010600030101010101" pitchFamily="2" charset="-122"/>
+                <a:cs typeface="Times New Roman" panose="02020603050405020304" pitchFamily="18" charset="0"/>
+              </a:rPr>
+              <a:t>PredNet</a:t>
+            </a:r>
+            <a:r>
+              <a:rPr lang="en-US" i="1" dirty="0">
+                <a:latin typeface="Calibri" panose="020F0502020204030204" pitchFamily="34" charset="0"/>
+                <a:ea typeface="等线" panose="02010600030101010101" pitchFamily="2" charset="-122"/>
+                <a:cs typeface="Times New Roman" panose="02020603050405020304" pitchFamily="18" charset="0"/>
+              </a:rPr>
+              <a:t>(t+10) with t+10 prediction . Left: prediction, right: ground truth. </a:t>
+            </a:r>
+          </a:p>
+          <a:p>
+            <a:r>
+              <a:rPr lang="en-US" i="1" dirty="0">
+                <a:latin typeface="Calibri" panose="020F0502020204030204" pitchFamily="34" charset="0"/>
+                <a:ea typeface="等线" panose="02010600030101010101" pitchFamily="2" charset="-122"/>
+                <a:cs typeface="Times New Roman" panose="02020603050405020304" pitchFamily="18" charset="0"/>
+              </a:rPr>
+              <a:t>Shown are the 12</a:t>
             </a:r>
             <a:r>
               <a:rPr lang="en-US" i="1" baseline="30000" dirty="0">
@@ -7628,7 +7806,7 @@
                 <a:ea typeface="等线" panose="02010600030101010101" pitchFamily="2" charset="-122"/>
                 <a:cs typeface="Times New Roman" panose="02020603050405020304" pitchFamily="18" charset="0"/>
               </a:rPr>
-              <a:t>nd</a:t>
+              <a:t>th</a:t>
             </a:r>
             <a:r>
               <a:rPr lang="en-US" i="1" dirty="0">
@@ -7684,7 +7862,7 @@
                 <a:ea typeface="等线" panose="02010600030101010101" pitchFamily="2" charset="-122"/>
                 <a:cs typeface="Times New Roman" panose="02020603050405020304" pitchFamily="18" charset="0"/>
               </a:rPr>
-              <a:t>, 20</a:t>
+              <a:t>, and 20</a:t>
             </a:r>
             <a:r>
               <a:rPr lang="en-US" i="1" baseline="30000" dirty="0">
@@ -7739,7 +7917,23 @@
                 <a:ea typeface="等线" panose="02010600030101010101" pitchFamily="2" charset="-122"/>
                 <a:cs typeface="Times New Roman" panose="02020603050405020304" pitchFamily="18" charset="0"/>
               </a:rPr>
-              <a:t>Figure 9: Prediction(t+1) with t+1 prediction. Left: prediction, right: ground truth. The order is 2</a:t>
+              <a:t>Figure 9: </a:t>
+            </a:r>
+            <a:r>
+              <a:rPr lang="en-US" i="1" dirty="0" err="1">
+                <a:latin typeface="Calibri" panose="020F0502020204030204" pitchFamily="34" charset="0"/>
+                <a:ea typeface="等线" panose="02010600030101010101" pitchFamily="2" charset="-122"/>
+                <a:cs typeface="Times New Roman" panose="02020603050405020304" pitchFamily="18" charset="0"/>
+              </a:rPr>
+              <a:t>PredNet</a:t>
+            </a:r>
+            <a:r>
+              <a:rPr lang="en-US" i="1" dirty="0">
+                <a:latin typeface="Calibri" panose="020F0502020204030204" pitchFamily="34" charset="0"/>
+                <a:ea typeface="等线" panose="02010600030101010101" pitchFamily="2" charset="-122"/>
+                <a:cs typeface="Times New Roman" panose="02020603050405020304" pitchFamily="18" charset="0"/>
+              </a:rPr>
+              <a:t>(t+1) with t+1 prediction. Left: prediction, right: ground truth. Warmer color represents higher velocity. Shown are the 2</a:t>
             </a:r>
             <a:r>
               <a:rPr lang="en-US" i="1" baseline="30000" dirty="0">
@@ -7803,7 +7997,7 @@
                 <a:ea typeface="等线" panose="02010600030101010101" pitchFamily="2" charset="-122"/>
                 <a:cs typeface="Times New Roman" panose="02020603050405020304" pitchFamily="18" charset="0"/>
               </a:rPr>
-              <a:t>, 10</a:t>
+              <a:t>, and 10</a:t>
             </a:r>
             <a:r>
               <a:rPr lang="en-US" i="1" baseline="30000" dirty="0">
@@ -7819,7 +8013,7 @@
                 <a:ea typeface="等线" panose="02010600030101010101" pitchFamily="2" charset="-122"/>
                 <a:cs typeface="Times New Roman" panose="02020603050405020304" pitchFamily="18" charset="0"/>
               </a:rPr>
-              <a:t> predicted frame</a:t>
+              <a:t> predicted frame.</a:t>
             </a:r>
             <a:endParaRPr lang="en-US" i="1" dirty="0"/>
           </a:p>
@@ -7858,7 +8052,33 @@
                 <a:ea typeface="等线" panose="02010600030101010101" pitchFamily="2" charset="-122"/>
                 <a:cs typeface="Times New Roman" panose="02020603050405020304" pitchFamily="18" charset="0"/>
               </a:rPr>
-              <a:t>Figure 10: Prediction(t+1) with t+10 prediction . Left: prediction, right: ground truth. The order is 12</a:t>
+              <a:t>Figure 10: </a:t>
+            </a:r>
+            <a:r>
+              <a:rPr lang="en-US" i="1" dirty="0" err="1">
+                <a:latin typeface="Calibri" panose="020F0502020204030204" pitchFamily="34" charset="0"/>
+                <a:ea typeface="等线" panose="02010600030101010101" pitchFamily="2" charset="-122"/>
+                <a:cs typeface="Times New Roman" panose="02020603050405020304" pitchFamily="18" charset="0"/>
+              </a:rPr>
+              <a:t>PredNet</a:t>
+            </a:r>
+            <a:r>
+              <a:rPr lang="en-US" i="1" dirty="0">
+                <a:latin typeface="Calibri" panose="020F0502020204030204" pitchFamily="34" charset="0"/>
+                <a:ea typeface="等线" panose="02010600030101010101" pitchFamily="2" charset="-122"/>
+                <a:cs typeface="Times New Roman" panose="02020603050405020304" pitchFamily="18" charset="0"/>
+              </a:rPr>
+              <a:t>(t+1) with t+10 prediction . Left: prediction, right: ground truth. </a:t>
+            </a:r>
+          </a:p>
+          <a:p>
+            <a:r>
+              <a:rPr lang="en-US" i="1" dirty="0">
+                <a:latin typeface="Calibri" panose="020F0502020204030204" pitchFamily="34" charset="0"/>
+                <a:ea typeface="等线" panose="02010600030101010101" pitchFamily="2" charset="-122"/>
+                <a:cs typeface="Times New Roman" panose="02020603050405020304" pitchFamily="18" charset="0"/>
+              </a:rPr>
+              <a:t>Shown are the 12</a:t>
             </a:r>
             <a:r>
               <a:rPr lang="en-US" i="1" baseline="30000" dirty="0">
@@ -7866,7 +8086,7 @@
                 <a:ea typeface="等线" panose="02010600030101010101" pitchFamily="2" charset="-122"/>
                 <a:cs typeface="Times New Roman" panose="02020603050405020304" pitchFamily="18" charset="0"/>
               </a:rPr>
-              <a:t>nd</a:t>
+              <a:t>th</a:t>
             </a:r>
             <a:r>
               <a:rPr lang="en-US" i="1" dirty="0">
@@ -7922,7 +8142,7 @@
                 <a:ea typeface="等线" panose="02010600030101010101" pitchFamily="2" charset="-122"/>
                 <a:cs typeface="Times New Roman" panose="02020603050405020304" pitchFamily="18" charset="0"/>
               </a:rPr>
-              <a:t>, 20</a:t>
+              <a:t>, and 20</a:t>
             </a:r>
             <a:r>
               <a:rPr lang="en-US" i="1" baseline="30000" dirty="0">
@@ -7938,7 +8158,7 @@
                 <a:ea typeface="等线" panose="02010600030101010101" pitchFamily="2" charset="-122"/>
                 <a:cs typeface="Times New Roman" panose="02020603050405020304" pitchFamily="18" charset="0"/>
               </a:rPr>
-              <a:t> predicted frame</a:t>
+              <a:t> predicted frame. Note dissolution in predicted image.</a:t>
             </a:r>
             <a:endParaRPr lang="en-US" i="1" dirty="0"/>
           </a:p>
@@ -8012,14 +8232,14 @@
                 <a:ea typeface="等线" panose="02010600030101010101" pitchFamily="2" charset="-122"/>
                 <a:cs typeface="Times New Roman" panose="02020603050405020304" pitchFamily="18" charset="0"/>
               </a:rPr>
-              <a:t>To validation the result and reduce the deviation, we randomly pick up 100 samples, then calculate the average of PSNR (RGB: 0-255, 3 channels) and difference of sum of all pixels:</a:t>
+              <a:t>To compare results and characterize error, 100 random samples were used to calculate Peak Signal to Noise Ratio (RGB: 0-255), and cumulative velocity (Sum of pixels).</a:t>
             </a:r>
             <a:endParaRPr lang="en-US" sz="3600" dirty="0"/>
           </a:p>
         </p:txBody>
       </p:sp>
-      <mc:AlternateContent xmlns:mc="http://schemas.openxmlformats.org/markup-compatibility/2006">
-        <mc:Choice xmlns:a14="http://schemas.microsoft.com/office/drawing/2010/main" Requires="a14">
+      <mc:AlternateContent xmlns:mc="http://schemas.openxmlformats.org/markup-compatibility/2006" xmlns:a14="http://schemas.microsoft.com/office/drawing/2010/main">
+        <mc:Choice Requires="a14">
           <p:sp>
             <p:nvSpPr>
               <p:cNvPr id="70" name="Rectangle 69">
@@ -8475,7 +8695,7 @@
             </p:txBody>
           </p:sp>
         </mc:Choice>
-        <mc:Fallback>
+        <mc:Fallback xmlns="">
           <p:sp>
             <p:nvSpPr>
               <p:cNvPr id="70" name="Rectangle 69">
@@ -8520,8 +8740,8 @@
           </p:sp>
         </mc:Fallback>
       </mc:AlternateContent>
-      <mc:AlternateContent xmlns:mc="http://schemas.openxmlformats.org/markup-compatibility/2006">
-        <mc:Choice xmlns:a14="http://schemas.microsoft.com/office/drawing/2010/main" Requires="a14">
+      <mc:AlternateContent xmlns:mc="http://schemas.openxmlformats.org/markup-compatibility/2006" xmlns:a14="http://schemas.microsoft.com/office/drawing/2010/main">
+        <mc:Choice Requires="a14">
           <p:sp>
             <p:nvSpPr>
               <p:cNvPr id="71" name="Rectangle 70">
@@ -8549,6 +8769,7 @@
               </a:bodyPr>
               <a:lstStyle/>
               <a:p>
+                <a:pPr/>
                 <a14:m>
                   <m:oMathPara xmlns:m="http://schemas.openxmlformats.org/officeDocument/2006/math">
                     <m:oMathParaPr>
@@ -8803,7 +9024,7 @@
             </p:txBody>
           </p:sp>
         </mc:Choice>
-        <mc:Fallback>
+        <mc:Fallback xmlns="">
           <p:sp>
             <p:nvSpPr>
               <p:cNvPr id="71" name="Rectangle 70">
@@ -8916,11 +9137,11 @@
                 <a:ea typeface="等线" panose="02010600030101010101" pitchFamily="2" charset="-122"/>
                 <a:cs typeface="Times New Roman" panose="02020603050405020304" pitchFamily="18" charset="0"/>
               </a:rPr>
-              <a:t>Figure 12: </a:t>
+              <a:t>Figure 12: Q</a:t>
             </a:r>
             <a:r>
               <a:rPr lang="en-US" dirty="0"/>
-              <a:t>quantitatively comparison results within three manners based on 100 samples</a:t>
+              <a:t>uantitative comparison of three prediction strategies based on 100 random samples.</a:t>
             </a:r>
             <a:endParaRPr lang="en-US" i="1" dirty="0"/>
           </a:p>
@@ -8941,7 +9162,7 @@
         <p:spPr>
           <a:xfrm>
             <a:off x="24658270" y="16381495"/>
-            <a:ext cx="11957539" cy="3416320"/>
+            <a:ext cx="11957539" cy="2862322"/>
           </a:xfrm>
           <a:prstGeom prst="rect">
             <a:avLst/>
@@ -8959,7 +9180,7 @@
                 <a:ea typeface="等线" panose="02010600030101010101" pitchFamily="2" charset="-122"/>
                 <a:cs typeface="Times New Roman" panose="02020603050405020304" pitchFamily="18" charset="0"/>
               </a:rPr>
-              <a:t>Through Figure 12, we can easily find out that </a:t>
+              <a:t>Figure 12 shows that the </a:t>
             </a:r>
             <a:r>
               <a:rPr lang="en-US" altLang="en-US" sz="3600" dirty="0" err="1">
@@ -8975,7 +9196,7 @@
                 <a:ea typeface="等线" panose="02010600030101010101" pitchFamily="2" charset="-122"/>
                 <a:cs typeface="Times New Roman" panose="02020603050405020304" pitchFamily="18" charset="0"/>
               </a:rPr>
-              <a:t>(t+1) gives a good performance in t+1 prediction, but rapidly degradation in t+10 prediction. While </a:t>
+              <a:t>(t+1) model provides good performance for t+1 prediction, but rapidly degrades in t+10 prediction. The </a:t>
             </a:r>
             <a:r>
               <a:rPr lang="en-US" altLang="en-US" sz="3600" dirty="0" err="1">
@@ -8991,7 +9212,7 @@
                 <a:ea typeface="等线" panose="02010600030101010101" pitchFamily="2" charset="-122"/>
                 <a:cs typeface="Times New Roman" panose="02020603050405020304" pitchFamily="18" charset="0"/>
               </a:rPr>
-              <a:t>(t+10) is relatively better in t+10 prediction. The extrapolation training helps </a:t>
+              <a:t>(t+10) model performs better in t+10 prediction. The extrapolation training helps </a:t>
             </a:r>
             <a:r>
               <a:rPr lang="en-US" altLang="en-US" sz="3600" dirty="0" err="1">
@@ -9007,7 +9228,7 @@
                 <a:ea typeface="等线" panose="02010600030101010101" pitchFamily="2" charset="-122"/>
                 <a:cs typeface="Times New Roman" panose="02020603050405020304" pitchFamily="18" charset="0"/>
               </a:rPr>
-              <a:t>(t+10) to keep the robust in the rolling prediction.</a:t>
+              <a:t>(t+10) maintain rolling predictions farther into the future.</a:t>
             </a:r>
             <a:endParaRPr lang="en-US" sz="3600" dirty="0"/>
           </a:p>
@@ -9029,8 +9250,8 @@
         </p:nvSpPr>
         <p:spPr>
           <a:xfrm>
-            <a:off x="24679422" y="19954044"/>
-            <a:ext cx="11936388" cy="1032608"/>
+            <a:off x="24679422" y="19379617"/>
+            <a:ext cx="11936388" cy="936479"/>
           </a:xfrm>
           <a:prstGeom prst="rect">
             <a:avLst/>
@@ -9053,8 +9274,8 @@
           </a:fontRef>
         </p:style>
         <p:txBody>
-          <a:bodyPr vert="horz" lIns="91440" tIns="45720" rIns="91440" bIns="45720" rtlCol="0">
-            <a:normAutofit fontScale="70000" lnSpcReduction="20000"/>
+          <a:bodyPr vert="horz" lIns="91440" tIns="45720" rIns="91440" bIns="45720" rtlCol="0" anchor="ctr">
+            <a:normAutofit/>
           </a:bodyPr>
           <a:lstStyle>
             <a:lvl1pPr marL="914400" indent="-914400" algn="l" defTabSz="3657600" rtl="0" eaLnBrk="1" latinLnBrk="0" hangingPunct="1">
@@ -9225,7 +9446,7 @@
               <a:buNone/>
             </a:pPr>
             <a:r>
-              <a:rPr lang="en-US" dirty="0"/>
+              <a:rPr lang="en-US" sz="6000" dirty="0"/>
               <a:t>Conclusion</a:t>
             </a:r>
           </a:p>
@@ -9247,8 +9468,8 @@
         </p:nvSpPr>
         <p:spPr>
           <a:xfrm>
-            <a:off x="24719231" y="20977575"/>
-            <a:ext cx="11824854" cy="2583465"/>
+            <a:off x="24719231" y="20356204"/>
+            <a:ext cx="11824854" cy="3367013"/>
           </a:xfrm>
           <a:prstGeom prst="rect">
             <a:avLst/>
@@ -9270,7 +9491,7 @@
         </p:style>
         <p:txBody>
           <a:bodyPr vert="horz" lIns="91440" tIns="45720" rIns="91440" bIns="45720" rtlCol="0">
-            <a:normAutofit/>
+            <a:noAutofit/>
           </a:bodyPr>
           <a:lstStyle>
             <a:lvl1pPr marL="914400" indent="-914400" algn="l" defTabSz="3657600" rtl="0" eaLnBrk="1" latinLnBrk="0" hangingPunct="1">
@@ -9441,8 +9662,28 @@
               <a:buNone/>
             </a:pPr>
             <a:r>
-              <a:rPr lang="en-US" sz="2400" dirty="0"/>
-              <a:t>The result of this project supports that deep learning can be applied in the sample case of CFD field. If we control the environment of fluid flow, it can reach a static or dynamic stable status. Then we can use deep learning model to learn the pattern of this stable statues. However, in this project we only applied deep learning model to one strictly controlled scenario and it can only stimulate 10 seconds. In the future, we are planning to create more variety samples in the different velocity, mesh and features of fluid. So that we can figure out if this deep learning model has ability to be used in general situation.</a:t>
+              <a:rPr lang="en-US" sz="2800" dirty="0"/>
+              <a:t>The results of this investigation support the hypothesis that a deep learning model can effectively predict/simulate fluid motion. In a restricted environment, fluid flow reaches a static or dynamically stable status, expressing a pattern that a deep learning model can learn. However, it should be noted that the model did not learn fluid dynamics, it learned what </a:t>
+            </a:r>
+            <a:r>
+              <a:rPr lang="en-US" sz="2800"/>
+              <a:t>fluid motion </a:t>
+            </a:r>
+            <a:r>
+              <a:rPr lang="en-US" sz="2800" dirty="0"/>
+              <a:t>looks like.</a:t>
+            </a:r>
+          </a:p>
+          <a:p>
+            <a:pPr marL="0" indent="0">
+              <a:spcBef>
+                <a:spcPts val="1200"/>
+              </a:spcBef>
+              <a:buNone/>
+            </a:pPr>
+            <a:r>
+              <a:rPr lang="en-US" sz="2800" dirty="0"/>
+              <a:t>Currently the model is restricted to a controlled scenario that stimulates 10 seconds. We plan to create additional samples by varying velocity, mesh, and features to determine if the deep learning model can learn to generalize.</a:t>
             </a:r>
           </a:p>
         </p:txBody>
@@ -9463,7 +9704,7 @@
         </p:nvSpPr>
         <p:spPr>
           <a:xfrm>
-            <a:off x="24711337" y="23716956"/>
+            <a:off x="24711337" y="23835953"/>
             <a:ext cx="11936388" cy="407964"/>
           </a:xfrm>
           <a:prstGeom prst="rect">
@@ -9660,7 +9901,7 @@
             </a:pPr>
             <a:r>
               <a:rPr lang="en-US" sz="6600" dirty="0"/>
-              <a:t>Reference</a:t>
+              <a:t>References</a:t>
             </a:r>
           </a:p>
         </p:txBody>
@@ -9681,8 +9922,8 @@
         </p:nvSpPr>
         <p:spPr>
           <a:xfrm>
-            <a:off x="24751146" y="24124921"/>
-            <a:ext cx="11824854" cy="3199032"/>
+            <a:off x="24751146" y="24262706"/>
+            <a:ext cx="11824854" cy="3122641"/>
           </a:xfrm>
           <a:prstGeom prst="rect">
             <a:avLst/>
@@ -9966,7 +10207,7 @@
                 <a:ea typeface="等线" panose="02010600030101010101" pitchFamily="2" charset="-122"/>
                 <a:cs typeface="Times New Roman" panose="02020603050405020304" pitchFamily="18" charset="0"/>
               </a:rPr>
-              <a:t>Gregory </a:t>
+              <a:t>Gregory Wolffe, John </a:t>
             </a:r>
             <a:r>
               <a:rPr lang="en-US" altLang="en-US" sz="2400" dirty="0" err="1">
@@ -9977,7 +10218,7 @@
                 <a:ea typeface="等线" panose="02010600030101010101" pitchFamily="2" charset="-122"/>
                 <a:cs typeface="Times New Roman" panose="02020603050405020304" pitchFamily="18" charset="0"/>
               </a:rPr>
-              <a:t>Wolffe</a:t>
+              <a:t>Oleszkiewicz</a:t>
             </a:r>
             <a:r>
               <a:rPr lang="en-US" altLang="en-US" sz="2400" dirty="0">
@@ -9988,7 +10229,7 @@
                 <a:ea typeface="等线" panose="02010600030101010101" pitchFamily="2" charset="-122"/>
                 <a:cs typeface="Times New Roman" panose="02020603050405020304" pitchFamily="18" charset="0"/>
               </a:rPr>
-              <a:t>, John </a:t>
+              <a:t>, David </a:t>
             </a:r>
             <a:r>
               <a:rPr lang="en-US" altLang="en-US" sz="2400" dirty="0" err="1">
@@ -9999,7 +10240,7 @@
                 <a:ea typeface="等线" panose="02010600030101010101" pitchFamily="2" charset="-122"/>
                 <a:cs typeface="Times New Roman" panose="02020603050405020304" pitchFamily="18" charset="0"/>
               </a:rPr>
-              <a:t>Oleszkiewicz,David</a:t>
+              <a:t>Cherba</a:t>
             </a:r>
             <a:r>
               <a:rPr lang="en-US" altLang="en-US" sz="2400" dirty="0">
@@ -10010,7 +10251,7 @@
                 <a:ea typeface="等线" panose="02010600030101010101" pitchFamily="2" charset="-122"/>
                 <a:cs typeface="Times New Roman" panose="02020603050405020304" pitchFamily="18" charset="0"/>
               </a:rPr>
-              <a:t> </a:t>
+              <a:t>, </a:t>
             </a:r>
             <a:r>
               <a:rPr lang="en-US" altLang="en-US" sz="2400" dirty="0" err="1">
@@ -10021,7 +10262,7 @@
                 <a:ea typeface="等线" panose="02010600030101010101" pitchFamily="2" charset="-122"/>
                 <a:cs typeface="Times New Roman" panose="02020603050405020304" pitchFamily="18" charset="0"/>
               </a:rPr>
-              <a:t>Cherba</a:t>
+              <a:t>Dewei</a:t>
             </a:r>
             <a:r>
               <a:rPr lang="en-US" altLang="en-US" sz="2400" dirty="0">
@@ -10032,10 +10273,10 @@
                 <a:ea typeface="等线" panose="02010600030101010101" pitchFamily="2" charset="-122"/>
                 <a:cs typeface="Times New Roman" panose="02020603050405020304" pitchFamily="18" charset="0"/>
               </a:rPr>
-              <a:t>, </a:t>
-            </a:r>
-            <a:r>
-              <a:rPr lang="en-US" altLang="en-US" sz="2400" dirty="0" err="1">
+              <a:t> Qi. 2002. "Parallelizing Solid Particles in Lattice-Boltzmann Fluid Dynamics." </a:t>
+            </a:r>
+            <a:r>
+              <a:rPr lang="en-US" altLang="en-US" sz="2400" i="1" dirty="0">
                 <a:solidFill>
                   <a:schemeClr val="tx1"/>
                 </a:solidFill>
@@ -10043,29 +10284,7 @@
                 <a:ea typeface="等线" panose="02010600030101010101" pitchFamily="2" charset="-122"/>
                 <a:cs typeface="Times New Roman" panose="02020603050405020304" pitchFamily="18" charset="0"/>
               </a:rPr>
-              <a:t>Dewei</a:t>
-            </a:r>
-            <a:r>
-              <a:rPr lang="en-US" altLang="en-US" sz="2400" dirty="0">
-                <a:solidFill>
-                  <a:schemeClr val="tx1"/>
-                </a:solidFill>
-                <a:latin typeface="Calibri" panose="020F0502020204030204" pitchFamily="34" charset="0"/>
-                <a:ea typeface="等线" panose="02010600030101010101" pitchFamily="2" charset="-122"/>
-                <a:cs typeface="Times New Roman" panose="02020603050405020304" pitchFamily="18" charset="0"/>
-              </a:rPr>
-              <a:t> Qi. 2002. "Parallelizing Solid Particles in Lattice-Boltzmann Fluid Dynamics." </a:t>
-            </a:r>
-            <a:r>
-              <a:rPr lang="en-US" altLang="en-US" sz="2400" i="1" dirty="0">
-                <a:solidFill>
-                  <a:schemeClr val="tx1"/>
-                </a:solidFill>
-                <a:latin typeface="Calibri" panose="020F0502020204030204" pitchFamily="34" charset="0"/>
-                <a:ea typeface="等线" panose="02010600030101010101" pitchFamily="2" charset="-122"/>
-                <a:cs typeface="Times New Roman" panose="02020603050405020304" pitchFamily="18" charset="0"/>
-              </a:rPr>
-              <a:t>Proceedings of PDPTA ’02.</a:t>
+              <a:t>Proceedings of PDPTA.</a:t>
             </a:r>
             <a:r>
               <a:rPr lang="en-US" altLang="en-US" sz="2400" dirty="0">
@@ -10139,7 +10358,7 @@
                 <a:ea typeface="等线" panose="02010600030101010101" pitchFamily="2" charset="-122"/>
                 <a:cs typeface="Times New Roman" panose="02020603050405020304" pitchFamily="18" charset="0"/>
               </a:rPr>
-              <a:t> August 27. http://colah.github.io/posts/2015-08-Understanding-LSTMs/.</a:t>
+              <a:t> Retrieved August 27. http://colah.github.io/posts/2015-08-Understanding-LSTMs/.</a:t>
             </a:r>
             <a:endParaRPr lang="en-US" altLang="en-US" sz="4800" dirty="0">
               <a:solidFill>
@@ -10259,39 +10478,6 @@
               </a:rPr>
               <a:t> LSTM.</a:t>
             </a:r>
-            <a:r>
-              <a:rPr lang="en-US" altLang="en-US" sz="2400" dirty="0">
-                <a:solidFill>
-                  <a:schemeClr val="tx1"/>
-                </a:solidFill>
-                <a:latin typeface="Calibri" panose="020F0502020204030204" pitchFamily="34" charset="0"/>
-                <a:ea typeface="等线" panose="02010600030101010101" pitchFamily="2" charset="-122"/>
-                <a:cs typeface="Times New Roman" panose="02020603050405020304" pitchFamily="18" charset="0"/>
-              </a:rPr>
-              <a:t> </a:t>
-            </a:r>
-            <a:r>
-              <a:rPr lang="en-US" altLang="en-US" sz="2400" dirty="0" err="1">
-                <a:solidFill>
-                  <a:schemeClr val="tx1"/>
-                </a:solidFill>
-                <a:latin typeface="Calibri" panose="020F0502020204030204" pitchFamily="34" charset="0"/>
-                <a:ea typeface="等线" panose="02010600030101010101" pitchFamily="2" charset="-122"/>
-                <a:cs typeface="Times New Roman" panose="02020603050405020304" pitchFamily="18" charset="0"/>
-              </a:rPr>
-              <a:t>stanford</a:t>
-            </a:r>
-            <a:r>
-              <a:rPr lang="en-US" altLang="en-US" sz="2400" dirty="0">
-                <a:solidFill>
-                  <a:schemeClr val="tx1"/>
-                </a:solidFill>
-                <a:latin typeface="Calibri" panose="020F0502020204030204" pitchFamily="34" charset="0"/>
-                <a:ea typeface="等线" panose="02010600030101010101" pitchFamily="2" charset="-122"/>
-                <a:cs typeface="Times New Roman" panose="02020603050405020304" pitchFamily="18" charset="0"/>
-              </a:rPr>
-              <a:t>.</a:t>
-            </a:r>
             <a:endParaRPr lang="en-US" altLang="en-US" sz="4800" dirty="0">
               <a:solidFill>
                 <a:schemeClr val="tx1"/>
@@ -10581,6 +10767,1397 @@
           </a:p>
         </p:txBody>
       </p:sp>
+      <p:graphicFrame>
+        <p:nvGraphicFramePr>
+          <p:cNvPr id="7" name="Table 6">
+            <a:extLst>
+              <a:ext uri="{FF2B5EF4-FFF2-40B4-BE49-F238E27FC236}">
+                <a16:creationId xmlns:a16="http://schemas.microsoft.com/office/drawing/2014/main" id="{362C0D53-6826-42F4-9352-37A043174C48}"/>
+              </a:ext>
+            </a:extLst>
+          </p:cNvPr>
+          <p:cNvGraphicFramePr>
+            <a:graphicFrameLocks noGrp="1"/>
+          </p:cNvGraphicFramePr>
+          <p:nvPr>
+            <p:extLst>
+              <p:ext uri="{D42A27DB-BD31-4B8C-83A1-F6EECF244321}">
+                <p14:modId xmlns:p14="http://schemas.microsoft.com/office/powerpoint/2010/main" val="3454865213"/>
+              </p:ext>
+            </p:extLst>
+          </p:nvPr>
+        </p:nvGraphicFramePr>
+        <p:xfrm>
+          <a:off x="15355306" y="6016657"/>
+          <a:ext cx="8786150" cy="4417342"/>
+        </p:xfrm>
+        <a:graphic>
+          <a:graphicData uri="http://schemas.openxmlformats.org/drawingml/2006/table">
+            <a:tbl>
+              <a:tblPr firstRow="1" firstCol="1" bandRow="1">
+                <a:tableStyleId>{5C22544A-7EE6-4342-B048-85BDC9FD1C3A}</a:tableStyleId>
+              </a:tblPr>
+              <a:tblGrid>
+                <a:gridCol w="1602180">
+                  <a:extLst>
+                    <a:ext uri="{9D8B030D-6E8A-4147-A177-3AD203B41FA5}">
+                      <a16:colId xmlns:a16="http://schemas.microsoft.com/office/drawing/2014/main" val="4229486"/>
+                    </a:ext>
+                  </a:extLst>
+                </a:gridCol>
+                <a:gridCol w="3230673">
+                  <a:extLst>
+                    <a:ext uri="{9D8B030D-6E8A-4147-A177-3AD203B41FA5}">
+                      <a16:colId xmlns:a16="http://schemas.microsoft.com/office/drawing/2014/main" val="1557149413"/>
+                    </a:ext>
+                  </a:extLst>
+                </a:gridCol>
+                <a:gridCol w="3953297">
+                  <a:extLst>
+                    <a:ext uri="{9D8B030D-6E8A-4147-A177-3AD203B41FA5}">
+                      <a16:colId xmlns:a16="http://schemas.microsoft.com/office/drawing/2014/main" val="3337980378"/>
+                    </a:ext>
+                  </a:extLst>
+                </a:gridCol>
+              </a:tblGrid>
+              <a:tr h="240462">
+                <a:tc>
+                  <a:txBody>
+                    <a:bodyPr/>
+                    <a:lstStyle/>
+                    <a:p>
+                      <a:pPr marL="0" marR="0" algn="ctr">
+                        <a:lnSpc>
+                          <a:spcPct val="107000"/>
+                        </a:lnSpc>
+                        <a:spcBef>
+                          <a:spcPts val="0"/>
+                        </a:spcBef>
+                        <a:spcAft>
+                          <a:spcPts val="0"/>
+                        </a:spcAft>
+                      </a:pPr>
+                      <a:r>
+                        <a:rPr lang="en-US" sz="1400">
+                          <a:effectLst/>
+                        </a:rPr>
+                        <a:t>Parameter</a:t>
+                      </a:r>
+                      <a:endParaRPr lang="en-US" sz="1400">
+                        <a:effectLst/>
+                        <a:latin typeface="Calibri" panose="020F0502020204030204" pitchFamily="34" charset="0"/>
+                        <a:ea typeface="等线" panose="02010600030101010101" pitchFamily="2" charset="-122"/>
+                        <a:cs typeface="Times New Roman" panose="02020603050405020304" pitchFamily="18" charset="0"/>
+                      </a:endParaRPr>
+                    </a:p>
+                  </a:txBody>
+                  <a:tcPr marL="68580" marR="68580" marT="0" marB="0" anchor="ctr"/>
+                </a:tc>
+                <a:tc>
+                  <a:txBody>
+                    <a:bodyPr/>
+                    <a:lstStyle/>
+                    <a:p>
+                      <a:pPr marL="0" marR="0" algn="ctr">
+                        <a:lnSpc>
+                          <a:spcPct val="107000"/>
+                        </a:lnSpc>
+                        <a:spcBef>
+                          <a:spcPts val="0"/>
+                        </a:spcBef>
+                        <a:spcAft>
+                          <a:spcPts val="0"/>
+                        </a:spcAft>
+                      </a:pPr>
+                      <a:r>
+                        <a:rPr lang="en-US" sz="1400">
+                          <a:effectLst/>
+                        </a:rPr>
+                        <a:t>Configure</a:t>
+                      </a:r>
+                      <a:endParaRPr lang="en-US" sz="1400">
+                        <a:effectLst/>
+                        <a:latin typeface="Calibri" panose="020F0502020204030204" pitchFamily="34" charset="0"/>
+                        <a:ea typeface="等线" panose="02010600030101010101" pitchFamily="2" charset="-122"/>
+                        <a:cs typeface="Times New Roman" panose="02020603050405020304" pitchFamily="18" charset="0"/>
+                      </a:endParaRPr>
+                    </a:p>
+                  </a:txBody>
+                  <a:tcPr marL="68580" marR="68580" marT="0" marB="0" anchor="ctr"/>
+                </a:tc>
+                <a:tc>
+                  <a:txBody>
+                    <a:bodyPr/>
+                    <a:lstStyle/>
+                    <a:p>
+                      <a:pPr marL="0" marR="0" algn="ctr">
+                        <a:lnSpc>
+                          <a:spcPct val="107000"/>
+                        </a:lnSpc>
+                        <a:spcBef>
+                          <a:spcPts val="0"/>
+                        </a:spcBef>
+                        <a:spcAft>
+                          <a:spcPts val="0"/>
+                        </a:spcAft>
+                      </a:pPr>
+                      <a:r>
+                        <a:rPr lang="en-US" sz="1400">
+                          <a:effectLst/>
+                        </a:rPr>
+                        <a:t>Desc</a:t>
+                      </a:r>
+                      <a:endParaRPr lang="en-US" sz="1400">
+                        <a:effectLst/>
+                        <a:latin typeface="Calibri" panose="020F0502020204030204" pitchFamily="34" charset="0"/>
+                        <a:ea typeface="等线" panose="02010600030101010101" pitchFamily="2" charset="-122"/>
+                        <a:cs typeface="Times New Roman" panose="02020603050405020304" pitchFamily="18" charset="0"/>
+                      </a:endParaRPr>
+                    </a:p>
+                  </a:txBody>
+                  <a:tcPr marL="68580" marR="68580" marT="0" marB="0" anchor="ctr"/>
+                </a:tc>
+                <a:extLst>
+                  <a:ext uri="{0D108BD9-81ED-4DB2-BD59-A6C34878D82A}">
+                    <a16:rowId xmlns:a16="http://schemas.microsoft.com/office/drawing/2014/main" val="3813779588"/>
+                  </a:ext>
+                </a:extLst>
+              </a:tr>
+              <a:tr h="492053">
+                <a:tc>
+                  <a:txBody>
+                    <a:bodyPr/>
+                    <a:lstStyle/>
+                    <a:p>
+                      <a:pPr marL="0" marR="0">
+                        <a:lnSpc>
+                          <a:spcPct val="107000"/>
+                        </a:lnSpc>
+                        <a:spcBef>
+                          <a:spcPts val="0"/>
+                        </a:spcBef>
+                        <a:spcAft>
+                          <a:spcPts val="0"/>
+                        </a:spcAft>
+                      </a:pPr>
+                      <a:r>
+                        <a:rPr lang="en-US" sz="1400">
+                          <a:effectLst/>
+                        </a:rPr>
+                        <a:t>Input</a:t>
+                      </a:r>
+                      <a:endParaRPr lang="en-US" sz="1400">
+                        <a:effectLst/>
+                        <a:latin typeface="Calibri" panose="020F0502020204030204" pitchFamily="34" charset="0"/>
+                        <a:ea typeface="等线" panose="02010600030101010101" pitchFamily="2" charset="-122"/>
+                        <a:cs typeface="Times New Roman" panose="02020603050405020304" pitchFamily="18" charset="0"/>
+                      </a:endParaRPr>
+                    </a:p>
+                  </a:txBody>
+                  <a:tcPr marL="68580" marR="68580" marT="0" marB="0" anchor="ctr"/>
+                </a:tc>
+                <a:tc>
+                  <a:txBody>
+                    <a:bodyPr/>
+                    <a:lstStyle/>
+                    <a:p>
+                      <a:pPr marL="0" marR="0">
+                        <a:lnSpc>
+                          <a:spcPct val="107000"/>
+                        </a:lnSpc>
+                        <a:spcBef>
+                          <a:spcPts val="0"/>
+                        </a:spcBef>
+                        <a:spcAft>
+                          <a:spcPts val="0"/>
+                        </a:spcAft>
+                      </a:pPr>
+                      <a:r>
+                        <a:rPr lang="de-DE" sz="1400" dirty="0">
+                          <a:effectLst/>
+                          <a:latin typeface="Calibri" panose="020F0502020204030204" pitchFamily="34" charset="0"/>
+                          <a:ea typeface="等线" panose="02010600030101010101" pitchFamily="2" charset="-122"/>
+                          <a:cs typeface="Times New Roman" panose="02020603050405020304" pitchFamily="18" charset="0"/>
+                        </a:rPr>
+                        <a:t>PredNet(t+1): (11, 3, 128, 160)</a:t>
+                      </a:r>
+                    </a:p>
+                    <a:p>
+                      <a:pPr marL="0" marR="0">
+                        <a:lnSpc>
+                          <a:spcPct val="107000"/>
+                        </a:lnSpc>
+                        <a:spcBef>
+                          <a:spcPts val="0"/>
+                        </a:spcBef>
+                        <a:spcAft>
+                          <a:spcPts val="0"/>
+                        </a:spcAft>
+                      </a:pPr>
+                      <a:r>
+                        <a:rPr lang="de-DE" sz="1400" dirty="0">
+                          <a:effectLst/>
+                          <a:latin typeface="Calibri" panose="020F0502020204030204" pitchFamily="34" charset="0"/>
+                          <a:ea typeface="等线" panose="02010600030101010101" pitchFamily="2" charset="-122"/>
+                          <a:cs typeface="Times New Roman" panose="02020603050405020304" pitchFamily="18" charset="0"/>
+                        </a:rPr>
+                        <a:t>PredNet(t+10): (20, 3, 128, 160)</a:t>
+                      </a:r>
+                    </a:p>
+                  </a:txBody>
+                  <a:tcPr marL="68580" marR="68580" marT="0" marB="0" anchor="ctr"/>
+                </a:tc>
+                <a:tc>
+                  <a:txBody>
+                    <a:bodyPr/>
+                    <a:lstStyle/>
+                    <a:p>
+                      <a:pPr marL="0" marR="0">
+                        <a:lnSpc>
+                          <a:spcPct val="107000"/>
+                        </a:lnSpc>
+                        <a:spcBef>
+                          <a:spcPts val="0"/>
+                        </a:spcBef>
+                        <a:spcAft>
+                          <a:spcPts val="0"/>
+                        </a:spcAft>
+                      </a:pPr>
+                      <a:r>
+                        <a:rPr lang="en-US" sz="1400" dirty="0">
+                          <a:effectLst/>
+                        </a:rPr>
+                        <a:t>11 frames grouped into a sample, each frame with size 160*128 pixels and 3 channels (RGB).</a:t>
+                      </a:r>
+                      <a:endParaRPr lang="en-US" sz="1400" dirty="0">
+                        <a:effectLst/>
+                        <a:latin typeface="Calibri" panose="020F0502020204030204" pitchFamily="34" charset="0"/>
+                        <a:ea typeface="等线" panose="02010600030101010101" pitchFamily="2" charset="-122"/>
+                        <a:cs typeface="Times New Roman" panose="02020603050405020304" pitchFamily="18" charset="0"/>
+                      </a:endParaRPr>
+                    </a:p>
+                  </a:txBody>
+                  <a:tcPr marL="68580" marR="68580" marT="0" marB="0" anchor="ctr"/>
+                </a:tc>
+                <a:extLst>
+                  <a:ext uri="{0D108BD9-81ED-4DB2-BD59-A6C34878D82A}">
+                    <a16:rowId xmlns:a16="http://schemas.microsoft.com/office/drawing/2014/main" val="712012626"/>
+                  </a:ext>
+                </a:extLst>
+              </a:tr>
+              <a:tr h="743642">
+                <a:tc>
+                  <a:txBody>
+                    <a:bodyPr/>
+                    <a:lstStyle/>
+                    <a:p>
+                      <a:pPr marL="0" marR="0">
+                        <a:lnSpc>
+                          <a:spcPct val="107000"/>
+                        </a:lnSpc>
+                        <a:spcBef>
+                          <a:spcPts val="0"/>
+                        </a:spcBef>
+                        <a:spcAft>
+                          <a:spcPts val="0"/>
+                        </a:spcAft>
+                      </a:pPr>
+                      <a:r>
+                        <a:rPr lang="en-US" sz="1400" dirty="0">
+                          <a:effectLst/>
+                        </a:rPr>
+                        <a:t>Stack size</a:t>
+                      </a:r>
+                      <a:endParaRPr lang="en-US" sz="1400" dirty="0">
+                        <a:effectLst/>
+                        <a:latin typeface="Calibri" panose="020F0502020204030204" pitchFamily="34" charset="0"/>
+                        <a:ea typeface="等线" panose="02010600030101010101" pitchFamily="2" charset="-122"/>
+                        <a:cs typeface="Times New Roman" panose="02020603050405020304" pitchFamily="18" charset="0"/>
+                      </a:endParaRPr>
+                    </a:p>
+                  </a:txBody>
+                  <a:tcPr marL="68580" marR="68580" marT="0" marB="0" anchor="ctr"/>
+                </a:tc>
+                <a:tc>
+                  <a:txBody>
+                    <a:bodyPr/>
+                    <a:lstStyle/>
+                    <a:p>
+                      <a:pPr marL="0" marR="0">
+                        <a:lnSpc>
+                          <a:spcPct val="107000"/>
+                        </a:lnSpc>
+                        <a:spcBef>
+                          <a:spcPts val="0"/>
+                        </a:spcBef>
+                        <a:spcAft>
+                          <a:spcPts val="0"/>
+                        </a:spcAft>
+                      </a:pPr>
+                      <a:r>
+                        <a:rPr lang="en-US" sz="1400" dirty="0">
+                          <a:effectLst/>
+                        </a:rPr>
+                        <a:t>(3, 48, 96, 192)</a:t>
+                      </a:r>
+                      <a:endParaRPr lang="en-US" sz="1400" dirty="0">
+                        <a:effectLst/>
+                        <a:latin typeface="Calibri" panose="020F0502020204030204" pitchFamily="34" charset="0"/>
+                        <a:ea typeface="等线" panose="02010600030101010101" pitchFamily="2" charset="-122"/>
+                        <a:cs typeface="Times New Roman" panose="02020603050405020304" pitchFamily="18" charset="0"/>
+                      </a:endParaRPr>
+                    </a:p>
+                  </a:txBody>
+                  <a:tcPr marL="68580" marR="68580" marT="0" marB="0" anchor="ctr"/>
+                </a:tc>
+                <a:tc>
+                  <a:txBody>
+                    <a:bodyPr/>
+                    <a:lstStyle/>
+                    <a:p>
+                      <a:pPr marL="0" marR="0">
+                        <a:lnSpc>
+                          <a:spcPct val="107000"/>
+                        </a:lnSpc>
+                        <a:spcBef>
+                          <a:spcPts val="0"/>
+                        </a:spcBef>
+                        <a:spcAft>
+                          <a:spcPts val="0"/>
+                        </a:spcAft>
+                      </a:pPr>
+                      <a:r>
+                        <a:rPr lang="en-US" sz="1400" dirty="0">
+                          <a:effectLst/>
+                        </a:rPr>
+                        <a:t>There are 4 layers that input RGB images; with 48, 96 and 192 channels in the 2</a:t>
+                      </a:r>
+                      <a:r>
+                        <a:rPr lang="en-US" sz="1400" baseline="30000" dirty="0">
+                          <a:effectLst/>
+                        </a:rPr>
+                        <a:t>nd</a:t>
+                      </a:r>
+                      <a:r>
+                        <a:rPr lang="en-US" sz="1400" dirty="0">
+                          <a:effectLst/>
+                        </a:rPr>
+                        <a:t>, 3</a:t>
+                      </a:r>
+                      <a:r>
+                        <a:rPr lang="en-US" sz="1400" baseline="30000" dirty="0">
+                          <a:effectLst/>
+                        </a:rPr>
+                        <a:t>rd</a:t>
+                      </a:r>
+                      <a:r>
+                        <a:rPr lang="en-US" sz="1400" dirty="0">
+                          <a:effectLst/>
+                        </a:rPr>
+                        <a:t> and 4</a:t>
+                      </a:r>
+                      <a:r>
+                        <a:rPr lang="en-US" sz="1400" baseline="30000" dirty="0">
+                          <a:effectLst/>
+                        </a:rPr>
+                        <a:t>th</a:t>
+                      </a:r>
+                      <a:r>
+                        <a:rPr lang="en-US" sz="1400" dirty="0">
+                          <a:effectLst/>
+                        </a:rPr>
+                        <a:t> layers respectively.</a:t>
+                      </a:r>
+                      <a:endParaRPr lang="en-US" sz="1400" dirty="0">
+                        <a:effectLst/>
+                        <a:latin typeface="Calibri" panose="020F0502020204030204" pitchFamily="34" charset="0"/>
+                        <a:ea typeface="等线" panose="02010600030101010101" pitchFamily="2" charset="-122"/>
+                        <a:cs typeface="Times New Roman" panose="02020603050405020304" pitchFamily="18" charset="0"/>
+                      </a:endParaRPr>
+                    </a:p>
+                  </a:txBody>
+                  <a:tcPr marL="68580" marR="68580" marT="0" marB="0" anchor="ctr"/>
+                </a:tc>
+                <a:extLst>
+                  <a:ext uri="{0D108BD9-81ED-4DB2-BD59-A6C34878D82A}">
+                    <a16:rowId xmlns:a16="http://schemas.microsoft.com/office/drawing/2014/main" val="90752493"/>
+                  </a:ext>
+                </a:extLst>
+              </a:tr>
+              <a:tr h="492053">
+                <a:tc>
+                  <a:txBody>
+                    <a:bodyPr/>
+                    <a:lstStyle/>
+                    <a:p>
+                      <a:pPr marL="0" marR="0">
+                        <a:lnSpc>
+                          <a:spcPct val="107000"/>
+                        </a:lnSpc>
+                        <a:spcBef>
+                          <a:spcPts val="0"/>
+                        </a:spcBef>
+                        <a:spcAft>
+                          <a:spcPts val="0"/>
+                        </a:spcAft>
+                      </a:pPr>
+                      <a:r>
+                        <a:rPr lang="en-US" sz="1400">
+                          <a:effectLst/>
+                        </a:rPr>
+                        <a:t>A filter size</a:t>
+                      </a:r>
+                      <a:endParaRPr lang="en-US" sz="1400">
+                        <a:effectLst/>
+                        <a:latin typeface="Calibri" panose="020F0502020204030204" pitchFamily="34" charset="0"/>
+                        <a:ea typeface="等线" panose="02010600030101010101" pitchFamily="2" charset="-122"/>
+                        <a:cs typeface="Times New Roman" panose="02020603050405020304" pitchFamily="18" charset="0"/>
+                      </a:endParaRPr>
+                    </a:p>
+                  </a:txBody>
+                  <a:tcPr marL="68580" marR="68580" marT="0" marB="0" anchor="ctr"/>
+                </a:tc>
+                <a:tc>
+                  <a:txBody>
+                    <a:bodyPr/>
+                    <a:lstStyle/>
+                    <a:p>
+                      <a:pPr marL="0" marR="0">
+                        <a:lnSpc>
+                          <a:spcPct val="107000"/>
+                        </a:lnSpc>
+                        <a:spcBef>
+                          <a:spcPts val="0"/>
+                        </a:spcBef>
+                        <a:spcAft>
+                          <a:spcPts val="0"/>
+                        </a:spcAft>
+                      </a:pPr>
+                      <a:r>
+                        <a:rPr lang="en-US" sz="1400" dirty="0">
+                          <a:effectLst/>
+                        </a:rPr>
+                        <a:t>(3, 3, 3)</a:t>
+                      </a:r>
+                      <a:endParaRPr lang="en-US" sz="1400" dirty="0">
+                        <a:effectLst/>
+                        <a:latin typeface="Calibri" panose="020F0502020204030204" pitchFamily="34" charset="0"/>
+                        <a:ea typeface="等线" panose="02010600030101010101" pitchFamily="2" charset="-122"/>
+                        <a:cs typeface="Times New Roman" panose="02020603050405020304" pitchFamily="18" charset="0"/>
+                      </a:endParaRPr>
+                    </a:p>
+                  </a:txBody>
+                  <a:tcPr marL="68580" marR="68580" marT="0" marB="0" anchor="ctr"/>
+                </a:tc>
+                <a:tc>
+                  <a:txBody>
+                    <a:bodyPr/>
+                    <a:lstStyle/>
+                    <a:p>
+                      <a:pPr marL="0" marR="0">
+                        <a:lnSpc>
+                          <a:spcPct val="107000"/>
+                        </a:lnSpc>
+                        <a:spcBef>
+                          <a:spcPts val="0"/>
+                        </a:spcBef>
+                        <a:spcAft>
+                          <a:spcPts val="0"/>
+                        </a:spcAft>
+                      </a:pPr>
+                      <a:r>
+                        <a:rPr lang="en-US" sz="1400">
+                          <a:effectLst/>
+                        </a:rPr>
+                        <a:t>The targets for layers 2 and 3 are computed by a 3*3 convolution filter. </a:t>
+                      </a:r>
+                      <a:endParaRPr lang="en-US" sz="1400">
+                        <a:effectLst/>
+                        <a:latin typeface="Calibri" panose="020F0502020204030204" pitchFamily="34" charset="0"/>
+                        <a:ea typeface="等线" panose="02010600030101010101" pitchFamily="2" charset="-122"/>
+                        <a:cs typeface="Times New Roman" panose="02020603050405020304" pitchFamily="18" charset="0"/>
+                      </a:endParaRPr>
+                    </a:p>
+                  </a:txBody>
+                  <a:tcPr marL="68580" marR="68580" marT="0" marB="0" anchor="ctr"/>
+                </a:tc>
+                <a:extLst>
+                  <a:ext uri="{0D108BD9-81ED-4DB2-BD59-A6C34878D82A}">
+                    <a16:rowId xmlns:a16="http://schemas.microsoft.com/office/drawing/2014/main" val="813149235"/>
+                  </a:ext>
+                </a:extLst>
+              </a:tr>
+              <a:tr h="492053">
+                <a:tc>
+                  <a:txBody>
+                    <a:bodyPr/>
+                    <a:lstStyle/>
+                    <a:p>
+                      <a:pPr marL="0" marR="0">
+                        <a:lnSpc>
+                          <a:spcPct val="107000"/>
+                        </a:lnSpc>
+                        <a:spcBef>
+                          <a:spcPts val="0"/>
+                        </a:spcBef>
+                        <a:spcAft>
+                          <a:spcPts val="0"/>
+                        </a:spcAft>
+                      </a:pPr>
+                      <a:r>
+                        <a:rPr lang="en-US" sz="1400" dirty="0">
+                          <a:effectLst/>
+                        </a:rPr>
+                        <a:t>Â filter size</a:t>
+                      </a:r>
+                      <a:endParaRPr lang="en-US" sz="1400" dirty="0">
+                        <a:effectLst/>
+                        <a:latin typeface="Calibri" panose="020F0502020204030204" pitchFamily="34" charset="0"/>
+                        <a:ea typeface="等线" panose="02010600030101010101" pitchFamily="2" charset="-122"/>
+                        <a:cs typeface="Times New Roman" panose="02020603050405020304" pitchFamily="18" charset="0"/>
+                      </a:endParaRPr>
+                    </a:p>
+                  </a:txBody>
+                  <a:tcPr marL="68580" marR="68580" marT="0" marB="0" anchor="ctr"/>
+                </a:tc>
+                <a:tc>
+                  <a:txBody>
+                    <a:bodyPr/>
+                    <a:lstStyle/>
+                    <a:p>
+                      <a:pPr marL="0" marR="0">
+                        <a:lnSpc>
+                          <a:spcPct val="107000"/>
+                        </a:lnSpc>
+                        <a:spcBef>
+                          <a:spcPts val="0"/>
+                        </a:spcBef>
+                        <a:spcAft>
+                          <a:spcPts val="0"/>
+                        </a:spcAft>
+                      </a:pPr>
+                      <a:r>
+                        <a:rPr lang="en-US" sz="1400" dirty="0">
+                          <a:effectLst/>
+                        </a:rPr>
+                        <a:t>(3, 3, 3, 3)</a:t>
+                      </a:r>
+                      <a:endParaRPr lang="en-US" sz="1400" dirty="0">
+                        <a:effectLst/>
+                        <a:latin typeface="Calibri" panose="020F0502020204030204" pitchFamily="34" charset="0"/>
+                        <a:ea typeface="等线" panose="02010600030101010101" pitchFamily="2" charset="-122"/>
+                        <a:cs typeface="Times New Roman" panose="02020603050405020304" pitchFamily="18" charset="0"/>
+                      </a:endParaRPr>
+                    </a:p>
+                  </a:txBody>
+                  <a:tcPr marL="68580" marR="68580" marT="0" marB="0" anchor="ctr"/>
+                </a:tc>
+                <a:tc>
+                  <a:txBody>
+                    <a:bodyPr/>
+                    <a:lstStyle/>
+                    <a:p>
+                      <a:pPr marL="0" marR="0">
+                        <a:lnSpc>
+                          <a:spcPct val="107000"/>
+                        </a:lnSpc>
+                        <a:spcBef>
+                          <a:spcPts val="0"/>
+                        </a:spcBef>
+                        <a:spcAft>
+                          <a:spcPts val="0"/>
+                        </a:spcAft>
+                      </a:pPr>
+                      <a:r>
+                        <a:rPr lang="en-US" sz="1400">
+                          <a:effectLst/>
+                        </a:rPr>
+                        <a:t>The targets for layers 1, 2 and 3 are computed by a 3*3 convolution filter. </a:t>
+                      </a:r>
+                      <a:endParaRPr lang="en-US" sz="1400">
+                        <a:effectLst/>
+                        <a:latin typeface="Calibri" panose="020F0502020204030204" pitchFamily="34" charset="0"/>
+                        <a:ea typeface="等线" panose="02010600030101010101" pitchFamily="2" charset="-122"/>
+                        <a:cs typeface="Times New Roman" panose="02020603050405020304" pitchFamily="18" charset="0"/>
+                      </a:endParaRPr>
+                    </a:p>
+                  </a:txBody>
+                  <a:tcPr marL="68580" marR="68580" marT="0" marB="0" anchor="ctr"/>
+                </a:tc>
+                <a:extLst>
+                  <a:ext uri="{0D108BD9-81ED-4DB2-BD59-A6C34878D82A}">
+                    <a16:rowId xmlns:a16="http://schemas.microsoft.com/office/drawing/2014/main" val="1693911093"/>
+                  </a:ext>
+                </a:extLst>
+              </a:tr>
+              <a:tr h="995231">
+                <a:tc>
+                  <a:txBody>
+                    <a:bodyPr/>
+                    <a:lstStyle/>
+                    <a:p>
+                      <a:pPr marL="0" marR="0">
+                        <a:lnSpc>
+                          <a:spcPct val="107000"/>
+                        </a:lnSpc>
+                        <a:spcBef>
+                          <a:spcPts val="0"/>
+                        </a:spcBef>
+                        <a:spcAft>
+                          <a:spcPts val="0"/>
+                        </a:spcAft>
+                      </a:pPr>
+                      <a:r>
+                        <a:rPr lang="en-US" sz="1400" dirty="0">
+                          <a:effectLst/>
+                        </a:rPr>
+                        <a:t>Output</a:t>
+                      </a:r>
+                      <a:endParaRPr lang="en-US" sz="1400" dirty="0">
+                        <a:effectLst/>
+                        <a:latin typeface="Calibri" panose="020F0502020204030204" pitchFamily="34" charset="0"/>
+                        <a:ea typeface="等线" panose="02010600030101010101" pitchFamily="2" charset="-122"/>
+                        <a:cs typeface="Times New Roman" panose="02020603050405020304" pitchFamily="18" charset="0"/>
+                      </a:endParaRPr>
+                    </a:p>
+                  </a:txBody>
+                  <a:tcPr marL="68580" marR="68580" marT="0" marB="0" anchor="ctr"/>
+                </a:tc>
+                <a:tc>
+                  <a:txBody>
+                    <a:bodyPr/>
+                    <a:lstStyle/>
+                    <a:p>
+                      <a:pPr marL="342900" marR="0" lvl="0" indent="-342900">
+                        <a:lnSpc>
+                          <a:spcPct val="107000"/>
+                        </a:lnSpc>
+                        <a:spcBef>
+                          <a:spcPts val="0"/>
+                        </a:spcBef>
+                        <a:spcAft>
+                          <a:spcPts val="0"/>
+                        </a:spcAft>
+                        <a:buFont typeface="Symbol" panose="05050102010706020507" pitchFamily="18" charset="2"/>
+                        <a:buChar char=""/>
+                      </a:pPr>
+                      <a:r>
+                        <a:rPr lang="en-US" sz="1400" dirty="0">
+                          <a:effectLst/>
+                        </a:rPr>
+                        <a:t>{1} for t+1 </a:t>
+                      </a:r>
+                      <a:r>
+                        <a:rPr lang="en-US" sz="1400" b="1" dirty="0">
+                          <a:effectLst/>
+                        </a:rPr>
+                        <a:t>training</a:t>
+                      </a:r>
+                    </a:p>
+                    <a:p>
+                      <a:pPr marL="342900" marR="0" lvl="0" indent="-342900">
+                        <a:lnSpc>
+                          <a:spcPct val="107000"/>
+                        </a:lnSpc>
+                        <a:spcBef>
+                          <a:spcPts val="0"/>
+                        </a:spcBef>
+                        <a:spcAft>
+                          <a:spcPts val="0"/>
+                        </a:spcAft>
+                        <a:buFont typeface="Symbol" panose="05050102010706020507" pitchFamily="18" charset="2"/>
+                        <a:buChar char=""/>
+                      </a:pPr>
+                      <a:r>
+                        <a:rPr lang="en-US" sz="1400" dirty="0">
+                          <a:effectLst/>
+                        </a:rPr>
+                        <a:t>{3,128,160} for </a:t>
+                      </a:r>
+                      <a:r>
+                        <a:rPr lang="en-US" sz="1400" b="1" dirty="0">
+                          <a:effectLst/>
+                        </a:rPr>
+                        <a:t>prediction</a:t>
+                      </a:r>
+                      <a:r>
+                        <a:rPr lang="en-US" sz="1400" dirty="0">
+                          <a:effectLst/>
+                        </a:rPr>
+                        <a:t> and </a:t>
+                      </a:r>
+                    </a:p>
+                    <a:p>
+                      <a:pPr marL="0" marR="0" lvl="0" indent="0">
+                        <a:lnSpc>
+                          <a:spcPct val="107000"/>
+                        </a:lnSpc>
+                        <a:spcBef>
+                          <a:spcPts val="0"/>
+                        </a:spcBef>
+                        <a:spcAft>
+                          <a:spcPts val="0"/>
+                        </a:spcAft>
+                        <a:buFont typeface="Symbol" panose="05050102010706020507" pitchFamily="18" charset="2"/>
+                        <a:buNone/>
+                      </a:pPr>
+                      <a:r>
+                        <a:rPr lang="en-US" sz="1400" dirty="0">
+                          <a:effectLst/>
+                        </a:rPr>
+                        <a:t>         </a:t>
+                      </a:r>
+                      <a:r>
+                        <a:rPr lang="en-US" sz="1400" dirty="0" err="1">
+                          <a:effectLst/>
+                        </a:rPr>
+                        <a:t>t+n</a:t>
+                      </a:r>
+                      <a:r>
+                        <a:rPr lang="en-US" sz="1400" dirty="0">
+                          <a:effectLst/>
+                        </a:rPr>
+                        <a:t> training</a:t>
+                      </a:r>
+                      <a:endParaRPr lang="en-US" sz="1400" dirty="0">
+                        <a:effectLst/>
+                        <a:latin typeface="Calibri" panose="020F0502020204030204" pitchFamily="34" charset="0"/>
+                        <a:ea typeface="等线" panose="02010600030101010101" pitchFamily="2" charset="-122"/>
+                        <a:cs typeface="Times New Roman" panose="02020603050405020304" pitchFamily="18" charset="0"/>
+                      </a:endParaRPr>
+                    </a:p>
+                  </a:txBody>
+                  <a:tcPr marL="68580" marR="68580" marT="0" marB="0" anchor="ctr"/>
+                </a:tc>
+                <a:tc>
+                  <a:txBody>
+                    <a:bodyPr/>
+                    <a:lstStyle/>
+                    <a:p>
+                      <a:pPr marL="0" marR="0">
+                        <a:lnSpc>
+                          <a:spcPct val="107000"/>
+                        </a:lnSpc>
+                        <a:spcBef>
+                          <a:spcPts val="0"/>
+                        </a:spcBef>
+                        <a:spcAft>
+                          <a:spcPts val="0"/>
+                        </a:spcAft>
+                      </a:pPr>
+                      <a:r>
+                        <a:rPr lang="en-US" sz="1400" dirty="0">
+                          <a:effectLst/>
+                        </a:rPr>
+                        <a:t>For t+1 </a:t>
+                      </a:r>
+                      <a:r>
+                        <a:rPr lang="en-US" sz="1400" b="1" dirty="0">
+                          <a:effectLst/>
+                        </a:rPr>
+                        <a:t>training</a:t>
+                      </a:r>
+                      <a:r>
+                        <a:rPr lang="en-US" sz="1400" dirty="0">
+                          <a:effectLst/>
+                        </a:rPr>
+                        <a:t> the model outputs error,</a:t>
+                      </a:r>
+                    </a:p>
+                    <a:p>
+                      <a:pPr marL="0" marR="0">
+                        <a:lnSpc>
+                          <a:spcPct val="107000"/>
+                        </a:lnSpc>
+                        <a:spcBef>
+                          <a:spcPts val="0"/>
+                        </a:spcBef>
+                        <a:spcAft>
+                          <a:spcPts val="0"/>
+                        </a:spcAft>
+                      </a:pPr>
+                      <a:r>
+                        <a:rPr lang="en-US" sz="1400" dirty="0">
+                          <a:effectLst/>
+                        </a:rPr>
+                        <a:t>goal is reducing error to 0. </a:t>
+                      </a:r>
+                    </a:p>
+                    <a:p>
+                      <a:pPr marL="0" marR="0">
+                        <a:lnSpc>
+                          <a:spcPct val="107000"/>
+                        </a:lnSpc>
+                        <a:spcBef>
+                          <a:spcPts val="0"/>
+                        </a:spcBef>
+                        <a:spcAft>
+                          <a:spcPts val="0"/>
+                        </a:spcAft>
+                      </a:pPr>
+                      <a:r>
+                        <a:rPr lang="en-US" sz="1400" dirty="0">
+                          <a:effectLst/>
+                        </a:rPr>
+                        <a:t>For </a:t>
+                      </a:r>
+                      <a:r>
+                        <a:rPr lang="en-US" sz="1400" dirty="0" err="1">
+                          <a:effectLst/>
+                        </a:rPr>
+                        <a:t>t+n</a:t>
+                      </a:r>
+                      <a:r>
+                        <a:rPr lang="en-US" sz="1400" dirty="0">
+                          <a:effectLst/>
+                        </a:rPr>
+                        <a:t> or </a:t>
+                      </a:r>
+                      <a:r>
+                        <a:rPr lang="en-US" sz="1400" b="1" dirty="0">
+                          <a:effectLst/>
+                        </a:rPr>
+                        <a:t>prediction</a:t>
+                      </a:r>
+                      <a:r>
+                        <a:rPr lang="en-US" sz="1400" dirty="0">
+                          <a:effectLst/>
+                        </a:rPr>
+                        <a:t> stage, the model output is prediction image. </a:t>
+                      </a:r>
+                      <a:endParaRPr lang="en-US" sz="1400" dirty="0">
+                        <a:effectLst/>
+                        <a:latin typeface="Calibri" panose="020F0502020204030204" pitchFamily="34" charset="0"/>
+                        <a:ea typeface="等线" panose="02010600030101010101" pitchFamily="2" charset="-122"/>
+                        <a:cs typeface="Times New Roman" panose="02020603050405020304" pitchFamily="18" charset="0"/>
+                      </a:endParaRPr>
+                    </a:p>
+                  </a:txBody>
+                  <a:tcPr marL="68580" marR="68580" marT="0" marB="0" anchor="ctr"/>
+                </a:tc>
+                <a:extLst>
+                  <a:ext uri="{0D108BD9-81ED-4DB2-BD59-A6C34878D82A}">
+                    <a16:rowId xmlns:a16="http://schemas.microsoft.com/office/drawing/2014/main" val="1331917244"/>
+                  </a:ext>
+                </a:extLst>
+              </a:tr>
+              <a:tr h="240462">
+                <a:tc>
+                  <a:txBody>
+                    <a:bodyPr/>
+                    <a:lstStyle/>
+                    <a:p>
+                      <a:pPr marL="0" marR="0">
+                        <a:lnSpc>
+                          <a:spcPct val="107000"/>
+                        </a:lnSpc>
+                        <a:spcBef>
+                          <a:spcPts val="0"/>
+                        </a:spcBef>
+                        <a:spcAft>
+                          <a:spcPts val="0"/>
+                        </a:spcAft>
+                      </a:pPr>
+                      <a:r>
+                        <a:rPr lang="en-US" sz="1400">
+                          <a:effectLst/>
+                        </a:rPr>
+                        <a:t>Loss function</a:t>
+                      </a:r>
+                      <a:endParaRPr lang="en-US" sz="1400">
+                        <a:effectLst/>
+                        <a:latin typeface="Calibri" panose="020F0502020204030204" pitchFamily="34" charset="0"/>
+                        <a:ea typeface="等线" panose="02010600030101010101" pitchFamily="2" charset="-122"/>
+                        <a:cs typeface="Times New Roman" panose="02020603050405020304" pitchFamily="18" charset="0"/>
+                      </a:endParaRPr>
+                    </a:p>
+                  </a:txBody>
+                  <a:tcPr marL="68580" marR="68580" marT="0" marB="0" anchor="ctr"/>
+                </a:tc>
+                <a:tc>
+                  <a:txBody>
+                    <a:bodyPr/>
+                    <a:lstStyle/>
+                    <a:p>
+                      <a:pPr marL="0" marR="0">
+                        <a:lnSpc>
+                          <a:spcPct val="107000"/>
+                        </a:lnSpc>
+                        <a:spcBef>
+                          <a:spcPts val="0"/>
+                        </a:spcBef>
+                        <a:spcAft>
+                          <a:spcPts val="0"/>
+                        </a:spcAft>
+                      </a:pPr>
+                      <a:r>
+                        <a:rPr lang="en-US" sz="1400">
+                          <a:effectLst/>
+                        </a:rPr>
+                        <a:t>MAE</a:t>
+                      </a:r>
+                      <a:endParaRPr lang="en-US" sz="1400">
+                        <a:effectLst/>
+                        <a:latin typeface="Calibri" panose="020F0502020204030204" pitchFamily="34" charset="0"/>
+                        <a:ea typeface="等线" panose="02010600030101010101" pitchFamily="2" charset="-122"/>
+                        <a:cs typeface="Times New Roman" panose="02020603050405020304" pitchFamily="18" charset="0"/>
+                      </a:endParaRPr>
+                    </a:p>
+                  </a:txBody>
+                  <a:tcPr marL="68580" marR="68580" marT="0" marB="0" anchor="ctr"/>
+                </a:tc>
+                <a:tc>
+                  <a:txBody>
+                    <a:bodyPr/>
+                    <a:lstStyle/>
+                    <a:p>
+                      <a:pPr marL="0" marR="0">
+                        <a:lnSpc>
+                          <a:spcPct val="107000"/>
+                        </a:lnSpc>
+                        <a:spcBef>
+                          <a:spcPts val="0"/>
+                        </a:spcBef>
+                        <a:spcAft>
+                          <a:spcPts val="0"/>
+                        </a:spcAft>
+                      </a:pPr>
+                      <a:r>
+                        <a:rPr lang="en-US" sz="1400">
+                          <a:effectLst/>
+                        </a:rPr>
+                        <a:t>Mean absolute error</a:t>
+                      </a:r>
+                      <a:endParaRPr lang="en-US" sz="1400">
+                        <a:effectLst/>
+                        <a:latin typeface="Calibri" panose="020F0502020204030204" pitchFamily="34" charset="0"/>
+                        <a:ea typeface="等线" panose="02010600030101010101" pitchFamily="2" charset="-122"/>
+                        <a:cs typeface="Times New Roman" panose="02020603050405020304" pitchFamily="18" charset="0"/>
+                      </a:endParaRPr>
+                    </a:p>
+                  </a:txBody>
+                  <a:tcPr marL="68580" marR="68580" marT="0" marB="0" anchor="ctr"/>
+                </a:tc>
+                <a:extLst>
+                  <a:ext uri="{0D108BD9-81ED-4DB2-BD59-A6C34878D82A}">
+                    <a16:rowId xmlns:a16="http://schemas.microsoft.com/office/drawing/2014/main" val="3298857279"/>
+                  </a:ext>
+                </a:extLst>
+              </a:tr>
+              <a:tr h="240462">
+                <a:tc>
+                  <a:txBody>
+                    <a:bodyPr/>
+                    <a:lstStyle/>
+                    <a:p>
+                      <a:pPr marL="0" marR="0">
+                        <a:lnSpc>
+                          <a:spcPct val="107000"/>
+                        </a:lnSpc>
+                        <a:spcBef>
+                          <a:spcPts val="0"/>
+                        </a:spcBef>
+                        <a:spcAft>
+                          <a:spcPts val="0"/>
+                        </a:spcAft>
+                      </a:pPr>
+                      <a:r>
+                        <a:rPr lang="en-US" sz="1400">
+                          <a:effectLst/>
+                        </a:rPr>
+                        <a:t>Optimizer</a:t>
+                      </a:r>
+                      <a:endParaRPr lang="en-US" sz="1400">
+                        <a:effectLst/>
+                        <a:latin typeface="Calibri" panose="020F0502020204030204" pitchFamily="34" charset="0"/>
+                        <a:ea typeface="等线" panose="02010600030101010101" pitchFamily="2" charset="-122"/>
+                        <a:cs typeface="Times New Roman" panose="02020603050405020304" pitchFamily="18" charset="0"/>
+                      </a:endParaRPr>
+                    </a:p>
+                  </a:txBody>
+                  <a:tcPr marL="68580" marR="68580" marT="0" marB="0" anchor="ctr"/>
+                </a:tc>
+                <a:tc>
+                  <a:txBody>
+                    <a:bodyPr/>
+                    <a:lstStyle/>
+                    <a:p>
+                      <a:pPr marL="0" marR="0">
+                        <a:lnSpc>
+                          <a:spcPct val="107000"/>
+                        </a:lnSpc>
+                        <a:spcBef>
+                          <a:spcPts val="0"/>
+                        </a:spcBef>
+                        <a:spcAft>
+                          <a:spcPts val="0"/>
+                        </a:spcAft>
+                      </a:pPr>
+                      <a:r>
+                        <a:rPr lang="en-US" sz="1400">
+                          <a:effectLst/>
+                        </a:rPr>
+                        <a:t>adam</a:t>
+                      </a:r>
+                      <a:endParaRPr lang="en-US" sz="1400">
+                        <a:effectLst/>
+                        <a:latin typeface="Calibri" panose="020F0502020204030204" pitchFamily="34" charset="0"/>
+                        <a:ea typeface="等线" panose="02010600030101010101" pitchFamily="2" charset="-122"/>
+                        <a:cs typeface="Times New Roman" panose="02020603050405020304" pitchFamily="18" charset="0"/>
+                      </a:endParaRPr>
+                    </a:p>
+                  </a:txBody>
+                  <a:tcPr marL="68580" marR="68580" marT="0" marB="0" anchor="ctr"/>
+                </a:tc>
+                <a:tc>
+                  <a:txBody>
+                    <a:bodyPr/>
+                    <a:lstStyle/>
+                    <a:p>
+                      <a:pPr marL="0" marR="0">
+                        <a:lnSpc>
+                          <a:spcPct val="107000"/>
+                        </a:lnSpc>
+                        <a:spcBef>
+                          <a:spcPts val="0"/>
+                        </a:spcBef>
+                        <a:spcAft>
+                          <a:spcPts val="0"/>
+                        </a:spcAft>
+                      </a:pPr>
+                      <a:r>
+                        <a:rPr lang="en-US" sz="1400">
+                          <a:effectLst/>
+                        </a:rPr>
+                        <a:t> </a:t>
+                      </a:r>
+                      <a:endParaRPr lang="en-US" sz="1400">
+                        <a:effectLst/>
+                        <a:latin typeface="Calibri" panose="020F0502020204030204" pitchFamily="34" charset="0"/>
+                        <a:ea typeface="等线" panose="02010600030101010101" pitchFamily="2" charset="-122"/>
+                        <a:cs typeface="Times New Roman" panose="02020603050405020304" pitchFamily="18" charset="0"/>
+                      </a:endParaRPr>
+                    </a:p>
+                  </a:txBody>
+                  <a:tcPr marL="68580" marR="68580" marT="0" marB="0" anchor="ctr"/>
+                </a:tc>
+                <a:extLst>
+                  <a:ext uri="{0D108BD9-81ED-4DB2-BD59-A6C34878D82A}">
+                    <a16:rowId xmlns:a16="http://schemas.microsoft.com/office/drawing/2014/main" val="2269621416"/>
+                  </a:ext>
+                </a:extLst>
+              </a:tr>
+              <a:tr h="240462">
+                <a:tc>
+                  <a:txBody>
+                    <a:bodyPr/>
+                    <a:lstStyle/>
+                    <a:p>
+                      <a:pPr marL="0" marR="0">
+                        <a:lnSpc>
+                          <a:spcPct val="107000"/>
+                        </a:lnSpc>
+                        <a:spcBef>
+                          <a:spcPts val="0"/>
+                        </a:spcBef>
+                        <a:spcAft>
+                          <a:spcPts val="0"/>
+                        </a:spcAft>
+                      </a:pPr>
+                      <a:r>
+                        <a:rPr lang="en-US" sz="1400">
+                          <a:effectLst/>
+                        </a:rPr>
+                        <a:t>Validate ratio</a:t>
+                      </a:r>
+                      <a:endParaRPr lang="en-US" sz="1400">
+                        <a:effectLst/>
+                        <a:latin typeface="Calibri" panose="020F0502020204030204" pitchFamily="34" charset="0"/>
+                        <a:ea typeface="等线" panose="02010600030101010101" pitchFamily="2" charset="-122"/>
+                        <a:cs typeface="Times New Roman" panose="02020603050405020304" pitchFamily="18" charset="0"/>
+                      </a:endParaRPr>
+                    </a:p>
+                  </a:txBody>
+                  <a:tcPr marL="68580" marR="68580" marT="0" marB="0" anchor="ctr"/>
+                </a:tc>
+                <a:tc>
+                  <a:txBody>
+                    <a:bodyPr/>
+                    <a:lstStyle/>
+                    <a:p>
+                      <a:pPr marL="0" marR="0">
+                        <a:lnSpc>
+                          <a:spcPct val="107000"/>
+                        </a:lnSpc>
+                        <a:spcBef>
+                          <a:spcPts val="0"/>
+                        </a:spcBef>
+                        <a:spcAft>
+                          <a:spcPts val="0"/>
+                        </a:spcAft>
+                      </a:pPr>
+                      <a:r>
+                        <a:rPr lang="en-US" sz="1400">
+                          <a:effectLst/>
+                        </a:rPr>
+                        <a:t>5%</a:t>
+                      </a:r>
+                      <a:endParaRPr lang="en-US" sz="1400">
+                        <a:effectLst/>
+                        <a:latin typeface="Calibri" panose="020F0502020204030204" pitchFamily="34" charset="0"/>
+                        <a:ea typeface="等线" panose="02010600030101010101" pitchFamily="2" charset="-122"/>
+                        <a:cs typeface="Times New Roman" panose="02020603050405020304" pitchFamily="18" charset="0"/>
+                      </a:endParaRPr>
+                    </a:p>
+                  </a:txBody>
+                  <a:tcPr marL="68580" marR="68580" marT="0" marB="0" anchor="ctr"/>
+                </a:tc>
+                <a:tc>
+                  <a:txBody>
+                    <a:bodyPr/>
+                    <a:lstStyle/>
+                    <a:p>
+                      <a:pPr marL="0" marR="0">
+                        <a:lnSpc>
+                          <a:spcPct val="107000"/>
+                        </a:lnSpc>
+                        <a:spcBef>
+                          <a:spcPts val="0"/>
+                        </a:spcBef>
+                        <a:spcAft>
+                          <a:spcPts val="0"/>
+                        </a:spcAft>
+                      </a:pPr>
+                      <a:r>
+                        <a:rPr lang="en-US" sz="1400" dirty="0">
+                          <a:effectLst/>
+                        </a:rPr>
+                        <a:t>5% of total samples used as validation</a:t>
+                      </a:r>
+                      <a:endParaRPr lang="en-US" sz="1400" dirty="0">
+                        <a:effectLst/>
+                        <a:latin typeface="Calibri" panose="020F0502020204030204" pitchFamily="34" charset="0"/>
+                        <a:ea typeface="等线" panose="02010600030101010101" pitchFamily="2" charset="-122"/>
+                        <a:cs typeface="Times New Roman" panose="02020603050405020304" pitchFamily="18" charset="0"/>
+                      </a:endParaRPr>
+                    </a:p>
+                  </a:txBody>
+                  <a:tcPr marL="68580" marR="68580" marT="0" marB="0" anchor="ctr"/>
+                </a:tc>
+                <a:extLst>
+                  <a:ext uri="{0D108BD9-81ED-4DB2-BD59-A6C34878D82A}">
+                    <a16:rowId xmlns:a16="http://schemas.microsoft.com/office/drawing/2014/main" val="3613460053"/>
+                  </a:ext>
+                </a:extLst>
+              </a:tr>
+              <a:tr h="240462">
+                <a:tc>
+                  <a:txBody>
+                    <a:bodyPr/>
+                    <a:lstStyle/>
+                    <a:p>
+                      <a:pPr marL="0" marR="0">
+                        <a:lnSpc>
+                          <a:spcPct val="107000"/>
+                        </a:lnSpc>
+                        <a:spcBef>
+                          <a:spcPts val="0"/>
+                        </a:spcBef>
+                        <a:spcAft>
+                          <a:spcPts val="0"/>
+                        </a:spcAft>
+                      </a:pPr>
+                      <a:r>
+                        <a:rPr lang="en-US" sz="1400">
+                          <a:effectLst/>
+                        </a:rPr>
+                        <a:t>Total Params</a:t>
+                      </a:r>
+                      <a:endParaRPr lang="en-US" sz="1400">
+                        <a:effectLst/>
+                        <a:latin typeface="Calibri" panose="020F0502020204030204" pitchFamily="34" charset="0"/>
+                        <a:ea typeface="等线" panose="02010600030101010101" pitchFamily="2" charset="-122"/>
+                        <a:cs typeface="Times New Roman" panose="02020603050405020304" pitchFamily="18" charset="0"/>
+                      </a:endParaRPr>
+                    </a:p>
+                  </a:txBody>
+                  <a:tcPr marL="68580" marR="68580" marT="0" marB="0" anchor="ctr"/>
+                </a:tc>
+                <a:tc>
+                  <a:txBody>
+                    <a:bodyPr/>
+                    <a:lstStyle/>
+                    <a:p>
+                      <a:pPr marL="0" marR="0">
+                        <a:lnSpc>
+                          <a:spcPct val="107000"/>
+                        </a:lnSpc>
+                        <a:spcBef>
+                          <a:spcPts val="0"/>
+                        </a:spcBef>
+                        <a:spcAft>
+                          <a:spcPts val="0"/>
+                        </a:spcAft>
+                      </a:pPr>
+                      <a:r>
+                        <a:rPr lang="en-US" sz="1400">
+                          <a:effectLst/>
+                        </a:rPr>
+                        <a:t>6,915,948</a:t>
+                      </a:r>
+                      <a:endParaRPr lang="en-US" sz="1400">
+                        <a:effectLst/>
+                        <a:latin typeface="Calibri" panose="020F0502020204030204" pitchFamily="34" charset="0"/>
+                        <a:ea typeface="等线" panose="02010600030101010101" pitchFamily="2" charset="-122"/>
+                        <a:cs typeface="Times New Roman" panose="02020603050405020304" pitchFamily="18" charset="0"/>
+                      </a:endParaRPr>
+                    </a:p>
+                  </a:txBody>
+                  <a:tcPr marL="68580" marR="68580" marT="0" marB="0" anchor="ctr"/>
+                </a:tc>
+                <a:tc>
+                  <a:txBody>
+                    <a:bodyPr/>
+                    <a:lstStyle/>
+                    <a:p>
+                      <a:pPr marL="0" marR="0">
+                        <a:lnSpc>
+                          <a:spcPct val="107000"/>
+                        </a:lnSpc>
+                        <a:spcBef>
+                          <a:spcPts val="0"/>
+                        </a:spcBef>
+                        <a:spcAft>
+                          <a:spcPts val="0"/>
+                        </a:spcAft>
+                      </a:pPr>
+                      <a:r>
+                        <a:rPr lang="en-US" sz="1400" dirty="0">
+                          <a:effectLst/>
+                        </a:rPr>
+                        <a:t> </a:t>
+                      </a:r>
+                      <a:endParaRPr lang="en-US" sz="1400" dirty="0">
+                        <a:effectLst/>
+                        <a:latin typeface="Calibri" panose="020F0502020204030204" pitchFamily="34" charset="0"/>
+                        <a:ea typeface="等线" panose="02010600030101010101" pitchFamily="2" charset="-122"/>
+                        <a:cs typeface="Times New Roman" panose="02020603050405020304" pitchFamily="18" charset="0"/>
+                      </a:endParaRPr>
+                    </a:p>
+                  </a:txBody>
+                  <a:tcPr marL="68580" marR="68580" marT="0" marB="0" anchor="ctr"/>
+                </a:tc>
+                <a:extLst>
+                  <a:ext uri="{0D108BD9-81ED-4DB2-BD59-A6C34878D82A}">
+                    <a16:rowId xmlns:a16="http://schemas.microsoft.com/office/drawing/2014/main" val="129796588"/>
+                  </a:ext>
+                </a:extLst>
+              </a:tr>
+            </a:tbl>
+          </a:graphicData>
+        </a:graphic>
+      </p:graphicFrame>
+      <p:sp>
+        <p:nvSpPr>
+          <p:cNvPr id="81" name="TextBox 80">
+            <a:extLst>
+              <a:ext uri="{FF2B5EF4-FFF2-40B4-BE49-F238E27FC236}">
+                <a16:creationId xmlns:a16="http://schemas.microsoft.com/office/drawing/2014/main" id="{F465F30F-2F88-4772-9C40-02D0B09066F3}"/>
+              </a:ext>
+            </a:extLst>
+          </p:cNvPr>
+          <p:cNvSpPr txBox="1"/>
+          <p:nvPr/>
+        </p:nvSpPr>
+        <p:spPr>
+          <a:xfrm>
+            <a:off x="12290181" y="6722665"/>
+            <a:ext cx="2925994" cy="830997"/>
+          </a:xfrm>
+          <a:prstGeom prst="rect">
+            <a:avLst/>
+          </a:prstGeom>
+          <a:noFill/>
+        </p:spPr>
+        <p:txBody>
+          <a:bodyPr wrap="square" rtlCol="0">
+            <a:spAutoFit/>
+          </a:bodyPr>
+          <a:lstStyle/>
+          <a:p>
+            <a:r>
+              <a:rPr lang="en-US" sz="2400" dirty="0"/>
+              <a:t>Table at right shows model configuration. </a:t>
+            </a:r>
+          </a:p>
+        </p:txBody>
+      </p:sp>
+      <p:pic>
+        <p:nvPicPr>
+          <p:cNvPr id="74" name="Picture 73">
+            <a:extLst>
+              <a:ext uri="{FF2B5EF4-FFF2-40B4-BE49-F238E27FC236}">
+                <a16:creationId xmlns:a16="http://schemas.microsoft.com/office/drawing/2014/main" id="{3E54EEE1-B4CF-468F-B0D5-77F7E4D4C9EE}"/>
+              </a:ext>
+            </a:extLst>
+          </p:cNvPr>
+          <p:cNvPicPr>
+            <a:picLocks noChangeAspect="1"/>
+          </p:cNvPicPr>
+          <p:nvPr/>
+        </p:nvPicPr>
+        <p:blipFill>
+          <a:blip r:embed="rId30"/>
+          <a:stretch>
+            <a:fillRect/>
+          </a:stretch>
+        </p:blipFill>
+        <p:spPr>
+          <a:xfrm>
+            <a:off x="29068145" y="505616"/>
+            <a:ext cx="7473198" cy="973764"/>
+          </a:xfrm>
+          <a:prstGeom prst="rect">
+            <a:avLst/>
+          </a:prstGeom>
+        </p:spPr>
+      </p:pic>
+      <p:pic>
+        <p:nvPicPr>
+          <p:cNvPr id="82" name="Picture 81">
+            <a:extLst>
+              <a:ext uri="{FF2B5EF4-FFF2-40B4-BE49-F238E27FC236}">
+                <a16:creationId xmlns:a16="http://schemas.microsoft.com/office/drawing/2014/main" id="{1CED0F7E-991B-4BDF-A5BC-C55DC0255E2F}"/>
+              </a:ext>
+            </a:extLst>
+          </p:cNvPr>
+          <p:cNvPicPr>
+            <a:picLocks noChangeAspect="1"/>
+          </p:cNvPicPr>
+          <p:nvPr/>
+        </p:nvPicPr>
+        <p:blipFill>
+          <a:blip r:embed="rId31">
+            <a:extLst>
+              <a:ext uri="{28A0092B-C50C-407E-A947-70E740481C1C}">
+                <a14:useLocalDpi xmlns:a14="http://schemas.microsoft.com/office/drawing/2010/main" val="0"/>
+              </a:ext>
+            </a:extLst>
+          </a:blip>
+          <a:stretch>
+            <a:fillRect/>
+          </a:stretch>
+        </p:blipFill>
+        <p:spPr>
+          <a:xfrm>
+            <a:off x="74931" y="246102"/>
+            <a:ext cx="4048589" cy="1191005"/>
+          </a:xfrm>
+          <a:prstGeom prst="rect">
+            <a:avLst/>
+          </a:prstGeom>
+        </p:spPr>
+      </p:pic>
     </p:spTree>
     <p:extLst>
       <p:ext uri="{BB962C8B-B14F-4D97-AF65-F5344CB8AC3E}">
